--- a/G6_presentation_intermediaire_fuchs_butty_rial.pptx
+++ b/G6_presentation_intermediaire_fuchs_butty_rial.pptx
@@ -12,8 +12,8 @@
     <p:sldId id="257" r:id="rId3"/>
     <p:sldId id="258" r:id="rId4"/>
     <p:sldId id="259" r:id="rId5"/>
-    <p:sldId id="260" r:id="rId6"/>
-    <p:sldId id="261" r:id="rId7"/>
+    <p:sldId id="270" r:id="rId6"/>
+    <p:sldId id="268" r:id="rId7"/>
     <p:sldId id="262" r:id="rId8"/>
     <p:sldId id="263" r:id="rId9"/>
     <p:sldId id="264" r:id="rId10"/>
@@ -252,6 +252,11 @@
       </a:defRPr>
     </a:lvl9pPr>
   </p:defaultTextStyle>
+  <p:extLst>
+    <p:ext uri="{EFAFB233-063F-42B5-8137-9DF3F51BA10A}">
+      <p15:sldGuideLst xmlns:p15="http://schemas.microsoft.com/office/powerpoint/2012/main"/>
+    </p:ext>
+  </p:extLst>
 </p:presentation>
 </file>
 
@@ -1770,7 +1775,7 @@
     </p:spTree>
     <p:extLst>
       <p:ext uri="{BB962C8B-B14F-4D97-AF65-F5344CB8AC3E}">
-        <p14:creationId xmlns:p14="http://schemas.microsoft.com/office/powerpoint/2010/main" val="491705403"/>
+        <p14:creationId xmlns:p14="http://schemas.microsoft.com/office/powerpoint/2010/main" val="1665947468"/>
       </p:ext>
     </p:extLst>
   </p:cSld>
@@ -1879,7 +1884,7 @@
     </p:spTree>
     <p:extLst>
       <p:ext uri="{BB962C8B-B14F-4D97-AF65-F5344CB8AC3E}">
-        <p14:creationId xmlns:p14="http://schemas.microsoft.com/office/powerpoint/2010/main" val="1918502651"/>
+        <p14:creationId xmlns:p14="http://schemas.microsoft.com/office/powerpoint/2010/main" val="2130794395"/>
       </p:ext>
     </p:extLst>
   </p:cSld>
@@ -14495,19 +14500,19 @@
       </p:sp>
       <p:graphicFrame>
         <p:nvGraphicFramePr>
-          <p:cNvPr id="97" name="Shape 97"/>
+          <p:cNvPr id="6" name="Shape 103"/>
           <p:cNvGraphicFramePr/>
           <p:nvPr>
             <p:extLst>
               <p:ext uri="{D42A27DB-BD31-4B8C-83A1-F6EECF244321}">
-                <p14:modId xmlns:p14="http://schemas.microsoft.com/office/powerpoint/2010/main" val="1631518149"/>
+                <p14:modId xmlns:p14="http://schemas.microsoft.com/office/powerpoint/2010/main" val="964445884"/>
               </p:ext>
             </p:extLst>
           </p:nvPr>
         </p:nvGraphicFramePr>
         <p:xfrm>
-          <a:off x="974848" y="2476500"/>
-          <a:ext cx="7271080" cy="3992610"/>
+          <a:off x="974850" y="2476500"/>
+          <a:ext cx="7216650" cy="3992610"/>
         </p:xfrm>
         <a:graphic>
           <a:graphicData uri="http://schemas.openxmlformats.org/drawingml/2006/table">
@@ -14517,19 +14522,19 @@
                 <a:tableStyleId>{08322F62-2FF7-4121-ACE4-5C842E3B7A08}</a:tableStyleId>
               </a:tblPr>
               <a:tblGrid>
-                <a:gridCol w="1436201"/>
-                <a:gridCol w="854665"/>
-                <a:gridCol w="1714500"/>
-                <a:gridCol w="1806994"/>
-                <a:gridCol w="1458720"/>
+                <a:gridCol w="1425450"/>
+                <a:gridCol w="783771"/>
+                <a:gridCol w="1600200"/>
+                <a:gridCol w="1959429"/>
+                <a:gridCol w="1447800"/>
               </a:tblGrid>
-              <a:tr h="362188">
+              <a:tr h="381000">
                 <a:tc>
                   <a:txBody>
                     <a:bodyPr/>
                     <a:lstStyle/>
                     <a:p>
-                      <a:pPr marL="0" lvl="0" indent="0">
+                      <a:pPr marL="0" lvl="0" indent="0" rtl="0">
                         <a:spcBef>
                           <a:spcPts val="0"/>
                         </a:spcBef>
@@ -14545,7 +14550,7 @@
                       <a:endParaRPr/>
                     </a:p>
                   </a:txBody>
-                  <a:tcPr marL="91425" marR="91425" marT="91425" marB="91425" anchor="ctr">
+                  <a:tcPr marL="91425" marR="91425" marT="91425" marB="91425">
                     <a:lnL w="38100" cap="flat" cmpd="sng">
                       <a:solidFill>
                         <a:srgbClr val="000000"/>
@@ -14605,7 +14610,7 @@
                       <a:endParaRPr dirty="0"/>
                     </a:p>
                   </a:txBody>
-                  <a:tcPr marL="91425" marR="91425" marT="91425" marB="91425" anchor="ctr">
+                  <a:tcPr marL="91425" marR="91425" marT="91425" marB="91425">
                     <a:lnL w="19050" cap="flat" cmpd="sng">
                       <a:solidFill>
                         <a:srgbClr val="000000"/>
@@ -14615,7 +14620,7 @@
                       <a:headEnd type="none" w="sm" len="sm"/>
                       <a:tailEnd type="none" w="sm" len="sm"/>
                     </a:lnL>
-                    <a:lnR w="38100" cap="flat" cmpd="sng">
+                    <a:lnR w="38100" cap="flat" cmpd="sng" algn="ctr">
                       <a:solidFill>
                         <a:srgbClr val="000000"/>
                       </a:solidFill>
@@ -14825,13 +14830,13 @@
                   </a:tcPr>
                 </a:tc>
               </a:tr>
-              <a:tr h="362188">
+              <a:tr h="381000">
                 <a:tc>
                   <a:txBody>
                     <a:bodyPr/>
                     <a:lstStyle/>
                     <a:p>
-                      <a:pPr marL="0" lvl="0" indent="0">
+                      <a:pPr marL="0" lvl="0" indent="0" rtl="0">
                         <a:spcBef>
                           <a:spcPts val="0"/>
                         </a:spcBef>
@@ -14841,13 +14846,13 @@
                         <a:buNone/>
                       </a:pPr>
                       <a:r>
-                        <a:rPr lang="fr-CH"/>
-                        <a:t>Popularité</a:t>
+                        <a:rPr lang="fr-CH" dirty="0"/>
+                        <a:t>Complexité</a:t>
                       </a:r>
-                      <a:endParaRPr/>
+                      <a:endParaRPr dirty="0"/>
                     </a:p>
                   </a:txBody>
-                  <a:tcPr marL="91425" marR="91425" marT="91425" marB="91425" anchor="ctr">
+                  <a:tcPr marL="91425" marR="91425" marT="91425" marB="91425">
                     <a:lnL w="38100" cap="flat" cmpd="sng">
                       <a:solidFill>
                         <a:srgbClr val="000000"/>
@@ -14857,7 +14862,7 @@
                       <a:headEnd type="none" w="sm" len="sm"/>
                       <a:tailEnd type="none" w="sm" len="sm"/>
                     </a:lnL>
-                    <a:lnR w="19050" cap="flat" cmpd="sng">
+                    <a:lnR w="19050" cap="flat" cmpd="sng" algn="ctr">
                       <a:solidFill>
                         <a:srgbClr val="000000"/>
                       </a:solidFill>
@@ -14866,7 +14871,7 @@
                       <a:headEnd type="none" w="sm" len="sm"/>
                       <a:tailEnd type="none" w="sm" len="sm"/>
                     </a:lnR>
-                    <a:lnT w="38100" cap="flat" cmpd="sng">
+                    <a:lnT w="38100" cap="flat" cmpd="sng" algn="ctr">
                       <a:solidFill>
                         <a:srgbClr val="000000"/>
                       </a:solidFill>
@@ -14875,7 +14880,7 @@
                       <a:headEnd type="none" w="sm" len="sm"/>
                       <a:tailEnd type="none" w="sm" len="sm"/>
                     </a:lnT>
-                    <a:lnB w="19050" cap="flat" cmpd="sng">
+                    <a:lnB w="19050" cap="flat" cmpd="sng" algn="ctr">
                       <a:solidFill>
                         <a:srgbClr val="000000"/>
                       </a:solidFill>
@@ -14901,14 +14906,14 @@
                         <a:buNone/>
                       </a:pPr>
                       <a:r>
-                        <a:rPr lang="fr-CH"/>
-                        <a:t>6</a:t>
+                        <a:rPr lang="fr-CH" dirty="0"/>
+                        <a:t>5</a:t>
                       </a:r>
-                      <a:endParaRPr/>
+                      <a:endParaRPr dirty="0"/>
                     </a:p>
                   </a:txBody>
                   <a:tcPr marL="91425" marR="91425" marT="91425" marB="91425" anchor="ctr">
-                    <a:lnL w="19050" cap="flat" cmpd="sng">
+                    <a:lnL w="19050" cap="flat" cmpd="sng" algn="ctr">
                       <a:solidFill>
                         <a:srgbClr val="000000"/>
                       </a:solidFill>
@@ -14917,7 +14922,7 @@
                       <a:headEnd type="none" w="sm" len="sm"/>
                       <a:tailEnd type="none" w="sm" len="sm"/>
                     </a:lnL>
-                    <a:lnR w="38100" cap="flat" cmpd="sng">
+                    <a:lnR w="38100" cap="flat" cmpd="sng" algn="ctr">
                       <a:solidFill>
                         <a:srgbClr val="000000"/>
                       </a:solidFill>
@@ -14926,7 +14931,7 @@
                       <a:headEnd type="none" w="sm" len="sm"/>
                       <a:tailEnd type="none" w="sm" len="sm"/>
                     </a:lnR>
-                    <a:lnT w="38100" cap="flat" cmpd="sng">
+                    <a:lnT w="38100" cap="flat" cmpd="sng" algn="ctr">
                       <a:solidFill>
                         <a:srgbClr val="000000"/>
                       </a:solidFill>
@@ -14935,249 +14940,7 @@
                       <a:headEnd type="none" w="sm" len="sm"/>
                       <a:tailEnd type="none" w="sm" len="sm"/>
                     </a:lnT>
-                    <a:lnB w="19050" cap="flat" cmpd="sng">
-                      <a:solidFill>
-                        <a:srgbClr val="000000"/>
-                      </a:solidFill>
-                      <a:prstDash val="solid"/>
-                      <a:round/>
-                      <a:headEnd type="none" w="sm" len="sm"/>
-                      <a:tailEnd type="none" w="sm" len="sm"/>
-                    </a:lnB>
-                  </a:tcPr>
-                </a:tc>
-                <a:tc>
-                  <a:txBody>
-                    <a:bodyPr/>
-                    <a:lstStyle/>
-                    <a:p>
-                      <a:pPr marL="0" lvl="0" indent="0" algn="ctr">
-                        <a:spcBef>
-                          <a:spcPts val="0"/>
-                        </a:spcBef>
-                        <a:spcAft>
-                          <a:spcPts val="0"/>
-                        </a:spcAft>
-                        <a:buNone/>
-                      </a:pPr>
-                      <a:r>
-                        <a:rPr lang="fr-CH"/>
-                        <a:t>8</a:t>
-                      </a:r>
-                      <a:endParaRPr/>
-                    </a:p>
-                  </a:txBody>
-                  <a:tcPr marL="91425" marR="91425" marT="91425" marB="91425" anchor="ctr">
-                    <a:lnL w="38100" cap="flat" cmpd="sng">
-                      <a:solidFill>
-                        <a:srgbClr val="000000"/>
-                      </a:solidFill>
-                      <a:prstDash val="solid"/>
-                      <a:round/>
-                      <a:headEnd type="none" w="sm" len="sm"/>
-                      <a:tailEnd type="none" w="sm" len="sm"/>
-                    </a:lnL>
-                    <a:lnR w="19050" cap="flat" cmpd="sng">
-                      <a:solidFill>
-                        <a:srgbClr val="000000"/>
-                      </a:solidFill>
-                      <a:prstDash val="solid"/>
-                      <a:round/>
-                      <a:headEnd type="none" w="sm" len="sm"/>
-                      <a:tailEnd type="none" w="sm" len="sm"/>
-                    </a:lnR>
-                    <a:lnT w="38100" cap="flat" cmpd="sng">
-                      <a:solidFill>
-                        <a:srgbClr val="000000"/>
-                      </a:solidFill>
-                      <a:prstDash val="solid"/>
-                      <a:round/>
-                      <a:headEnd type="none" w="sm" len="sm"/>
-                      <a:tailEnd type="none" w="sm" len="sm"/>
-                    </a:lnT>
-                    <a:lnB w="19050" cap="flat" cmpd="sng">
-                      <a:solidFill>
-                        <a:srgbClr val="000000"/>
-                      </a:solidFill>
-                      <a:prstDash val="solid"/>
-                      <a:round/>
-                      <a:headEnd type="none" w="sm" len="sm"/>
-                      <a:tailEnd type="none" w="sm" len="sm"/>
-                    </a:lnB>
-                  </a:tcPr>
-                </a:tc>
-                <a:tc>
-                  <a:txBody>
-                    <a:bodyPr/>
-                    <a:lstStyle/>
-                    <a:p>
-                      <a:pPr marL="0" lvl="0" indent="0" algn="ctr">
-                        <a:spcBef>
-                          <a:spcPts val="0"/>
-                        </a:spcBef>
-                        <a:spcAft>
-                          <a:spcPts val="0"/>
-                        </a:spcAft>
-                        <a:buNone/>
-                      </a:pPr>
-                      <a:r>
-                        <a:rPr lang="fr-CH"/>
-                        <a:t>8</a:t>
-                      </a:r>
-                      <a:endParaRPr/>
-                    </a:p>
-                  </a:txBody>
-                  <a:tcPr marL="91425" marR="91425" marT="91425" marB="91425" anchor="ctr">
-                    <a:lnL w="19050" cap="flat" cmpd="sng">
-                      <a:solidFill>
-                        <a:srgbClr val="000000"/>
-                      </a:solidFill>
-                      <a:prstDash val="solid"/>
-                      <a:round/>
-                      <a:headEnd type="none" w="sm" len="sm"/>
-                      <a:tailEnd type="none" w="sm" len="sm"/>
-                    </a:lnL>
-                    <a:lnR w="19050" cap="flat" cmpd="sng">
-                      <a:solidFill>
-                        <a:srgbClr val="000000"/>
-                      </a:solidFill>
-                      <a:prstDash val="solid"/>
-                      <a:round/>
-                      <a:headEnd type="none" w="sm" len="sm"/>
-                      <a:tailEnd type="none" w="sm" len="sm"/>
-                    </a:lnR>
-                    <a:lnT w="38100" cap="flat" cmpd="sng">
-                      <a:solidFill>
-                        <a:srgbClr val="000000"/>
-                      </a:solidFill>
-                      <a:prstDash val="solid"/>
-                      <a:round/>
-                      <a:headEnd type="none" w="sm" len="sm"/>
-                      <a:tailEnd type="none" w="sm" len="sm"/>
-                    </a:lnT>
-                    <a:lnB w="19050" cap="flat" cmpd="sng">
-                      <a:solidFill>
-                        <a:srgbClr val="000000"/>
-                      </a:solidFill>
-                      <a:prstDash val="solid"/>
-                      <a:round/>
-                      <a:headEnd type="none" w="sm" len="sm"/>
-                      <a:tailEnd type="none" w="sm" len="sm"/>
-                    </a:lnB>
-                  </a:tcPr>
-                </a:tc>
-                <a:tc>
-                  <a:txBody>
-                    <a:bodyPr/>
-                    <a:lstStyle/>
-                    <a:p>
-                      <a:pPr marL="0" lvl="0" indent="0" algn="ctr">
-                        <a:spcBef>
-                          <a:spcPts val="0"/>
-                        </a:spcBef>
-                        <a:spcAft>
-                          <a:spcPts val="0"/>
-                        </a:spcAft>
-                        <a:buNone/>
-                      </a:pPr>
-                      <a:r>
-                        <a:rPr lang="fr-CH"/>
-                        <a:t>7</a:t>
-                      </a:r>
-                      <a:endParaRPr/>
-                    </a:p>
-                  </a:txBody>
-                  <a:tcPr marL="91425" marR="91425" marT="91425" marB="91425" anchor="ctr">
-                    <a:lnL w="19050" cap="flat" cmpd="sng">
-                      <a:solidFill>
-                        <a:srgbClr val="000000"/>
-                      </a:solidFill>
-                      <a:prstDash val="solid"/>
-                      <a:round/>
-                      <a:headEnd type="none" w="sm" len="sm"/>
-                      <a:tailEnd type="none" w="sm" len="sm"/>
-                    </a:lnL>
-                    <a:lnR w="38100" cap="flat" cmpd="sng">
-                      <a:solidFill>
-                        <a:srgbClr val="000000"/>
-                      </a:solidFill>
-                      <a:prstDash val="solid"/>
-                      <a:round/>
-                      <a:headEnd type="none" w="sm" len="sm"/>
-                      <a:tailEnd type="none" w="sm" len="sm"/>
-                    </a:lnR>
-                    <a:lnT w="38100" cap="flat" cmpd="sng">
-                      <a:solidFill>
-                        <a:srgbClr val="000000"/>
-                      </a:solidFill>
-                      <a:prstDash val="solid"/>
-                      <a:round/>
-                      <a:headEnd type="none" w="sm" len="sm"/>
-                      <a:tailEnd type="none" w="sm" len="sm"/>
-                    </a:lnT>
-                    <a:lnB w="19050" cap="flat" cmpd="sng">
-                      <a:solidFill>
-                        <a:srgbClr val="000000"/>
-                      </a:solidFill>
-                      <a:prstDash val="solid"/>
-                      <a:round/>
-                      <a:headEnd type="none" w="sm" len="sm"/>
-                      <a:tailEnd type="none" w="sm" len="sm"/>
-                    </a:lnB>
-                  </a:tcPr>
-                </a:tc>
-              </a:tr>
-              <a:tr h="557228">
-                <a:tc>
-                  <a:txBody>
-                    <a:bodyPr/>
-                    <a:lstStyle/>
-                    <a:p>
-                      <a:pPr marL="0" lvl="0" indent="0">
-                        <a:spcBef>
-                          <a:spcPts val="0"/>
-                        </a:spcBef>
-                        <a:spcAft>
-                          <a:spcPts val="0"/>
-                        </a:spcAft>
-                        <a:buNone/>
-                      </a:pPr>
-                      <a:r>
-                        <a:rPr lang="fr-CH"/>
-                        <a:t>Connaissances préalables</a:t>
-                      </a:r>
-                      <a:endParaRPr/>
-                    </a:p>
-                  </a:txBody>
-                  <a:tcPr marL="91425" marR="91425" marT="91425" marB="91425" anchor="ctr">
-                    <a:lnL w="38100" cap="flat" cmpd="sng">
-                      <a:solidFill>
-                        <a:srgbClr val="000000"/>
-                      </a:solidFill>
-                      <a:prstDash val="solid"/>
-                      <a:round/>
-                      <a:headEnd type="none" w="sm" len="sm"/>
-                      <a:tailEnd type="none" w="sm" len="sm"/>
-                    </a:lnL>
-                    <a:lnR w="19050" cap="flat" cmpd="sng">
-                      <a:solidFill>
-                        <a:srgbClr val="000000"/>
-                      </a:solidFill>
-                      <a:prstDash val="solid"/>
-                      <a:round/>
-                      <a:headEnd type="none" w="sm" len="sm"/>
-                      <a:tailEnd type="none" w="sm" len="sm"/>
-                    </a:lnR>
-                    <a:lnT w="19050" cap="flat" cmpd="sng">
-                      <a:solidFill>
-                        <a:srgbClr val="000000"/>
-                      </a:solidFill>
-                      <a:prstDash val="solid"/>
-                      <a:round/>
-                      <a:headEnd type="none" w="sm" len="sm"/>
-                      <a:tailEnd type="none" w="sm" len="sm"/>
-                    </a:lnT>
-                    <a:lnB w="19050" cap="flat" cmpd="sng">
+                    <a:lnB w="19050" cap="flat" cmpd="sng" algn="ctr">
                       <a:solidFill>
                         <a:srgbClr val="000000"/>
                       </a:solidFill>
@@ -15203,134 +14966,14 @@
                         <a:buNone/>
                       </a:pPr>
                       <a:r>
-                        <a:rPr lang="fr-CH"/>
-                        <a:t>4</a:t>
-                      </a:r>
-                      <a:endParaRPr/>
-                    </a:p>
-                  </a:txBody>
-                  <a:tcPr marL="91425" marR="91425" marT="91425" marB="91425" anchor="ctr">
-                    <a:lnL w="19050" cap="flat" cmpd="sng">
-                      <a:solidFill>
-                        <a:srgbClr val="000000"/>
-                      </a:solidFill>
-                      <a:prstDash val="solid"/>
-                      <a:round/>
-                      <a:headEnd type="none" w="sm" len="sm"/>
-                      <a:tailEnd type="none" w="sm" len="sm"/>
-                    </a:lnL>
-                    <a:lnR w="38100" cap="flat" cmpd="sng">
-                      <a:solidFill>
-                        <a:srgbClr val="000000"/>
-                      </a:solidFill>
-                      <a:prstDash val="solid"/>
-                      <a:round/>
-                      <a:headEnd type="none" w="sm" len="sm"/>
-                      <a:tailEnd type="none" w="sm" len="sm"/>
-                    </a:lnR>
-                    <a:lnT w="19050" cap="flat" cmpd="sng">
-                      <a:solidFill>
-                        <a:srgbClr val="000000"/>
-                      </a:solidFill>
-                      <a:prstDash val="solid"/>
-                      <a:round/>
-                      <a:headEnd type="none" w="sm" len="sm"/>
-                      <a:tailEnd type="none" w="sm" len="sm"/>
-                    </a:lnT>
-                    <a:lnB w="19050" cap="flat" cmpd="sng">
-                      <a:solidFill>
-                        <a:srgbClr val="000000"/>
-                      </a:solidFill>
-                      <a:prstDash val="solid"/>
-                      <a:round/>
-                      <a:headEnd type="none" w="sm" len="sm"/>
-                      <a:tailEnd type="none" w="sm" len="sm"/>
-                    </a:lnB>
-                  </a:tcPr>
-                </a:tc>
-                <a:tc>
-                  <a:txBody>
-                    <a:bodyPr/>
-                    <a:lstStyle/>
-                    <a:p>
-                      <a:pPr marL="0" lvl="0" indent="0" algn="ctr">
-                        <a:spcBef>
-                          <a:spcPts val="0"/>
-                        </a:spcBef>
-                        <a:spcAft>
-                          <a:spcPts val="0"/>
-                        </a:spcAft>
-                        <a:buNone/>
-                      </a:pPr>
-                      <a:r>
-                        <a:rPr lang="fr-CH"/>
+                        <a:rPr lang="fr-CH" dirty="0" smtClean="0"/>
                         <a:t>7</a:t>
-                      </a:r>
-                      <a:endParaRPr/>
-                    </a:p>
-                  </a:txBody>
-                  <a:tcPr marL="91425" marR="91425" marT="91425" marB="91425" anchor="ctr">
-                    <a:lnL w="38100" cap="flat" cmpd="sng">
-                      <a:solidFill>
-                        <a:srgbClr val="000000"/>
-                      </a:solidFill>
-                      <a:prstDash val="solid"/>
-                      <a:round/>
-                      <a:headEnd type="none" w="sm" len="sm"/>
-                      <a:tailEnd type="none" w="sm" len="sm"/>
-                    </a:lnL>
-                    <a:lnR w="19050" cap="flat" cmpd="sng">
-                      <a:solidFill>
-                        <a:srgbClr val="000000"/>
-                      </a:solidFill>
-                      <a:prstDash val="solid"/>
-                      <a:round/>
-                      <a:headEnd type="none" w="sm" len="sm"/>
-                      <a:tailEnd type="none" w="sm" len="sm"/>
-                    </a:lnR>
-                    <a:lnT w="19050" cap="flat" cmpd="sng">
-                      <a:solidFill>
-                        <a:srgbClr val="000000"/>
-                      </a:solidFill>
-                      <a:prstDash val="solid"/>
-                      <a:round/>
-                      <a:headEnd type="none" w="sm" len="sm"/>
-                      <a:tailEnd type="none" w="sm" len="sm"/>
-                    </a:lnT>
-                    <a:lnB w="19050" cap="flat" cmpd="sng">
-                      <a:solidFill>
-                        <a:srgbClr val="000000"/>
-                      </a:solidFill>
-                      <a:prstDash val="solid"/>
-                      <a:round/>
-                      <a:headEnd type="none" w="sm" len="sm"/>
-                      <a:tailEnd type="none" w="sm" len="sm"/>
-                    </a:lnB>
-                  </a:tcPr>
-                </a:tc>
-                <a:tc>
-                  <a:txBody>
-                    <a:bodyPr/>
-                    <a:lstStyle/>
-                    <a:p>
-                      <a:pPr marL="0" lvl="0" indent="0" algn="ctr">
-                        <a:spcBef>
-                          <a:spcPts val="0"/>
-                        </a:spcBef>
-                        <a:spcAft>
-                          <a:spcPts val="0"/>
-                        </a:spcAft>
-                        <a:buNone/>
-                      </a:pPr>
-                      <a:r>
-                        <a:rPr lang="fr-CH" dirty="0"/>
-                        <a:t>0</a:t>
                       </a:r>
                       <a:endParaRPr dirty="0"/>
                     </a:p>
                   </a:txBody>
                   <a:tcPr marL="91425" marR="91425" marT="91425" marB="91425" anchor="ctr">
-                    <a:lnL w="19050" cap="flat" cmpd="sng">
+                    <a:lnL w="38100" cap="flat" cmpd="sng" algn="ctr">
                       <a:solidFill>
                         <a:srgbClr val="000000"/>
                       </a:solidFill>
@@ -15339,7 +14982,7 @@
                       <a:headEnd type="none" w="sm" len="sm"/>
                       <a:tailEnd type="none" w="sm" len="sm"/>
                     </a:lnL>
-                    <a:lnR w="19050" cap="flat" cmpd="sng">
+                    <a:lnR w="19050" cap="flat" cmpd="sng" algn="ctr">
                       <a:solidFill>
                         <a:srgbClr val="000000"/>
                       </a:solidFill>
@@ -15348,7 +14991,7 @@
                       <a:headEnd type="none" w="sm" len="sm"/>
                       <a:tailEnd type="none" w="sm" len="sm"/>
                     </a:lnR>
-                    <a:lnT w="19050" cap="flat" cmpd="sng">
+                    <a:lnT w="38100" cap="flat" cmpd="sng" algn="ctr">
                       <a:solidFill>
                         <a:srgbClr val="000000"/>
                       </a:solidFill>
@@ -15357,129 +15000,7 @@
                       <a:headEnd type="none" w="sm" len="sm"/>
                       <a:tailEnd type="none" w="sm" len="sm"/>
                     </a:lnT>
-                    <a:lnB w="19050" cap="flat" cmpd="sng">
-                      <a:solidFill>
-                        <a:srgbClr val="000000"/>
-                      </a:solidFill>
-                      <a:prstDash val="solid"/>
-                      <a:round/>
-                      <a:headEnd type="none" w="sm" len="sm"/>
-                      <a:tailEnd type="none" w="sm" len="sm"/>
-                    </a:lnB>
-                  </a:tcPr>
-                </a:tc>
-                <a:tc>
-                  <a:txBody>
-                    <a:bodyPr/>
-                    <a:lstStyle/>
-                    <a:p>
-                      <a:pPr marL="0" lvl="0" indent="0" algn="ctr">
-                        <a:spcBef>
-                          <a:spcPts val="0"/>
-                        </a:spcBef>
-                        <a:spcAft>
-                          <a:spcPts val="0"/>
-                        </a:spcAft>
-                        <a:buNone/>
-                      </a:pPr>
-                      <a:r>
-                        <a:rPr lang="fr-CH"/>
-                        <a:t>0</a:t>
-                      </a:r>
-                      <a:endParaRPr/>
-                    </a:p>
-                  </a:txBody>
-                  <a:tcPr marL="91425" marR="91425" marT="91425" marB="91425" anchor="ctr">
-                    <a:lnL w="19050" cap="flat" cmpd="sng">
-                      <a:solidFill>
-                        <a:srgbClr val="000000"/>
-                      </a:solidFill>
-                      <a:prstDash val="solid"/>
-                      <a:round/>
-                      <a:headEnd type="none" w="sm" len="sm"/>
-                      <a:tailEnd type="none" w="sm" len="sm"/>
-                    </a:lnL>
-                    <a:lnR w="38100" cap="flat" cmpd="sng">
-                      <a:solidFill>
-                        <a:srgbClr val="000000"/>
-                      </a:solidFill>
-                      <a:prstDash val="solid"/>
-                      <a:round/>
-                      <a:headEnd type="none" w="sm" len="sm"/>
-                      <a:tailEnd type="none" w="sm" len="sm"/>
-                    </a:lnR>
-                    <a:lnT w="19050" cap="flat" cmpd="sng">
-                      <a:solidFill>
-                        <a:srgbClr val="000000"/>
-                      </a:solidFill>
-                      <a:prstDash val="solid"/>
-                      <a:round/>
-                      <a:headEnd type="none" w="sm" len="sm"/>
-                      <a:tailEnd type="none" w="sm" len="sm"/>
-                    </a:lnT>
-                    <a:lnB w="19050" cap="flat" cmpd="sng">
-                      <a:solidFill>
-                        <a:srgbClr val="000000"/>
-                      </a:solidFill>
-                      <a:prstDash val="solid"/>
-                      <a:round/>
-                      <a:headEnd type="none" w="sm" len="sm"/>
-                      <a:tailEnd type="none" w="sm" len="sm"/>
-                    </a:lnB>
-                  </a:tcPr>
-                </a:tc>
-              </a:tr>
-              <a:tr h="557228">
-                <a:tc>
-                  <a:txBody>
-                    <a:bodyPr/>
-                    <a:lstStyle/>
-                    <a:p>
-                      <a:pPr marL="0" lvl="0" indent="0">
-                        <a:spcBef>
-                          <a:spcPts val="0"/>
-                        </a:spcBef>
-                        <a:spcAft>
-                          <a:spcPts val="0"/>
-                        </a:spcAft>
-                        <a:buNone/>
-                      </a:pPr>
-                      <a:r>
-                        <a:rPr lang="fr-CH"/>
-                        <a:t>Facilité de mise en place</a:t>
-                      </a:r>
-                      <a:endParaRPr/>
-                    </a:p>
-                  </a:txBody>
-                  <a:tcPr marL="91425" marR="91425" marT="91425" marB="91425" anchor="ctr">
-                    <a:lnL w="38100" cap="flat" cmpd="sng">
-                      <a:solidFill>
-                        <a:srgbClr val="000000"/>
-                      </a:solidFill>
-                      <a:prstDash val="solid"/>
-                      <a:round/>
-                      <a:headEnd type="none" w="sm" len="sm"/>
-                      <a:tailEnd type="none" w="sm" len="sm"/>
-                    </a:lnL>
-                    <a:lnR w="19050" cap="flat" cmpd="sng">
-                      <a:solidFill>
-                        <a:srgbClr val="000000"/>
-                      </a:solidFill>
-                      <a:prstDash val="solid"/>
-                      <a:round/>
-                      <a:headEnd type="none" w="sm" len="sm"/>
-                      <a:tailEnd type="none" w="sm" len="sm"/>
-                    </a:lnR>
-                    <a:lnT w="19050" cap="flat" cmpd="sng">
-                      <a:solidFill>
-                        <a:srgbClr val="000000"/>
-                      </a:solidFill>
-                      <a:prstDash val="solid"/>
-                      <a:round/>
-                      <a:headEnd type="none" w="sm" len="sm"/>
-                      <a:tailEnd type="none" w="sm" len="sm"/>
-                    </a:lnT>
-                    <a:lnB w="19050" cap="flat" cmpd="sng">
+                    <a:lnB w="19050" cap="flat" cmpd="sng" algn="ctr">
                       <a:solidFill>
                         <a:srgbClr val="000000"/>
                       </a:solidFill>
@@ -15505,14 +15026,14 @@
                         <a:buNone/>
                       </a:pPr>
                       <a:r>
-                        <a:rPr lang="fr-CH"/>
-                        <a:t>4</a:t>
+                        <a:rPr lang="fr-CH" dirty="0" smtClean="0"/>
+                        <a:t>6</a:t>
                       </a:r>
-                      <a:endParaRPr/>
+                      <a:endParaRPr dirty="0"/>
                     </a:p>
                   </a:txBody>
                   <a:tcPr marL="91425" marR="91425" marT="91425" marB="91425" anchor="ctr">
-                    <a:lnL w="19050" cap="flat" cmpd="sng">
+                    <a:lnL w="19050" cap="flat" cmpd="sng" algn="ctr">
                       <a:solidFill>
                         <a:srgbClr val="000000"/>
                       </a:solidFill>
@@ -15521,7 +15042,7 @@
                       <a:headEnd type="none" w="sm" len="sm"/>
                       <a:tailEnd type="none" w="sm" len="sm"/>
                     </a:lnL>
-                    <a:lnR w="38100" cap="flat" cmpd="sng">
+                    <a:lnR w="19050" cap="flat" cmpd="sng" algn="ctr">
                       <a:solidFill>
                         <a:srgbClr val="000000"/>
                       </a:solidFill>
@@ -15530,7 +15051,7 @@
                       <a:headEnd type="none" w="sm" len="sm"/>
                       <a:tailEnd type="none" w="sm" len="sm"/>
                     </a:lnR>
-                    <a:lnT w="19050" cap="flat" cmpd="sng">
+                    <a:lnT w="38100" cap="flat" cmpd="sng" algn="ctr">
                       <a:solidFill>
                         <a:srgbClr val="000000"/>
                       </a:solidFill>
@@ -15539,249 +15060,7 @@
                       <a:headEnd type="none" w="sm" len="sm"/>
                       <a:tailEnd type="none" w="sm" len="sm"/>
                     </a:lnT>
-                    <a:lnB w="19050" cap="flat" cmpd="sng">
-                      <a:solidFill>
-                        <a:srgbClr val="000000"/>
-                      </a:solidFill>
-                      <a:prstDash val="solid"/>
-                      <a:round/>
-                      <a:headEnd type="none" w="sm" len="sm"/>
-                      <a:tailEnd type="none" w="sm" len="sm"/>
-                    </a:lnB>
-                  </a:tcPr>
-                </a:tc>
-                <a:tc>
-                  <a:txBody>
-                    <a:bodyPr/>
-                    <a:lstStyle/>
-                    <a:p>
-                      <a:pPr marL="0" lvl="0" indent="0" algn="ctr">
-                        <a:spcBef>
-                          <a:spcPts val="0"/>
-                        </a:spcBef>
-                        <a:spcAft>
-                          <a:spcPts val="0"/>
-                        </a:spcAft>
-                        <a:buNone/>
-                      </a:pPr>
-                      <a:r>
-                        <a:rPr lang="fr-CH"/>
-                        <a:t>7</a:t>
-                      </a:r>
-                      <a:endParaRPr/>
-                    </a:p>
-                  </a:txBody>
-                  <a:tcPr marL="91425" marR="91425" marT="91425" marB="91425" anchor="ctr">
-                    <a:lnL w="38100" cap="flat" cmpd="sng">
-                      <a:solidFill>
-                        <a:srgbClr val="000000"/>
-                      </a:solidFill>
-                      <a:prstDash val="solid"/>
-                      <a:round/>
-                      <a:headEnd type="none" w="sm" len="sm"/>
-                      <a:tailEnd type="none" w="sm" len="sm"/>
-                    </a:lnL>
-                    <a:lnR w="19050" cap="flat" cmpd="sng">
-                      <a:solidFill>
-                        <a:srgbClr val="000000"/>
-                      </a:solidFill>
-                      <a:prstDash val="solid"/>
-                      <a:round/>
-                      <a:headEnd type="none" w="sm" len="sm"/>
-                      <a:tailEnd type="none" w="sm" len="sm"/>
-                    </a:lnR>
-                    <a:lnT w="19050" cap="flat" cmpd="sng">
-                      <a:solidFill>
-                        <a:srgbClr val="000000"/>
-                      </a:solidFill>
-                      <a:prstDash val="solid"/>
-                      <a:round/>
-                      <a:headEnd type="none" w="sm" len="sm"/>
-                      <a:tailEnd type="none" w="sm" len="sm"/>
-                    </a:lnT>
-                    <a:lnB w="19050" cap="flat" cmpd="sng">
-                      <a:solidFill>
-                        <a:srgbClr val="000000"/>
-                      </a:solidFill>
-                      <a:prstDash val="solid"/>
-                      <a:round/>
-                      <a:headEnd type="none" w="sm" len="sm"/>
-                      <a:tailEnd type="none" w="sm" len="sm"/>
-                    </a:lnB>
-                  </a:tcPr>
-                </a:tc>
-                <a:tc>
-                  <a:txBody>
-                    <a:bodyPr/>
-                    <a:lstStyle/>
-                    <a:p>
-                      <a:pPr marL="0" lvl="0" indent="0" algn="ctr">
-                        <a:spcBef>
-                          <a:spcPts val="0"/>
-                        </a:spcBef>
-                        <a:spcAft>
-                          <a:spcPts val="0"/>
-                        </a:spcAft>
-                        <a:buNone/>
-                      </a:pPr>
-                      <a:r>
-                        <a:rPr lang="fr-CH"/>
-                        <a:t>6</a:t>
-                      </a:r>
-                      <a:endParaRPr/>
-                    </a:p>
-                  </a:txBody>
-                  <a:tcPr marL="91425" marR="91425" marT="91425" marB="91425" anchor="ctr">
-                    <a:lnL w="19050" cap="flat" cmpd="sng">
-                      <a:solidFill>
-                        <a:srgbClr val="000000"/>
-                      </a:solidFill>
-                      <a:prstDash val="solid"/>
-                      <a:round/>
-                      <a:headEnd type="none" w="sm" len="sm"/>
-                      <a:tailEnd type="none" w="sm" len="sm"/>
-                    </a:lnL>
-                    <a:lnR w="19050" cap="flat" cmpd="sng">
-                      <a:solidFill>
-                        <a:srgbClr val="000000"/>
-                      </a:solidFill>
-                      <a:prstDash val="solid"/>
-                      <a:round/>
-                      <a:headEnd type="none" w="sm" len="sm"/>
-                      <a:tailEnd type="none" w="sm" len="sm"/>
-                    </a:lnR>
-                    <a:lnT w="19050" cap="flat" cmpd="sng">
-                      <a:solidFill>
-                        <a:srgbClr val="000000"/>
-                      </a:solidFill>
-                      <a:prstDash val="solid"/>
-                      <a:round/>
-                      <a:headEnd type="none" w="sm" len="sm"/>
-                      <a:tailEnd type="none" w="sm" len="sm"/>
-                    </a:lnT>
-                    <a:lnB w="19050" cap="flat" cmpd="sng">
-                      <a:solidFill>
-                        <a:srgbClr val="000000"/>
-                      </a:solidFill>
-                      <a:prstDash val="solid"/>
-                      <a:round/>
-                      <a:headEnd type="none" w="sm" len="sm"/>
-                      <a:tailEnd type="none" w="sm" len="sm"/>
-                    </a:lnB>
-                  </a:tcPr>
-                </a:tc>
-                <a:tc>
-                  <a:txBody>
-                    <a:bodyPr/>
-                    <a:lstStyle/>
-                    <a:p>
-                      <a:pPr marL="0" lvl="0" indent="0" algn="ctr">
-                        <a:spcBef>
-                          <a:spcPts val="0"/>
-                        </a:spcBef>
-                        <a:spcAft>
-                          <a:spcPts val="0"/>
-                        </a:spcAft>
-                        <a:buNone/>
-                      </a:pPr>
-                      <a:r>
-                        <a:rPr lang="fr-CH"/>
-                        <a:t>7</a:t>
-                      </a:r>
-                      <a:endParaRPr/>
-                    </a:p>
-                  </a:txBody>
-                  <a:tcPr marL="91425" marR="91425" marT="91425" marB="91425" anchor="ctr">
-                    <a:lnL w="19050" cap="flat" cmpd="sng">
-                      <a:solidFill>
-                        <a:srgbClr val="000000"/>
-                      </a:solidFill>
-                      <a:prstDash val="solid"/>
-                      <a:round/>
-                      <a:headEnd type="none" w="sm" len="sm"/>
-                      <a:tailEnd type="none" w="sm" len="sm"/>
-                    </a:lnL>
-                    <a:lnR w="38100" cap="flat" cmpd="sng">
-                      <a:solidFill>
-                        <a:srgbClr val="000000"/>
-                      </a:solidFill>
-                      <a:prstDash val="solid"/>
-                      <a:round/>
-                      <a:headEnd type="none" w="sm" len="sm"/>
-                      <a:tailEnd type="none" w="sm" len="sm"/>
-                    </a:lnR>
-                    <a:lnT w="19050" cap="flat" cmpd="sng">
-                      <a:solidFill>
-                        <a:srgbClr val="000000"/>
-                      </a:solidFill>
-                      <a:prstDash val="solid"/>
-                      <a:round/>
-                      <a:headEnd type="none" w="sm" len="sm"/>
-                      <a:tailEnd type="none" w="sm" len="sm"/>
-                    </a:lnT>
-                    <a:lnB w="19050" cap="flat" cmpd="sng">
-                      <a:solidFill>
-                        <a:srgbClr val="000000"/>
-                      </a:solidFill>
-                      <a:prstDash val="solid"/>
-                      <a:round/>
-                      <a:headEnd type="none" w="sm" len="sm"/>
-                      <a:tailEnd type="none" w="sm" len="sm"/>
-                    </a:lnB>
-                  </a:tcPr>
-                </a:tc>
-              </a:tr>
-              <a:tr h="362188">
-                <a:tc>
-                  <a:txBody>
-                    <a:bodyPr/>
-                    <a:lstStyle/>
-                    <a:p>
-                      <a:pPr marL="0" lvl="0" indent="0">
-                        <a:spcBef>
-                          <a:spcPts val="0"/>
-                        </a:spcBef>
-                        <a:spcAft>
-                          <a:spcPts val="0"/>
-                        </a:spcAft>
-                        <a:buNone/>
-                      </a:pPr>
-                      <a:r>
-                        <a:rPr lang="fr-CH"/>
-                        <a:t>Documentation</a:t>
-                      </a:r>
-                      <a:endParaRPr/>
-                    </a:p>
-                  </a:txBody>
-                  <a:tcPr marL="91425" marR="91425" marT="91425" marB="91425" anchor="ctr">
-                    <a:lnL w="38100" cap="flat" cmpd="sng">
-                      <a:solidFill>
-                        <a:srgbClr val="000000"/>
-                      </a:solidFill>
-                      <a:prstDash val="solid"/>
-                      <a:round/>
-                      <a:headEnd type="none" w="sm" len="sm"/>
-                      <a:tailEnd type="none" w="sm" len="sm"/>
-                    </a:lnL>
-                    <a:lnR w="19050" cap="flat" cmpd="sng">
-                      <a:solidFill>
-                        <a:srgbClr val="000000"/>
-                      </a:solidFill>
-                      <a:prstDash val="solid"/>
-                      <a:round/>
-                      <a:headEnd type="none" w="sm" len="sm"/>
-                      <a:tailEnd type="none" w="sm" len="sm"/>
-                    </a:lnR>
-                    <a:lnT w="19050" cap="flat" cmpd="sng">
-                      <a:solidFill>
-                        <a:srgbClr val="000000"/>
-                      </a:solidFill>
-                      <a:prstDash val="solid"/>
-                      <a:round/>
-                      <a:headEnd type="none" w="sm" len="sm"/>
-                      <a:tailEnd type="none" w="sm" len="sm"/>
-                    </a:lnT>
-                    <a:lnB w="19050" cap="flat" cmpd="sng">
+                    <a:lnB w="19050" cap="flat" cmpd="sng" algn="ctr">
                       <a:solidFill>
                         <a:srgbClr val="000000"/>
                       </a:solidFill>
@@ -15807,14 +15086,14 @@
                         <a:buNone/>
                       </a:pPr>
                       <a:r>
-                        <a:rPr lang="fr-CH"/>
-                        <a:t>5</a:t>
+                        <a:rPr lang="fr-CH" dirty="0" smtClean="0"/>
+                        <a:t>8</a:t>
                       </a:r>
-                      <a:endParaRPr/>
+                      <a:endParaRPr dirty="0"/>
                     </a:p>
                   </a:txBody>
                   <a:tcPr marL="91425" marR="91425" marT="91425" marB="91425" anchor="ctr">
-                    <a:lnL w="19050" cap="flat" cmpd="sng">
+                    <a:lnL w="19050" cap="flat" cmpd="sng" algn="ctr">
                       <a:solidFill>
                         <a:srgbClr val="000000"/>
                       </a:solidFill>
@@ -15832,7 +15111,7 @@
                       <a:headEnd type="none" w="sm" len="sm"/>
                       <a:tailEnd type="none" w="sm" len="sm"/>
                     </a:lnR>
-                    <a:lnT w="19050" cap="flat" cmpd="sng">
+                    <a:lnT w="38100" cap="flat" cmpd="sng" algn="ctr">
                       <a:solidFill>
                         <a:srgbClr val="000000"/>
                       </a:solidFill>
@@ -15841,187 +15120,7 @@
                       <a:headEnd type="none" w="sm" len="sm"/>
                       <a:tailEnd type="none" w="sm" len="sm"/>
                     </a:lnT>
-                    <a:lnB w="19050" cap="flat" cmpd="sng">
-                      <a:solidFill>
-                        <a:srgbClr val="000000"/>
-                      </a:solidFill>
-                      <a:prstDash val="solid"/>
-                      <a:round/>
-                      <a:headEnd type="none" w="sm" len="sm"/>
-                      <a:tailEnd type="none" w="sm" len="sm"/>
-                    </a:lnB>
-                  </a:tcPr>
-                </a:tc>
-                <a:tc>
-                  <a:txBody>
-                    <a:bodyPr/>
-                    <a:lstStyle/>
-                    <a:p>
-                      <a:pPr marL="0" lvl="0" indent="0" algn="ctr">
-                        <a:spcBef>
-                          <a:spcPts val="0"/>
-                        </a:spcBef>
-                        <a:spcAft>
-                          <a:spcPts val="0"/>
-                        </a:spcAft>
-                        <a:buNone/>
-                      </a:pPr>
-                      <a:r>
-                        <a:rPr lang="fr-CH"/>
-                        <a:t>8</a:t>
-                      </a:r>
-                      <a:endParaRPr/>
-                    </a:p>
-                  </a:txBody>
-                  <a:tcPr marL="91425" marR="91425" marT="91425" marB="91425" anchor="ctr">
-                    <a:lnL w="38100" cap="flat" cmpd="sng">
-                      <a:solidFill>
-                        <a:srgbClr val="000000"/>
-                      </a:solidFill>
-                      <a:prstDash val="solid"/>
-                      <a:round/>
-                      <a:headEnd type="none" w="sm" len="sm"/>
-                      <a:tailEnd type="none" w="sm" len="sm"/>
-                    </a:lnL>
-                    <a:lnR w="19050" cap="flat" cmpd="sng">
-                      <a:solidFill>
-                        <a:srgbClr val="000000"/>
-                      </a:solidFill>
-                      <a:prstDash val="solid"/>
-                      <a:round/>
-                      <a:headEnd type="none" w="sm" len="sm"/>
-                      <a:tailEnd type="none" w="sm" len="sm"/>
-                    </a:lnR>
-                    <a:lnT w="19050" cap="flat" cmpd="sng">
-                      <a:solidFill>
-                        <a:srgbClr val="000000"/>
-                      </a:solidFill>
-                      <a:prstDash val="solid"/>
-                      <a:round/>
-                      <a:headEnd type="none" w="sm" len="sm"/>
-                      <a:tailEnd type="none" w="sm" len="sm"/>
-                    </a:lnT>
-                    <a:lnB w="19050" cap="flat" cmpd="sng">
-                      <a:solidFill>
-                        <a:srgbClr val="000000"/>
-                      </a:solidFill>
-                      <a:prstDash val="solid"/>
-                      <a:round/>
-                      <a:headEnd type="none" w="sm" len="sm"/>
-                      <a:tailEnd type="none" w="sm" len="sm"/>
-                    </a:lnB>
-                  </a:tcPr>
-                </a:tc>
-                <a:tc>
-                  <a:txBody>
-                    <a:bodyPr/>
-                    <a:lstStyle/>
-                    <a:p>
-                      <a:pPr marL="0" lvl="0" indent="0" algn="ctr">
-                        <a:spcBef>
-                          <a:spcPts val="0"/>
-                        </a:spcBef>
-                        <a:spcAft>
-                          <a:spcPts val="0"/>
-                        </a:spcAft>
-                        <a:buNone/>
-                      </a:pPr>
-                      <a:r>
-                        <a:rPr lang="fr-CH"/>
-                        <a:t>8</a:t>
-                      </a:r>
-                      <a:endParaRPr/>
-                    </a:p>
-                  </a:txBody>
-                  <a:tcPr marL="91425" marR="91425" marT="91425" marB="91425" anchor="ctr">
-                    <a:lnL w="19050" cap="flat" cmpd="sng">
-                      <a:solidFill>
-                        <a:srgbClr val="000000"/>
-                      </a:solidFill>
-                      <a:prstDash val="solid"/>
-                      <a:round/>
-                      <a:headEnd type="none" w="sm" len="sm"/>
-                      <a:tailEnd type="none" w="sm" len="sm"/>
-                    </a:lnL>
-                    <a:lnR w="19050" cap="flat" cmpd="sng">
-                      <a:solidFill>
-                        <a:srgbClr val="000000"/>
-                      </a:solidFill>
-                      <a:prstDash val="solid"/>
-                      <a:round/>
-                      <a:headEnd type="none" w="sm" len="sm"/>
-                      <a:tailEnd type="none" w="sm" len="sm"/>
-                    </a:lnR>
-                    <a:lnT w="19050" cap="flat" cmpd="sng">
-                      <a:solidFill>
-                        <a:srgbClr val="000000"/>
-                      </a:solidFill>
-                      <a:prstDash val="solid"/>
-                      <a:round/>
-                      <a:headEnd type="none" w="sm" len="sm"/>
-                      <a:tailEnd type="none" w="sm" len="sm"/>
-                    </a:lnT>
-                    <a:lnB w="19050" cap="flat" cmpd="sng">
-                      <a:solidFill>
-                        <a:srgbClr val="000000"/>
-                      </a:solidFill>
-                      <a:prstDash val="solid"/>
-                      <a:round/>
-                      <a:headEnd type="none" w="sm" len="sm"/>
-                      <a:tailEnd type="none" w="sm" len="sm"/>
-                    </a:lnB>
-                  </a:tcPr>
-                </a:tc>
-                <a:tc>
-                  <a:txBody>
-                    <a:bodyPr/>
-                    <a:lstStyle/>
-                    <a:p>
-                      <a:pPr marL="0" lvl="0" indent="0" algn="ctr">
-                        <a:spcBef>
-                          <a:spcPts val="0"/>
-                        </a:spcBef>
-                        <a:spcAft>
-                          <a:spcPts val="0"/>
-                        </a:spcAft>
-                        <a:buNone/>
-                      </a:pPr>
-                      <a:r>
-                        <a:rPr lang="fr-CH"/>
-                        <a:t>8</a:t>
-                      </a:r>
-                      <a:endParaRPr/>
-                    </a:p>
-                  </a:txBody>
-                  <a:tcPr marL="91425" marR="91425" marT="91425" marB="91425" anchor="ctr">
-                    <a:lnL w="19050" cap="flat" cmpd="sng">
-                      <a:solidFill>
-                        <a:srgbClr val="000000"/>
-                      </a:solidFill>
-                      <a:prstDash val="solid"/>
-                      <a:round/>
-                      <a:headEnd type="none" w="sm" len="sm"/>
-                      <a:tailEnd type="none" w="sm" len="sm"/>
-                    </a:lnL>
-                    <a:lnR w="38100" cap="flat" cmpd="sng">
-                      <a:solidFill>
-                        <a:srgbClr val="000000"/>
-                      </a:solidFill>
-                      <a:prstDash val="solid"/>
-                      <a:round/>
-                      <a:headEnd type="none" w="sm" len="sm"/>
-                      <a:tailEnd type="none" w="sm" len="sm"/>
-                    </a:lnR>
-                    <a:lnT w="19050" cap="flat" cmpd="sng">
-                      <a:solidFill>
-                        <a:srgbClr val="000000"/>
-                      </a:solidFill>
-                      <a:prstDash val="solid"/>
-                      <a:round/>
-                      <a:headEnd type="none" w="sm" len="sm"/>
-                      <a:tailEnd type="none" w="sm" len="sm"/>
-                    </a:lnT>
-                    <a:lnB w="19050" cap="flat" cmpd="sng">
+                    <a:lnB w="19050" cap="flat" cmpd="sng" algn="ctr">
                       <a:solidFill>
                         <a:srgbClr val="000000"/>
                       </a:solidFill>
@@ -16033,309 +15132,7 @@
                   </a:tcPr>
                 </a:tc>
               </a:tr>
-              <a:tr h="362188">
-                <a:tc>
-                  <a:txBody>
-                    <a:bodyPr/>
-                    <a:lstStyle/>
-                    <a:p>
-                      <a:pPr marL="0" lvl="0" indent="0" rtl="0">
-                        <a:spcBef>
-                          <a:spcPts val="0"/>
-                        </a:spcBef>
-                        <a:spcAft>
-                          <a:spcPts val="0"/>
-                        </a:spcAft>
-                        <a:buNone/>
-                      </a:pPr>
-                      <a:r>
-                        <a:rPr lang="fr-CH"/>
-                        <a:t>Complexité</a:t>
-                      </a:r>
-                      <a:endParaRPr/>
-                    </a:p>
-                  </a:txBody>
-                  <a:tcPr marL="91425" marR="91425" marT="91425" marB="91425" anchor="ctr">
-                    <a:lnL w="38100" cap="flat" cmpd="sng">
-                      <a:solidFill>
-                        <a:srgbClr val="000000"/>
-                      </a:solidFill>
-                      <a:prstDash val="solid"/>
-                      <a:round/>
-                      <a:headEnd type="none" w="sm" len="sm"/>
-                      <a:tailEnd type="none" w="sm" len="sm"/>
-                    </a:lnL>
-                    <a:lnR w="19050" cap="flat" cmpd="sng">
-                      <a:solidFill>
-                        <a:srgbClr val="000000"/>
-                      </a:solidFill>
-                      <a:prstDash val="solid"/>
-                      <a:round/>
-                      <a:headEnd type="none" w="sm" len="sm"/>
-                      <a:tailEnd type="none" w="sm" len="sm"/>
-                    </a:lnR>
-                    <a:lnT w="19050" cap="flat" cmpd="sng">
-                      <a:solidFill>
-                        <a:srgbClr val="000000"/>
-                      </a:solidFill>
-                      <a:prstDash val="solid"/>
-                      <a:round/>
-                      <a:headEnd type="none" w="sm" len="sm"/>
-                      <a:tailEnd type="none" w="sm" len="sm"/>
-                    </a:lnT>
-                    <a:lnB w="19050" cap="flat" cmpd="sng">
-                      <a:solidFill>
-                        <a:srgbClr val="000000"/>
-                      </a:solidFill>
-                      <a:prstDash val="solid"/>
-                      <a:round/>
-                      <a:headEnd type="none" w="sm" len="sm"/>
-                      <a:tailEnd type="none" w="sm" len="sm"/>
-                    </a:lnB>
-                  </a:tcPr>
-                </a:tc>
-                <a:tc>
-                  <a:txBody>
-                    <a:bodyPr/>
-                    <a:lstStyle/>
-                    <a:p>
-                      <a:pPr marL="0" lvl="0" indent="0" algn="ctr" rtl="0">
-                        <a:spcBef>
-                          <a:spcPts val="0"/>
-                        </a:spcBef>
-                        <a:spcAft>
-                          <a:spcPts val="0"/>
-                        </a:spcAft>
-                        <a:buNone/>
-                      </a:pPr>
-                      <a:r>
-                        <a:rPr lang="fr-CH"/>
-                        <a:t>5</a:t>
-                      </a:r>
-                      <a:endParaRPr/>
-                    </a:p>
-                  </a:txBody>
-                  <a:tcPr marL="91425" marR="91425" marT="91425" marB="91425" anchor="ctr">
-                    <a:lnL w="19050" cap="flat" cmpd="sng">
-                      <a:solidFill>
-                        <a:srgbClr val="000000"/>
-                      </a:solidFill>
-                      <a:prstDash val="solid"/>
-                      <a:round/>
-                      <a:headEnd type="none" w="sm" len="sm"/>
-                      <a:tailEnd type="none" w="sm" len="sm"/>
-                    </a:lnL>
-                    <a:lnR w="38100" cap="flat" cmpd="sng">
-                      <a:solidFill>
-                        <a:srgbClr val="000000"/>
-                      </a:solidFill>
-                      <a:prstDash val="solid"/>
-                      <a:round/>
-                      <a:headEnd type="none" w="sm" len="sm"/>
-                      <a:tailEnd type="none" w="sm" len="sm"/>
-                    </a:lnR>
-                    <a:lnT w="19050" cap="flat" cmpd="sng">
-                      <a:solidFill>
-                        <a:srgbClr val="000000"/>
-                      </a:solidFill>
-                      <a:prstDash val="solid"/>
-                      <a:round/>
-                      <a:headEnd type="none" w="sm" len="sm"/>
-                      <a:tailEnd type="none" w="sm" len="sm"/>
-                    </a:lnT>
-                    <a:lnB w="19050" cap="flat" cmpd="sng">
-                      <a:solidFill>
-                        <a:srgbClr val="000000"/>
-                      </a:solidFill>
-                      <a:prstDash val="solid"/>
-                      <a:round/>
-                      <a:headEnd type="none" w="sm" len="sm"/>
-                      <a:tailEnd type="none" w="sm" len="sm"/>
-                    </a:lnB>
-                  </a:tcPr>
-                </a:tc>
-                <a:tc>
-                  <a:txBody>
-                    <a:bodyPr/>
-                    <a:lstStyle/>
-                    <a:p>
-                      <a:pPr marL="0" lvl="0" indent="0" algn="ctr" rtl="0">
-                        <a:spcBef>
-                          <a:spcPts val="0"/>
-                        </a:spcBef>
-                        <a:spcAft>
-                          <a:spcPts val="0"/>
-                        </a:spcAft>
-                        <a:buNone/>
-                      </a:pPr>
-                      <a:r>
-                        <a:rPr lang="fr-CH"/>
-                        <a:t>7</a:t>
-                      </a:r>
-                      <a:endParaRPr/>
-                    </a:p>
-                  </a:txBody>
-                  <a:tcPr marL="91425" marR="91425" marT="91425" marB="91425" anchor="ctr">
-                    <a:lnL w="38100" cap="flat" cmpd="sng">
-                      <a:solidFill>
-                        <a:srgbClr val="000000"/>
-                      </a:solidFill>
-                      <a:prstDash val="solid"/>
-                      <a:round/>
-                      <a:headEnd type="none" w="sm" len="sm"/>
-                      <a:tailEnd type="none" w="sm" len="sm"/>
-                    </a:lnL>
-                    <a:lnR w="19050" cap="flat" cmpd="sng">
-                      <a:solidFill>
-                        <a:srgbClr val="000000"/>
-                      </a:solidFill>
-                      <a:prstDash val="solid"/>
-                      <a:round/>
-                      <a:headEnd type="none" w="sm" len="sm"/>
-                      <a:tailEnd type="none" w="sm" len="sm"/>
-                    </a:lnR>
-                    <a:lnT w="19050" cap="flat" cmpd="sng">
-                      <a:solidFill>
-                        <a:srgbClr val="000000"/>
-                      </a:solidFill>
-                      <a:prstDash val="solid"/>
-                      <a:round/>
-                      <a:headEnd type="none" w="sm" len="sm"/>
-                      <a:tailEnd type="none" w="sm" len="sm"/>
-                    </a:lnT>
-                    <a:lnB w="19050" cap="flat" cmpd="sng">
-                      <a:solidFill>
-                        <a:srgbClr val="000000"/>
-                      </a:solidFill>
-                      <a:prstDash val="solid"/>
-                      <a:round/>
-                      <a:headEnd type="none" w="sm" len="sm"/>
-                      <a:tailEnd type="none" w="sm" len="sm"/>
-                    </a:lnB>
-                  </a:tcPr>
-                </a:tc>
-                <a:tc>
-                  <a:txBody>
-                    <a:bodyPr/>
-                    <a:lstStyle/>
-                    <a:p>
-                      <a:pPr marL="0" lvl="0" indent="0" algn="ctr" rtl="0">
-                        <a:spcBef>
-                          <a:spcPts val="0"/>
-                        </a:spcBef>
-                        <a:spcAft>
-                          <a:spcPts val="0"/>
-                        </a:spcAft>
-                        <a:buNone/>
-                      </a:pPr>
-                      <a:r>
-                        <a:rPr lang="fr-CH"/>
-                        <a:t>6</a:t>
-                      </a:r>
-                      <a:endParaRPr/>
-                    </a:p>
-                  </a:txBody>
-                  <a:tcPr marL="91425" marR="91425" marT="91425" marB="91425" anchor="ctr">
-                    <a:lnL w="19050" cap="flat" cmpd="sng">
-                      <a:solidFill>
-                        <a:srgbClr val="000000"/>
-                      </a:solidFill>
-                      <a:prstDash val="solid"/>
-                      <a:round/>
-                      <a:headEnd type="none" w="sm" len="sm"/>
-                      <a:tailEnd type="none" w="sm" len="sm"/>
-                    </a:lnL>
-                    <a:lnR w="19050" cap="flat" cmpd="sng">
-                      <a:solidFill>
-                        <a:srgbClr val="000000"/>
-                      </a:solidFill>
-                      <a:prstDash val="solid"/>
-                      <a:round/>
-                      <a:headEnd type="none" w="sm" len="sm"/>
-                      <a:tailEnd type="none" w="sm" len="sm"/>
-                    </a:lnR>
-                    <a:lnT w="19050" cap="flat" cmpd="sng">
-                      <a:solidFill>
-                        <a:srgbClr val="000000"/>
-                      </a:solidFill>
-                      <a:prstDash val="solid"/>
-                      <a:round/>
-                      <a:headEnd type="none" w="sm" len="sm"/>
-                      <a:tailEnd type="none" w="sm" len="sm"/>
-                    </a:lnT>
-                    <a:lnB w="19050" cap="flat" cmpd="sng">
-                      <a:solidFill>
-                        <a:srgbClr val="000000"/>
-                      </a:solidFill>
-                      <a:prstDash val="solid"/>
-                      <a:round/>
-                      <a:headEnd type="none" w="sm" len="sm"/>
-                      <a:tailEnd type="none" w="sm" len="sm"/>
-                    </a:lnB>
-                  </a:tcPr>
-                </a:tc>
-                <a:tc>
-                  <a:txBody>
-                    <a:bodyPr/>
-                    <a:lstStyle/>
-                    <a:p>
-                      <a:pPr marL="0" lvl="0" indent="0" algn="ctr" rtl="0">
-                        <a:spcBef>
-                          <a:spcPts val="0"/>
-                        </a:spcBef>
-                        <a:spcAft>
-                          <a:spcPts val="0"/>
-                        </a:spcAft>
-                        <a:buNone/>
-                      </a:pPr>
-                      <a:r>
-                        <a:rPr lang="fr-CH"/>
-                        <a:t>8</a:t>
-                      </a:r>
-                      <a:endParaRPr/>
-                    </a:p>
-                  </a:txBody>
-                  <a:tcPr marL="91425" marR="91425" marT="91425" marB="91425" anchor="ctr">
-                    <a:lnL w="19050" cap="flat" cmpd="sng">
-                      <a:solidFill>
-                        <a:srgbClr val="000000"/>
-                      </a:solidFill>
-                      <a:prstDash val="solid"/>
-                      <a:round/>
-                      <a:headEnd type="none" w="sm" len="sm"/>
-                      <a:tailEnd type="none" w="sm" len="sm"/>
-                    </a:lnL>
-                    <a:lnR w="38100" cap="flat" cmpd="sng">
-                      <a:solidFill>
-                        <a:srgbClr val="000000"/>
-                      </a:solidFill>
-                      <a:prstDash val="solid"/>
-                      <a:round/>
-                      <a:headEnd type="none" w="sm" len="sm"/>
-                      <a:tailEnd type="none" w="sm" len="sm"/>
-                    </a:lnR>
-                    <a:lnT w="19050" cap="flat" cmpd="sng">
-                      <a:solidFill>
-                        <a:srgbClr val="000000"/>
-                      </a:solidFill>
-                      <a:prstDash val="solid"/>
-                      <a:round/>
-                      <a:headEnd type="none" w="sm" len="sm"/>
-                      <a:tailEnd type="none" w="sm" len="sm"/>
-                    </a:lnT>
-                    <a:lnB w="19050" cap="flat" cmpd="sng">
-                      <a:solidFill>
-                        <a:srgbClr val="000000"/>
-                      </a:solidFill>
-                      <a:prstDash val="solid"/>
-                      <a:round/>
-                      <a:headEnd type="none" w="sm" len="sm"/>
-                      <a:tailEnd type="none" w="sm" len="sm"/>
-                    </a:lnB>
-                  </a:tcPr>
-                </a:tc>
-              </a:tr>
-              <a:tr h="362188">
+              <a:tr h="381000">
                 <a:tc>
                   <a:txBody>
                     <a:bodyPr/>
@@ -16357,7 +15154,7 @@
                       <a:endParaRPr/>
                     </a:p>
                   </a:txBody>
-                  <a:tcPr marL="91425" marR="91425" marT="91425" marB="91425" anchor="ctr">
+                  <a:tcPr marL="91425" marR="91425" marT="91425" marB="91425">
                     <a:lnL w="38100" cap="flat" cmpd="sng">
                       <a:solidFill>
                         <a:srgbClr val="000000"/>
@@ -16367,7 +15164,7 @@
                       <a:headEnd type="none" w="sm" len="sm"/>
                       <a:tailEnd type="none" w="sm" len="sm"/>
                     </a:lnL>
-                    <a:lnR w="19050" cap="flat" cmpd="sng">
+                    <a:lnR w="19050" cap="flat" cmpd="sng" algn="ctr">
                       <a:solidFill>
                         <a:srgbClr val="000000"/>
                       </a:solidFill>
@@ -16376,7 +15173,7 @@
                       <a:headEnd type="none" w="sm" len="sm"/>
                       <a:tailEnd type="none" w="sm" len="sm"/>
                     </a:lnR>
-                    <a:lnT w="19050" cap="flat" cmpd="sng">
+                    <a:lnT w="19050" cap="flat" cmpd="sng" algn="ctr">
                       <a:solidFill>
                         <a:srgbClr val="000000"/>
                       </a:solidFill>
@@ -16385,7 +15182,7 @@
                       <a:headEnd type="none" w="sm" len="sm"/>
                       <a:tailEnd type="none" w="sm" len="sm"/>
                     </a:lnT>
-                    <a:lnB w="19050" cap="flat" cmpd="sng">
+                    <a:lnB w="19050" cap="flat" cmpd="sng" algn="ctr">
                       <a:solidFill>
                         <a:srgbClr val="000000"/>
                       </a:solidFill>
@@ -16411,14 +15208,14 @@
                         <a:buNone/>
                       </a:pPr>
                       <a:r>
-                        <a:rPr lang="fr-CH"/>
+                        <a:rPr lang="fr-CH" dirty="0"/>
                         <a:t>7</a:t>
                       </a:r>
-                      <a:endParaRPr/>
+                      <a:endParaRPr dirty="0"/>
                     </a:p>
                   </a:txBody>
                   <a:tcPr marL="91425" marR="91425" marT="91425" marB="91425" anchor="ctr">
-                    <a:lnL w="19050" cap="flat" cmpd="sng">
+                    <a:lnL w="19050" cap="flat" cmpd="sng" algn="ctr">
                       <a:solidFill>
                         <a:srgbClr val="000000"/>
                       </a:solidFill>
@@ -16427,7 +15224,7 @@
                       <a:headEnd type="none" w="sm" len="sm"/>
                       <a:tailEnd type="none" w="sm" len="sm"/>
                     </a:lnL>
-                    <a:lnR w="38100" cap="flat" cmpd="sng">
+                    <a:lnR w="38100" cap="flat" cmpd="sng" algn="ctr">
                       <a:solidFill>
                         <a:srgbClr val="000000"/>
                       </a:solidFill>
@@ -16436,7 +15233,7 @@
                       <a:headEnd type="none" w="sm" len="sm"/>
                       <a:tailEnd type="none" w="sm" len="sm"/>
                     </a:lnR>
-                    <a:lnT w="19050" cap="flat" cmpd="sng">
+                    <a:lnT w="19050" cap="flat" cmpd="sng" algn="ctr">
                       <a:solidFill>
                         <a:srgbClr val="000000"/>
                       </a:solidFill>
@@ -16445,7 +15242,7 @@
                       <a:headEnd type="none" w="sm" len="sm"/>
                       <a:tailEnd type="none" w="sm" len="sm"/>
                     </a:lnT>
-                    <a:lnB w="19050" cap="flat" cmpd="sng">
+                    <a:lnB w="19050" cap="flat" cmpd="sng" algn="ctr">
                       <a:solidFill>
                         <a:srgbClr val="000000"/>
                       </a:solidFill>
@@ -16471,14 +15268,14 @@
                         <a:buNone/>
                       </a:pPr>
                       <a:r>
-                        <a:rPr lang="fr-CH"/>
+                        <a:rPr lang="fr-CH" dirty="0" smtClean="0"/>
                         <a:t>5</a:t>
                       </a:r>
-                      <a:endParaRPr/>
+                      <a:endParaRPr dirty="0"/>
                     </a:p>
                   </a:txBody>
                   <a:tcPr marL="91425" marR="91425" marT="91425" marB="91425" anchor="ctr">
-                    <a:lnL w="38100" cap="flat" cmpd="sng">
+                    <a:lnL w="38100" cap="flat" cmpd="sng" algn="ctr">
                       <a:solidFill>
                         <a:srgbClr val="000000"/>
                       </a:solidFill>
@@ -16487,7 +15284,7 @@
                       <a:headEnd type="none" w="sm" len="sm"/>
                       <a:tailEnd type="none" w="sm" len="sm"/>
                     </a:lnL>
-                    <a:lnR w="19050" cap="flat" cmpd="sng">
+                    <a:lnR w="19050" cap="flat" cmpd="sng" algn="ctr">
                       <a:solidFill>
                         <a:srgbClr val="000000"/>
                       </a:solidFill>
@@ -16496,7 +15293,7 @@
                       <a:headEnd type="none" w="sm" len="sm"/>
                       <a:tailEnd type="none" w="sm" len="sm"/>
                     </a:lnR>
-                    <a:lnT w="19050" cap="flat" cmpd="sng">
+                    <a:lnT w="19050" cap="flat" cmpd="sng" algn="ctr">
                       <a:solidFill>
                         <a:srgbClr val="000000"/>
                       </a:solidFill>
@@ -16505,7 +15302,7 @@
                       <a:headEnd type="none" w="sm" len="sm"/>
                       <a:tailEnd type="none" w="sm" len="sm"/>
                     </a:lnT>
-                    <a:lnB w="19050" cap="flat" cmpd="sng">
+                    <a:lnB w="19050" cap="flat" cmpd="sng" algn="ctr">
                       <a:solidFill>
                         <a:srgbClr val="000000"/>
                       </a:solidFill>
@@ -16531,14 +15328,14 @@
                         <a:buNone/>
                       </a:pPr>
                       <a:r>
-                        <a:rPr lang="fr-CH"/>
+                        <a:rPr lang="fr-CH" dirty="0" smtClean="0"/>
                         <a:t>7</a:t>
                       </a:r>
-                      <a:endParaRPr/>
+                      <a:endParaRPr dirty="0"/>
                     </a:p>
                   </a:txBody>
                   <a:tcPr marL="91425" marR="91425" marT="91425" marB="91425" anchor="ctr">
-                    <a:lnL w="19050" cap="flat" cmpd="sng">
+                    <a:lnL w="19050" cap="flat" cmpd="sng" algn="ctr">
                       <a:solidFill>
                         <a:srgbClr val="000000"/>
                       </a:solidFill>
@@ -16547,7 +15344,7 @@
                       <a:headEnd type="none" w="sm" len="sm"/>
                       <a:tailEnd type="none" w="sm" len="sm"/>
                     </a:lnL>
-                    <a:lnR w="19050" cap="flat" cmpd="sng">
+                    <a:lnR w="19050" cap="flat" cmpd="sng" algn="ctr">
                       <a:solidFill>
                         <a:srgbClr val="000000"/>
                       </a:solidFill>
@@ -16556,7 +15353,7 @@
                       <a:headEnd type="none" w="sm" len="sm"/>
                       <a:tailEnd type="none" w="sm" len="sm"/>
                     </a:lnR>
-                    <a:lnT w="19050" cap="flat" cmpd="sng">
+                    <a:lnT w="19050" cap="flat" cmpd="sng" algn="ctr">
                       <a:solidFill>
                         <a:srgbClr val="000000"/>
                       </a:solidFill>
@@ -16565,7 +15362,7 @@
                       <a:headEnd type="none" w="sm" len="sm"/>
                       <a:tailEnd type="none" w="sm" len="sm"/>
                     </a:lnT>
-                    <a:lnB w="19050" cap="flat" cmpd="sng">
+                    <a:lnB w="19050" cap="flat" cmpd="sng" algn="ctr">
                       <a:solidFill>
                         <a:srgbClr val="000000"/>
                       </a:solidFill>
@@ -16591,14 +15388,14 @@
                         <a:buNone/>
                       </a:pPr>
                       <a:r>
-                        <a:rPr lang="fr-CH"/>
+                        <a:rPr lang="fr-CH" dirty="0" smtClean="0"/>
                         <a:t>6</a:t>
                       </a:r>
-                      <a:endParaRPr/>
+                      <a:endParaRPr dirty="0"/>
                     </a:p>
                   </a:txBody>
                   <a:tcPr marL="91425" marR="91425" marT="91425" marB="91425" anchor="ctr">
-                    <a:lnL w="19050" cap="flat" cmpd="sng">
+                    <a:lnL w="19050" cap="flat" cmpd="sng" algn="ctr">
                       <a:solidFill>
                         <a:srgbClr val="000000"/>
                       </a:solidFill>
@@ -16616,7 +15413,7 @@
                       <a:headEnd type="none" w="sm" len="sm"/>
                       <a:tailEnd type="none" w="sm" len="sm"/>
                     </a:lnR>
-                    <a:lnT w="19050" cap="flat" cmpd="sng">
+                    <a:lnT w="19050" cap="flat" cmpd="sng" algn="ctr">
                       <a:solidFill>
                         <a:srgbClr val="000000"/>
                       </a:solidFill>
@@ -16625,7 +15422,7 @@
                       <a:headEnd type="none" w="sm" len="sm"/>
                       <a:tailEnd type="none" w="sm" len="sm"/>
                     </a:lnT>
-                    <a:lnB w="19050" cap="flat" cmpd="sng">
+                    <a:lnB w="19050" cap="flat" cmpd="sng" algn="ctr">
                       <a:solidFill>
                         <a:srgbClr val="000000"/>
                       </a:solidFill>
@@ -16637,7 +15434,7 @@
                   </a:tcPr>
                 </a:tc>
               </a:tr>
-              <a:tr h="362188">
+              <a:tr h="381000">
                 <a:tc>
                   <a:txBody>
                     <a:bodyPr/>
@@ -16653,13 +15450,13 @@
                         <a:buNone/>
                       </a:pPr>
                       <a:r>
-                        <a:rPr lang="fr-CH"/>
-                        <a:t>Apprentissage</a:t>
+                        <a:rPr lang="fr-CH" dirty="0"/>
+                        <a:t>Documentation</a:t>
                       </a:r>
-                      <a:endParaRPr/>
+                      <a:endParaRPr dirty="0"/>
                     </a:p>
                   </a:txBody>
-                  <a:tcPr marL="91425" marR="91425" marT="91425" marB="91425" anchor="ctr">
+                  <a:tcPr marL="91425" marR="91425" marT="91425" marB="91425">
                     <a:lnL w="38100" cap="flat" cmpd="sng">
                       <a:solidFill>
                         <a:srgbClr val="000000"/>
@@ -16669,7 +15466,7 @@
                       <a:headEnd type="none" w="sm" len="sm"/>
                       <a:tailEnd type="none" w="sm" len="sm"/>
                     </a:lnL>
-                    <a:lnR w="19050" cap="flat" cmpd="sng">
+                    <a:lnR w="19050" cap="flat" cmpd="sng" algn="ctr">
                       <a:solidFill>
                         <a:srgbClr val="000000"/>
                       </a:solidFill>
@@ -16678,7 +15475,7 @@
                       <a:headEnd type="none" w="sm" len="sm"/>
                       <a:tailEnd type="none" w="sm" len="sm"/>
                     </a:lnR>
-                    <a:lnT w="19050" cap="flat" cmpd="sng">
+                    <a:lnT w="19050" cap="flat" cmpd="sng" algn="ctr">
                       <a:solidFill>
                         <a:srgbClr val="000000"/>
                       </a:solidFill>
@@ -16687,7 +15484,7 @@
                       <a:headEnd type="none" w="sm" len="sm"/>
                       <a:tailEnd type="none" w="sm" len="sm"/>
                     </a:lnT>
-                    <a:lnB w="38100" cap="flat" cmpd="sng">
+                    <a:lnB w="19050" cap="flat" cmpd="sng" algn="ctr">
                       <a:solidFill>
                         <a:srgbClr val="000000"/>
                       </a:solidFill>
@@ -16713,14 +15510,14 @@
                         <a:buNone/>
                       </a:pPr>
                       <a:r>
-                        <a:rPr lang="fr-CH"/>
-                        <a:t>9</a:t>
+                        <a:rPr lang="fr-CH" dirty="0"/>
+                        <a:t>5</a:t>
                       </a:r>
-                      <a:endParaRPr/>
+                      <a:endParaRPr dirty="0"/>
                     </a:p>
                   </a:txBody>
                   <a:tcPr marL="91425" marR="91425" marT="91425" marB="91425" anchor="ctr">
-                    <a:lnL w="19050" cap="flat" cmpd="sng">
+                    <a:lnL w="19050" cap="flat" cmpd="sng" algn="ctr">
                       <a:solidFill>
                         <a:srgbClr val="000000"/>
                       </a:solidFill>
@@ -16729,7 +15526,7 @@
                       <a:headEnd type="none" w="sm" len="sm"/>
                       <a:tailEnd type="none" w="sm" len="sm"/>
                     </a:lnL>
-                    <a:lnR w="38100" cap="flat" cmpd="sng">
+                    <a:lnR w="38100" cap="flat" cmpd="sng" algn="ctr">
                       <a:solidFill>
                         <a:srgbClr val="000000"/>
                       </a:solidFill>
@@ -16738,7 +15535,7 @@
                       <a:headEnd type="none" w="sm" len="sm"/>
                       <a:tailEnd type="none" w="sm" len="sm"/>
                     </a:lnR>
-                    <a:lnT w="19050" cap="flat" cmpd="sng">
+                    <a:lnT w="19050" cap="flat" cmpd="sng" algn="ctr">
                       <a:solidFill>
                         <a:srgbClr val="000000"/>
                       </a:solidFill>
@@ -16747,7 +15544,7 @@
                       <a:headEnd type="none" w="sm" len="sm"/>
                       <a:tailEnd type="none" w="sm" len="sm"/>
                     </a:lnT>
-                    <a:lnB w="38100" cap="flat" cmpd="sng">
+                    <a:lnB w="19050" cap="flat" cmpd="sng" algn="ctr">
                       <a:solidFill>
                         <a:srgbClr val="000000"/>
                       </a:solidFill>
@@ -16773,10 +15570,312 @@
                         <a:buNone/>
                       </a:pPr>
                       <a:r>
-                        <a:rPr lang="fr-CH"/>
+                        <a:rPr lang="fr-CH" dirty="0"/>
+                        <a:t>8</a:t>
+                      </a:r>
+                      <a:endParaRPr dirty="0"/>
+                    </a:p>
+                  </a:txBody>
+                  <a:tcPr marL="91425" marR="91425" marT="91425" marB="91425" anchor="ctr">
+                    <a:lnL w="38100" cap="flat" cmpd="sng" algn="ctr">
+                      <a:solidFill>
+                        <a:srgbClr val="000000"/>
+                      </a:solidFill>
+                      <a:prstDash val="solid"/>
+                      <a:round/>
+                      <a:headEnd type="none" w="sm" len="sm"/>
+                      <a:tailEnd type="none" w="sm" len="sm"/>
+                    </a:lnL>
+                    <a:lnR w="19050" cap="flat" cmpd="sng" algn="ctr">
+                      <a:solidFill>
+                        <a:srgbClr val="000000"/>
+                      </a:solidFill>
+                      <a:prstDash val="solid"/>
+                      <a:round/>
+                      <a:headEnd type="none" w="sm" len="sm"/>
+                      <a:tailEnd type="none" w="sm" len="sm"/>
+                    </a:lnR>
+                    <a:lnT w="19050" cap="flat" cmpd="sng" algn="ctr">
+                      <a:solidFill>
+                        <a:srgbClr val="000000"/>
+                      </a:solidFill>
+                      <a:prstDash val="solid"/>
+                      <a:round/>
+                      <a:headEnd type="none" w="sm" len="sm"/>
+                      <a:tailEnd type="none" w="sm" len="sm"/>
+                    </a:lnT>
+                    <a:lnB w="19050" cap="flat" cmpd="sng" algn="ctr">
+                      <a:solidFill>
+                        <a:srgbClr val="000000"/>
+                      </a:solidFill>
+                      <a:prstDash val="solid"/>
+                      <a:round/>
+                      <a:headEnd type="none" w="sm" len="sm"/>
+                      <a:tailEnd type="none" w="sm" len="sm"/>
+                    </a:lnB>
+                  </a:tcPr>
+                </a:tc>
+                <a:tc>
+                  <a:txBody>
+                    <a:bodyPr/>
+                    <a:lstStyle/>
+                    <a:p>
+                      <a:pPr marL="0" lvl="0" indent="0" algn="ctr" rtl="0">
+                        <a:spcBef>
+                          <a:spcPts val="0"/>
+                        </a:spcBef>
+                        <a:spcAft>
+                          <a:spcPts val="0"/>
+                        </a:spcAft>
+                        <a:buNone/>
+                      </a:pPr>
+                      <a:r>
+                        <a:rPr lang="fr-CH" dirty="0" smtClean="0"/>
+                        <a:t>8</a:t>
+                      </a:r>
+                      <a:endParaRPr dirty="0"/>
+                    </a:p>
+                  </a:txBody>
+                  <a:tcPr marL="91425" marR="91425" marT="91425" marB="91425" anchor="ctr">
+                    <a:lnL w="19050" cap="flat" cmpd="sng" algn="ctr">
+                      <a:solidFill>
+                        <a:srgbClr val="000000"/>
+                      </a:solidFill>
+                      <a:prstDash val="solid"/>
+                      <a:round/>
+                      <a:headEnd type="none" w="sm" len="sm"/>
+                      <a:tailEnd type="none" w="sm" len="sm"/>
+                    </a:lnL>
+                    <a:lnR w="19050" cap="flat" cmpd="sng" algn="ctr">
+                      <a:solidFill>
+                        <a:srgbClr val="000000"/>
+                      </a:solidFill>
+                      <a:prstDash val="solid"/>
+                      <a:round/>
+                      <a:headEnd type="none" w="sm" len="sm"/>
+                      <a:tailEnd type="none" w="sm" len="sm"/>
+                    </a:lnR>
+                    <a:lnT w="19050" cap="flat" cmpd="sng" algn="ctr">
+                      <a:solidFill>
+                        <a:srgbClr val="000000"/>
+                      </a:solidFill>
+                      <a:prstDash val="solid"/>
+                      <a:round/>
+                      <a:headEnd type="none" w="sm" len="sm"/>
+                      <a:tailEnd type="none" w="sm" len="sm"/>
+                    </a:lnT>
+                    <a:lnB w="19050" cap="flat" cmpd="sng" algn="ctr">
+                      <a:solidFill>
+                        <a:srgbClr val="000000"/>
+                      </a:solidFill>
+                      <a:prstDash val="solid"/>
+                      <a:round/>
+                      <a:headEnd type="none" w="sm" len="sm"/>
+                      <a:tailEnd type="none" w="sm" len="sm"/>
+                    </a:lnB>
+                  </a:tcPr>
+                </a:tc>
+                <a:tc>
+                  <a:txBody>
+                    <a:bodyPr/>
+                    <a:lstStyle/>
+                    <a:p>
+                      <a:pPr marL="0" lvl="0" indent="0" algn="ctr" rtl="0">
+                        <a:spcBef>
+                          <a:spcPts val="0"/>
+                        </a:spcBef>
+                        <a:spcAft>
+                          <a:spcPts val="0"/>
+                        </a:spcAft>
+                        <a:buNone/>
+                      </a:pPr>
+                      <a:r>
+                        <a:rPr lang="fr-CH" dirty="0" smtClean="0"/>
+                        <a:t>8</a:t>
+                      </a:r>
+                      <a:endParaRPr dirty="0"/>
+                    </a:p>
+                  </a:txBody>
+                  <a:tcPr marL="91425" marR="91425" marT="91425" marB="91425" anchor="ctr">
+                    <a:lnL w="19050" cap="flat" cmpd="sng" algn="ctr">
+                      <a:solidFill>
+                        <a:srgbClr val="000000"/>
+                      </a:solidFill>
+                      <a:prstDash val="solid"/>
+                      <a:round/>
+                      <a:headEnd type="none" w="sm" len="sm"/>
+                      <a:tailEnd type="none" w="sm" len="sm"/>
+                    </a:lnL>
+                    <a:lnR w="38100" cap="flat" cmpd="sng">
+                      <a:solidFill>
+                        <a:srgbClr val="000000"/>
+                      </a:solidFill>
+                      <a:prstDash val="solid"/>
+                      <a:round/>
+                      <a:headEnd type="none" w="sm" len="sm"/>
+                      <a:tailEnd type="none" w="sm" len="sm"/>
+                    </a:lnR>
+                    <a:lnT w="19050" cap="flat" cmpd="sng" algn="ctr">
+                      <a:solidFill>
+                        <a:srgbClr val="000000"/>
+                      </a:solidFill>
+                      <a:prstDash val="solid"/>
+                      <a:round/>
+                      <a:headEnd type="none" w="sm" len="sm"/>
+                      <a:tailEnd type="none" w="sm" len="sm"/>
+                    </a:lnT>
+                    <a:lnB w="19050" cap="flat" cmpd="sng" algn="ctr">
+                      <a:solidFill>
+                        <a:srgbClr val="000000"/>
+                      </a:solidFill>
+                      <a:prstDash val="solid"/>
+                      <a:round/>
+                      <a:headEnd type="none" w="sm" len="sm"/>
+                      <a:tailEnd type="none" w="sm" len="sm"/>
+                    </a:lnB>
+                  </a:tcPr>
+                </a:tc>
+              </a:tr>
+              <a:tr h="381000">
+                <a:tc>
+                  <a:txBody>
+                    <a:bodyPr/>
+                    <a:lstStyle/>
+                    <a:p>
+                      <a:pPr marL="0" lvl="0" indent="0" rtl="0">
+                        <a:spcBef>
+                          <a:spcPts val="0"/>
+                        </a:spcBef>
+                        <a:spcAft>
+                          <a:spcPts val="0"/>
+                        </a:spcAft>
+                        <a:buNone/>
+                      </a:pPr>
+                      <a:r>
+                        <a:rPr lang="fr-CH" dirty="0"/>
+                        <a:t>Facilité de mise en place</a:t>
+                      </a:r>
+                      <a:endParaRPr dirty="0"/>
+                    </a:p>
+                  </a:txBody>
+                  <a:tcPr marL="91425" marR="91425" marT="91425" marB="91425">
+                    <a:lnL w="38100" cap="flat" cmpd="sng">
+                      <a:solidFill>
+                        <a:srgbClr val="000000"/>
+                      </a:solidFill>
+                      <a:prstDash val="solid"/>
+                      <a:round/>
+                      <a:headEnd type="none" w="sm" len="sm"/>
+                      <a:tailEnd type="none" w="sm" len="sm"/>
+                    </a:lnL>
+                    <a:lnR w="19050" cap="flat" cmpd="sng">
+                      <a:solidFill>
+                        <a:srgbClr val="000000"/>
+                      </a:solidFill>
+                      <a:prstDash val="solid"/>
+                      <a:round/>
+                      <a:headEnd type="none" w="sm" len="sm"/>
+                      <a:tailEnd type="none" w="sm" len="sm"/>
+                    </a:lnR>
+                    <a:lnT w="19050" cap="flat" cmpd="sng" algn="ctr">
+                      <a:solidFill>
+                        <a:srgbClr val="000000"/>
+                      </a:solidFill>
+                      <a:prstDash val="solid"/>
+                      <a:round/>
+                      <a:headEnd type="none" w="sm" len="sm"/>
+                      <a:tailEnd type="none" w="sm" len="sm"/>
+                    </a:lnT>
+                    <a:lnB w="19050" cap="flat" cmpd="sng">
+                      <a:solidFill>
+                        <a:srgbClr val="000000"/>
+                      </a:solidFill>
+                      <a:prstDash val="solid"/>
+                      <a:round/>
+                      <a:headEnd type="none" w="sm" len="sm"/>
+                      <a:tailEnd type="none" w="sm" len="sm"/>
+                    </a:lnB>
+                  </a:tcPr>
+                </a:tc>
+                <a:tc>
+                  <a:txBody>
+                    <a:bodyPr/>
+                    <a:lstStyle/>
+                    <a:p>
+                      <a:pPr marL="0" lvl="0" indent="0" algn="ctr" rtl="0">
+                        <a:spcBef>
+                          <a:spcPts val="0"/>
+                        </a:spcBef>
+                        <a:spcAft>
+                          <a:spcPts val="0"/>
+                        </a:spcAft>
+                        <a:buNone/>
+                      </a:pPr>
+                      <a:r>
+                        <a:rPr lang="fr-CH" dirty="0"/>
+                        <a:t>4</a:t>
+                      </a:r>
+                      <a:endParaRPr dirty="0"/>
+                    </a:p>
+                  </a:txBody>
+                  <a:tcPr marL="91425" marR="91425" marT="91425" marB="91425" anchor="ctr">
+                    <a:lnL w="19050" cap="flat" cmpd="sng">
+                      <a:solidFill>
+                        <a:srgbClr val="000000"/>
+                      </a:solidFill>
+                      <a:prstDash val="solid"/>
+                      <a:round/>
+                      <a:headEnd type="none" w="sm" len="sm"/>
+                      <a:tailEnd type="none" w="sm" len="sm"/>
+                    </a:lnL>
+                    <a:lnR w="38100" cap="flat" cmpd="sng">
+                      <a:solidFill>
+                        <a:srgbClr val="000000"/>
+                      </a:solidFill>
+                      <a:prstDash val="solid"/>
+                      <a:round/>
+                      <a:headEnd type="none" w="sm" len="sm"/>
+                      <a:tailEnd type="none" w="sm" len="sm"/>
+                    </a:lnR>
+                    <a:lnT w="19050" cap="flat" cmpd="sng" algn="ctr">
+                      <a:solidFill>
+                        <a:srgbClr val="000000"/>
+                      </a:solidFill>
+                      <a:prstDash val="solid"/>
+                      <a:round/>
+                      <a:headEnd type="none" w="sm" len="sm"/>
+                      <a:tailEnd type="none" w="sm" len="sm"/>
+                    </a:lnT>
+                    <a:lnB w="19050" cap="flat" cmpd="sng">
+                      <a:solidFill>
+                        <a:srgbClr val="000000"/>
+                      </a:solidFill>
+                      <a:prstDash val="solid"/>
+                      <a:round/>
+                      <a:headEnd type="none" w="sm" len="sm"/>
+                      <a:tailEnd type="none" w="sm" len="sm"/>
+                    </a:lnB>
+                  </a:tcPr>
+                </a:tc>
+                <a:tc>
+                  <a:txBody>
+                    <a:bodyPr/>
+                    <a:lstStyle/>
+                    <a:p>
+                      <a:pPr marL="0" lvl="0" indent="0" algn="ctr" rtl="0">
+                        <a:spcBef>
+                          <a:spcPts val="0"/>
+                        </a:spcBef>
+                        <a:spcAft>
+                          <a:spcPts val="0"/>
+                        </a:spcAft>
+                        <a:buNone/>
+                      </a:pPr>
+                      <a:r>
+                        <a:rPr lang="fr-CH" dirty="0" smtClean="0"/>
                         <a:t>7</a:t>
                       </a:r>
-                      <a:endParaRPr/>
+                      <a:endParaRPr dirty="0"/>
                     </a:p>
                   </a:txBody>
                   <a:tcPr marL="91425" marR="91425" marT="91425" marB="91425" anchor="ctr">
@@ -16798,7 +15897,1223 @@
                       <a:headEnd type="none" w="sm" len="sm"/>
                       <a:tailEnd type="none" w="sm" len="sm"/>
                     </a:lnR>
-                    <a:lnT w="19050" cap="flat" cmpd="sng">
+                    <a:lnT w="19050" cap="flat" cmpd="sng" algn="ctr">
+                      <a:solidFill>
+                        <a:srgbClr val="000000"/>
+                      </a:solidFill>
+                      <a:prstDash val="solid"/>
+                      <a:round/>
+                      <a:headEnd type="none" w="sm" len="sm"/>
+                      <a:tailEnd type="none" w="sm" len="sm"/>
+                    </a:lnT>
+                    <a:lnB w="19050" cap="flat" cmpd="sng">
+                      <a:solidFill>
+                        <a:srgbClr val="000000"/>
+                      </a:solidFill>
+                      <a:prstDash val="solid"/>
+                      <a:round/>
+                      <a:headEnd type="none" w="sm" len="sm"/>
+                      <a:tailEnd type="none" w="sm" len="sm"/>
+                    </a:lnB>
+                  </a:tcPr>
+                </a:tc>
+                <a:tc>
+                  <a:txBody>
+                    <a:bodyPr/>
+                    <a:lstStyle/>
+                    <a:p>
+                      <a:pPr marL="0" lvl="0" indent="0" algn="ctr" rtl="0">
+                        <a:spcBef>
+                          <a:spcPts val="0"/>
+                        </a:spcBef>
+                        <a:spcAft>
+                          <a:spcPts val="0"/>
+                        </a:spcAft>
+                        <a:buNone/>
+                      </a:pPr>
+                      <a:r>
+                        <a:rPr lang="fr-CH" dirty="0" smtClean="0"/>
+                        <a:t>6</a:t>
+                      </a:r>
+                      <a:endParaRPr dirty="0"/>
+                    </a:p>
+                  </a:txBody>
+                  <a:tcPr marL="91425" marR="91425" marT="91425" marB="91425" anchor="ctr">
+                    <a:lnL w="19050" cap="flat" cmpd="sng">
+                      <a:solidFill>
+                        <a:srgbClr val="000000"/>
+                      </a:solidFill>
+                      <a:prstDash val="solid"/>
+                      <a:round/>
+                      <a:headEnd type="none" w="sm" len="sm"/>
+                      <a:tailEnd type="none" w="sm" len="sm"/>
+                    </a:lnL>
+                    <a:lnR w="19050" cap="flat" cmpd="sng">
+                      <a:solidFill>
+                        <a:srgbClr val="000000"/>
+                      </a:solidFill>
+                      <a:prstDash val="solid"/>
+                      <a:round/>
+                      <a:headEnd type="none" w="sm" len="sm"/>
+                      <a:tailEnd type="none" w="sm" len="sm"/>
+                    </a:lnR>
+                    <a:lnT w="19050" cap="flat" cmpd="sng" algn="ctr">
+                      <a:solidFill>
+                        <a:srgbClr val="000000"/>
+                      </a:solidFill>
+                      <a:prstDash val="solid"/>
+                      <a:round/>
+                      <a:headEnd type="none" w="sm" len="sm"/>
+                      <a:tailEnd type="none" w="sm" len="sm"/>
+                    </a:lnT>
+                    <a:lnB w="19050" cap="flat" cmpd="sng">
+                      <a:solidFill>
+                        <a:srgbClr val="000000"/>
+                      </a:solidFill>
+                      <a:prstDash val="solid"/>
+                      <a:round/>
+                      <a:headEnd type="none" w="sm" len="sm"/>
+                      <a:tailEnd type="none" w="sm" len="sm"/>
+                    </a:lnB>
+                  </a:tcPr>
+                </a:tc>
+                <a:tc>
+                  <a:txBody>
+                    <a:bodyPr/>
+                    <a:lstStyle/>
+                    <a:p>
+                      <a:pPr marL="0" lvl="0" indent="0" algn="ctr" rtl="0">
+                        <a:spcBef>
+                          <a:spcPts val="0"/>
+                        </a:spcBef>
+                        <a:spcAft>
+                          <a:spcPts val="0"/>
+                        </a:spcAft>
+                        <a:buNone/>
+                      </a:pPr>
+                      <a:r>
+                        <a:rPr lang="fr-CH" dirty="0" smtClean="0"/>
+                        <a:t>7</a:t>
+                      </a:r>
+                      <a:endParaRPr dirty="0"/>
+                    </a:p>
+                  </a:txBody>
+                  <a:tcPr marL="91425" marR="91425" marT="91425" marB="91425" anchor="ctr">
+                    <a:lnL w="19050" cap="flat" cmpd="sng">
+                      <a:solidFill>
+                        <a:srgbClr val="000000"/>
+                      </a:solidFill>
+                      <a:prstDash val="solid"/>
+                      <a:round/>
+                      <a:headEnd type="none" w="sm" len="sm"/>
+                      <a:tailEnd type="none" w="sm" len="sm"/>
+                    </a:lnL>
+                    <a:lnR w="38100" cap="flat" cmpd="sng">
+                      <a:solidFill>
+                        <a:srgbClr val="000000"/>
+                      </a:solidFill>
+                      <a:prstDash val="solid"/>
+                      <a:round/>
+                      <a:headEnd type="none" w="sm" len="sm"/>
+                      <a:tailEnd type="none" w="sm" len="sm"/>
+                    </a:lnR>
+                    <a:lnT w="19050" cap="flat" cmpd="sng" algn="ctr">
+                      <a:solidFill>
+                        <a:srgbClr val="000000"/>
+                      </a:solidFill>
+                      <a:prstDash val="solid"/>
+                      <a:round/>
+                      <a:headEnd type="none" w="sm" len="sm"/>
+                      <a:tailEnd type="none" w="sm" len="sm"/>
+                    </a:lnT>
+                    <a:lnB w="19050" cap="flat" cmpd="sng">
+                      <a:solidFill>
+                        <a:srgbClr val="000000"/>
+                      </a:solidFill>
+                      <a:prstDash val="solid"/>
+                      <a:round/>
+                      <a:headEnd type="none" w="sm" len="sm"/>
+                      <a:tailEnd type="none" w="sm" len="sm"/>
+                    </a:lnB>
+                  </a:tcPr>
+                </a:tc>
+              </a:tr>
+              <a:tr h="381000">
+                <a:tc>
+                  <a:txBody>
+                    <a:bodyPr/>
+                    <a:lstStyle/>
+                    <a:p>
+                      <a:pPr marL="0" lvl="0" indent="0" rtl="0">
+                        <a:spcBef>
+                          <a:spcPts val="0"/>
+                        </a:spcBef>
+                        <a:spcAft>
+                          <a:spcPts val="0"/>
+                        </a:spcAft>
+                        <a:buNone/>
+                      </a:pPr>
+                      <a:r>
+                        <a:rPr lang="fr-CH" dirty="0"/>
+                        <a:t>Apprentissage</a:t>
+                      </a:r>
+                      <a:endParaRPr dirty="0"/>
+                    </a:p>
+                  </a:txBody>
+                  <a:tcPr marL="91425" marR="91425" marT="91425" marB="91425">
+                    <a:lnL w="38100" cap="flat" cmpd="sng">
+                      <a:solidFill>
+                        <a:srgbClr val="000000"/>
+                      </a:solidFill>
+                      <a:prstDash val="solid"/>
+                      <a:round/>
+                      <a:headEnd type="none" w="sm" len="sm"/>
+                      <a:tailEnd type="none" w="sm" len="sm"/>
+                    </a:lnL>
+                    <a:lnR w="19050" cap="flat" cmpd="sng" algn="ctr">
+                      <a:solidFill>
+                        <a:srgbClr val="000000"/>
+                      </a:solidFill>
+                      <a:prstDash val="solid"/>
+                      <a:round/>
+                      <a:headEnd type="none" w="sm" len="sm"/>
+                      <a:tailEnd type="none" w="sm" len="sm"/>
+                    </a:lnR>
+                    <a:lnT w="19050" cap="flat" cmpd="sng" algn="ctr">
+                      <a:solidFill>
+                        <a:srgbClr val="000000"/>
+                      </a:solidFill>
+                      <a:prstDash val="solid"/>
+                      <a:round/>
+                      <a:headEnd type="none" w="sm" len="sm"/>
+                      <a:tailEnd type="none" w="sm" len="sm"/>
+                    </a:lnT>
+                    <a:lnB w="12700" cap="flat" cmpd="sng" algn="ctr">
+                      <a:solidFill>
+                        <a:schemeClr val="tx1"/>
+                      </a:solidFill>
+                      <a:prstDash val="solid"/>
+                      <a:round/>
+                      <a:headEnd type="none" w="med" len="med"/>
+                      <a:tailEnd type="none" w="med" len="med"/>
+                    </a:lnB>
+                  </a:tcPr>
+                </a:tc>
+                <a:tc>
+                  <a:txBody>
+                    <a:bodyPr/>
+                    <a:lstStyle/>
+                    <a:p>
+                      <a:pPr marL="0" lvl="0" indent="0" algn="ctr" rtl="0">
+                        <a:spcBef>
+                          <a:spcPts val="0"/>
+                        </a:spcBef>
+                        <a:spcAft>
+                          <a:spcPts val="0"/>
+                        </a:spcAft>
+                        <a:buNone/>
+                      </a:pPr>
+                      <a:r>
+                        <a:rPr lang="fr-CH" dirty="0"/>
+                        <a:t>9</a:t>
+                      </a:r>
+                      <a:endParaRPr dirty="0"/>
+                    </a:p>
+                  </a:txBody>
+                  <a:tcPr marL="91425" marR="91425" marT="91425" marB="91425" anchor="ctr">
+                    <a:lnL w="19050" cap="flat" cmpd="sng" algn="ctr">
+                      <a:solidFill>
+                        <a:srgbClr val="000000"/>
+                      </a:solidFill>
+                      <a:prstDash val="solid"/>
+                      <a:round/>
+                      <a:headEnd type="none" w="sm" len="sm"/>
+                      <a:tailEnd type="none" w="sm" len="sm"/>
+                    </a:lnL>
+                    <a:lnR w="38100" cap="flat" cmpd="sng" algn="ctr">
+                      <a:solidFill>
+                        <a:srgbClr val="000000"/>
+                      </a:solidFill>
+                      <a:prstDash val="solid"/>
+                      <a:round/>
+                      <a:headEnd type="none" w="sm" len="sm"/>
+                      <a:tailEnd type="none" w="sm" len="sm"/>
+                    </a:lnR>
+                    <a:lnT w="19050" cap="flat" cmpd="sng" algn="ctr">
+                      <a:solidFill>
+                        <a:srgbClr val="000000"/>
+                      </a:solidFill>
+                      <a:prstDash val="solid"/>
+                      <a:round/>
+                      <a:headEnd type="none" w="sm" len="sm"/>
+                      <a:tailEnd type="none" w="sm" len="sm"/>
+                    </a:lnT>
+                    <a:lnB w="12700" cap="flat" cmpd="sng" algn="ctr">
+                      <a:solidFill>
+                        <a:schemeClr val="tx1"/>
+                      </a:solidFill>
+                      <a:prstDash val="solid"/>
+                      <a:round/>
+                      <a:headEnd type="none" w="med" len="med"/>
+                      <a:tailEnd type="none" w="med" len="med"/>
+                    </a:lnB>
+                  </a:tcPr>
+                </a:tc>
+                <a:tc>
+                  <a:txBody>
+                    <a:bodyPr/>
+                    <a:lstStyle/>
+                    <a:p>
+                      <a:pPr marL="0" lvl="0" indent="0" algn="ctr" rtl="0">
+                        <a:spcBef>
+                          <a:spcPts val="0"/>
+                        </a:spcBef>
+                        <a:spcAft>
+                          <a:spcPts val="0"/>
+                        </a:spcAft>
+                        <a:buNone/>
+                      </a:pPr>
+                      <a:r>
+                        <a:rPr lang="fr-CH" dirty="0" smtClean="0"/>
+                        <a:t>7</a:t>
+                      </a:r>
+                      <a:endParaRPr dirty="0"/>
+                    </a:p>
+                  </a:txBody>
+                  <a:tcPr marL="91425" marR="91425" marT="91425" marB="91425" anchor="ctr">
+                    <a:lnL w="38100" cap="flat" cmpd="sng" algn="ctr">
+                      <a:solidFill>
+                        <a:srgbClr val="000000"/>
+                      </a:solidFill>
+                      <a:prstDash val="solid"/>
+                      <a:round/>
+                      <a:headEnd type="none" w="sm" len="sm"/>
+                      <a:tailEnd type="none" w="sm" len="sm"/>
+                    </a:lnL>
+                    <a:lnR w="19050" cap="flat" cmpd="sng" algn="ctr">
+                      <a:solidFill>
+                        <a:srgbClr val="000000"/>
+                      </a:solidFill>
+                      <a:prstDash val="solid"/>
+                      <a:round/>
+                      <a:headEnd type="none" w="sm" len="sm"/>
+                      <a:tailEnd type="none" w="sm" len="sm"/>
+                    </a:lnR>
+                    <a:lnT w="19050" cap="flat" cmpd="sng" algn="ctr">
+                      <a:solidFill>
+                        <a:srgbClr val="000000"/>
+                      </a:solidFill>
+                      <a:prstDash val="solid"/>
+                      <a:round/>
+                      <a:headEnd type="none" w="sm" len="sm"/>
+                      <a:tailEnd type="none" w="sm" len="sm"/>
+                    </a:lnT>
+                    <a:lnB w="12700" cap="flat" cmpd="sng" algn="ctr">
+                      <a:solidFill>
+                        <a:schemeClr val="tx1"/>
+                      </a:solidFill>
+                      <a:prstDash val="solid"/>
+                      <a:round/>
+                      <a:headEnd type="none" w="med" len="med"/>
+                      <a:tailEnd type="none" w="med" len="med"/>
+                    </a:lnB>
+                  </a:tcPr>
+                </a:tc>
+                <a:tc>
+                  <a:txBody>
+                    <a:bodyPr/>
+                    <a:lstStyle/>
+                    <a:p>
+                      <a:pPr marL="0" lvl="0" indent="0" algn="ctr" rtl="0">
+                        <a:spcBef>
+                          <a:spcPts val="0"/>
+                        </a:spcBef>
+                        <a:spcAft>
+                          <a:spcPts val="0"/>
+                        </a:spcAft>
+                        <a:buNone/>
+                      </a:pPr>
+                      <a:r>
+                        <a:rPr lang="fr-CH" dirty="0" smtClean="0"/>
+                        <a:t>7</a:t>
+                      </a:r>
+                      <a:endParaRPr dirty="0"/>
+                    </a:p>
+                  </a:txBody>
+                  <a:tcPr marL="91425" marR="91425" marT="91425" marB="91425" anchor="ctr">
+                    <a:lnL w="19050" cap="flat" cmpd="sng" algn="ctr">
+                      <a:solidFill>
+                        <a:srgbClr val="000000"/>
+                      </a:solidFill>
+                      <a:prstDash val="solid"/>
+                      <a:round/>
+                      <a:headEnd type="none" w="sm" len="sm"/>
+                      <a:tailEnd type="none" w="sm" len="sm"/>
+                    </a:lnL>
+                    <a:lnR w="19050" cap="flat" cmpd="sng" algn="ctr">
+                      <a:solidFill>
+                        <a:srgbClr val="000000"/>
+                      </a:solidFill>
+                      <a:prstDash val="solid"/>
+                      <a:round/>
+                      <a:headEnd type="none" w="sm" len="sm"/>
+                      <a:tailEnd type="none" w="sm" len="sm"/>
+                    </a:lnR>
+                    <a:lnT w="19050" cap="flat" cmpd="sng" algn="ctr">
+                      <a:solidFill>
+                        <a:srgbClr val="000000"/>
+                      </a:solidFill>
+                      <a:prstDash val="solid"/>
+                      <a:round/>
+                      <a:headEnd type="none" w="sm" len="sm"/>
+                      <a:tailEnd type="none" w="sm" len="sm"/>
+                    </a:lnT>
+                    <a:lnB w="12700" cap="flat" cmpd="sng" algn="ctr">
+                      <a:solidFill>
+                        <a:schemeClr val="tx1"/>
+                      </a:solidFill>
+                      <a:prstDash val="solid"/>
+                      <a:round/>
+                      <a:headEnd type="none" w="med" len="med"/>
+                      <a:tailEnd type="none" w="med" len="med"/>
+                    </a:lnB>
+                  </a:tcPr>
+                </a:tc>
+                <a:tc>
+                  <a:txBody>
+                    <a:bodyPr/>
+                    <a:lstStyle/>
+                    <a:p>
+                      <a:pPr marL="0" lvl="0" indent="0" algn="ctr" rtl="0">
+                        <a:spcBef>
+                          <a:spcPts val="0"/>
+                        </a:spcBef>
+                        <a:spcAft>
+                          <a:spcPts val="0"/>
+                        </a:spcAft>
+                        <a:buNone/>
+                      </a:pPr>
+                      <a:r>
+                        <a:rPr lang="fr-CH" dirty="0" smtClean="0"/>
+                        <a:t>8</a:t>
+                      </a:r>
+                      <a:endParaRPr dirty="0"/>
+                    </a:p>
+                  </a:txBody>
+                  <a:tcPr marL="91425" marR="91425" marT="91425" marB="91425" anchor="ctr">
+                    <a:lnL w="19050" cap="flat" cmpd="sng" algn="ctr">
+                      <a:solidFill>
+                        <a:srgbClr val="000000"/>
+                      </a:solidFill>
+                      <a:prstDash val="solid"/>
+                      <a:round/>
+                      <a:headEnd type="none" w="sm" len="sm"/>
+                      <a:tailEnd type="none" w="sm" len="sm"/>
+                    </a:lnL>
+                    <a:lnR w="38100" cap="flat" cmpd="sng">
+                      <a:solidFill>
+                        <a:srgbClr val="000000"/>
+                      </a:solidFill>
+                      <a:prstDash val="solid"/>
+                      <a:round/>
+                      <a:headEnd type="none" w="sm" len="sm"/>
+                      <a:tailEnd type="none" w="sm" len="sm"/>
+                    </a:lnR>
+                    <a:lnT w="19050" cap="flat" cmpd="sng" algn="ctr">
+                      <a:solidFill>
+                        <a:srgbClr val="000000"/>
+                      </a:solidFill>
+                      <a:prstDash val="solid"/>
+                      <a:round/>
+                      <a:headEnd type="none" w="sm" len="sm"/>
+                      <a:tailEnd type="none" w="sm" len="sm"/>
+                    </a:lnT>
+                    <a:lnB w="12700" cap="flat" cmpd="sng" algn="ctr">
+                      <a:solidFill>
+                        <a:schemeClr val="tx1"/>
+                      </a:solidFill>
+                      <a:prstDash val="solid"/>
+                      <a:round/>
+                      <a:headEnd type="none" w="med" len="med"/>
+                      <a:tailEnd type="none" w="med" len="med"/>
+                    </a:lnB>
+                  </a:tcPr>
+                </a:tc>
+              </a:tr>
+              <a:tr h="381000">
+                <a:tc>
+                  <a:txBody>
+                    <a:bodyPr/>
+                    <a:lstStyle/>
+                    <a:p>
+                      <a:pPr marL="0" lvl="0" indent="0" rtl="0">
+                        <a:spcBef>
+                          <a:spcPts val="0"/>
+                        </a:spcBef>
+                        <a:spcAft>
+                          <a:spcPts val="0"/>
+                        </a:spcAft>
+                        <a:buNone/>
+                      </a:pPr>
+                      <a:r>
+                        <a:rPr lang="fr-CH" dirty="0"/>
+                        <a:t>Popularité</a:t>
+                      </a:r>
+                      <a:endParaRPr dirty="0"/>
+                    </a:p>
+                  </a:txBody>
+                  <a:tcPr marL="91425" marR="91425" marT="91425" marB="91425">
+                    <a:lnL w="38100" cap="flat" cmpd="sng">
+                      <a:solidFill>
+                        <a:srgbClr val="000000"/>
+                      </a:solidFill>
+                      <a:prstDash val="solid"/>
+                      <a:round/>
+                      <a:headEnd type="none" w="sm" len="sm"/>
+                      <a:tailEnd type="none" w="sm" len="sm"/>
+                    </a:lnL>
+                    <a:lnR w="12700" cap="flat" cmpd="sng" algn="ctr">
+                      <a:solidFill>
+                        <a:schemeClr val="tx1"/>
+                      </a:solidFill>
+                      <a:prstDash val="solid"/>
+                      <a:round/>
+                      <a:headEnd type="none" w="med" len="med"/>
+                      <a:tailEnd type="none" w="med" len="med"/>
+                    </a:lnR>
+                    <a:lnT w="12700" cap="flat" cmpd="sng" algn="ctr">
+                      <a:solidFill>
+                        <a:schemeClr val="tx1"/>
+                      </a:solidFill>
+                      <a:prstDash val="solid"/>
+                      <a:round/>
+                      <a:headEnd type="none" w="med" len="med"/>
+                      <a:tailEnd type="none" w="med" len="med"/>
+                    </a:lnT>
+                    <a:lnB w="12700" cap="flat" cmpd="sng" algn="ctr">
+                      <a:solidFill>
+                        <a:schemeClr val="tx1"/>
+                      </a:solidFill>
+                      <a:prstDash val="solid"/>
+                      <a:round/>
+                      <a:headEnd type="none" w="med" len="med"/>
+                      <a:tailEnd type="none" w="med" len="med"/>
+                    </a:lnB>
+                  </a:tcPr>
+                </a:tc>
+                <a:tc>
+                  <a:txBody>
+                    <a:bodyPr/>
+                    <a:lstStyle/>
+                    <a:p>
+                      <a:pPr marL="0" lvl="0" indent="0" algn="ctr" rtl="0">
+                        <a:spcBef>
+                          <a:spcPts val="0"/>
+                        </a:spcBef>
+                        <a:spcAft>
+                          <a:spcPts val="0"/>
+                        </a:spcAft>
+                        <a:buNone/>
+                      </a:pPr>
+                      <a:r>
+                        <a:rPr lang="fr-CH" dirty="0"/>
+                        <a:t>6</a:t>
+                      </a:r>
+                      <a:endParaRPr dirty="0"/>
+                    </a:p>
+                  </a:txBody>
+                  <a:tcPr marL="91425" marR="91425" marT="91425" marB="91425" anchor="ctr">
+                    <a:lnL w="12700" cap="flat" cmpd="sng" algn="ctr">
+                      <a:solidFill>
+                        <a:schemeClr val="tx1"/>
+                      </a:solidFill>
+                      <a:prstDash val="solid"/>
+                      <a:round/>
+                      <a:headEnd type="none" w="med" len="med"/>
+                      <a:tailEnd type="none" w="med" len="med"/>
+                    </a:lnL>
+                    <a:lnR w="38100" cap="flat" cmpd="sng" algn="ctr">
+                      <a:solidFill>
+                        <a:srgbClr val="000000"/>
+                      </a:solidFill>
+                      <a:prstDash val="solid"/>
+                      <a:round/>
+                      <a:headEnd type="none" w="sm" len="sm"/>
+                      <a:tailEnd type="none" w="sm" len="sm"/>
+                    </a:lnR>
+                    <a:lnT w="12700" cap="flat" cmpd="sng" algn="ctr">
+                      <a:solidFill>
+                        <a:schemeClr val="tx1"/>
+                      </a:solidFill>
+                      <a:prstDash val="solid"/>
+                      <a:round/>
+                      <a:headEnd type="none" w="med" len="med"/>
+                      <a:tailEnd type="none" w="med" len="med"/>
+                    </a:lnT>
+                    <a:lnB w="12700" cap="flat" cmpd="sng" algn="ctr">
+                      <a:solidFill>
+                        <a:schemeClr val="tx1"/>
+                      </a:solidFill>
+                      <a:prstDash val="solid"/>
+                      <a:round/>
+                      <a:headEnd type="none" w="med" len="med"/>
+                      <a:tailEnd type="none" w="med" len="med"/>
+                    </a:lnB>
+                  </a:tcPr>
+                </a:tc>
+                <a:tc>
+                  <a:txBody>
+                    <a:bodyPr/>
+                    <a:lstStyle/>
+                    <a:p>
+                      <a:pPr marL="0" lvl="0" indent="0" algn="ctr" rtl="0">
+                        <a:spcBef>
+                          <a:spcPts val="0"/>
+                        </a:spcBef>
+                        <a:spcAft>
+                          <a:spcPts val="0"/>
+                        </a:spcAft>
+                        <a:buNone/>
+                      </a:pPr>
+                      <a:r>
+                        <a:rPr lang="fr-CH" dirty="0"/>
+                        <a:t>8</a:t>
+                      </a:r>
+                      <a:endParaRPr dirty="0"/>
+                    </a:p>
+                  </a:txBody>
+                  <a:tcPr marL="91425" marR="91425" marT="91425" marB="91425" anchor="ctr">
+                    <a:lnL w="38100" cap="flat" cmpd="sng" algn="ctr">
+                      <a:solidFill>
+                        <a:srgbClr val="000000"/>
+                      </a:solidFill>
+                      <a:prstDash val="solid"/>
+                      <a:round/>
+                      <a:headEnd type="none" w="sm" len="sm"/>
+                      <a:tailEnd type="none" w="sm" len="sm"/>
+                    </a:lnL>
+                    <a:lnR w="19050" cap="flat" cmpd="sng" algn="ctr">
+                      <a:solidFill>
+                        <a:srgbClr val="000000"/>
+                      </a:solidFill>
+                      <a:prstDash val="solid"/>
+                      <a:round/>
+                      <a:headEnd type="none" w="sm" len="sm"/>
+                      <a:tailEnd type="none" w="sm" len="sm"/>
+                    </a:lnR>
+                    <a:lnT w="12700" cap="flat" cmpd="sng" algn="ctr">
+                      <a:solidFill>
+                        <a:schemeClr val="tx1"/>
+                      </a:solidFill>
+                      <a:prstDash val="solid"/>
+                      <a:round/>
+                      <a:headEnd type="none" w="med" len="med"/>
+                      <a:tailEnd type="none" w="med" len="med"/>
+                    </a:lnT>
+                    <a:lnB w="12700" cap="flat" cmpd="sng" algn="ctr">
+                      <a:solidFill>
+                        <a:schemeClr val="tx1"/>
+                      </a:solidFill>
+                      <a:prstDash val="solid"/>
+                      <a:round/>
+                      <a:headEnd type="none" w="med" len="med"/>
+                      <a:tailEnd type="none" w="med" len="med"/>
+                    </a:lnB>
+                  </a:tcPr>
+                </a:tc>
+                <a:tc>
+                  <a:txBody>
+                    <a:bodyPr/>
+                    <a:lstStyle/>
+                    <a:p>
+                      <a:pPr marL="0" lvl="0" indent="0" algn="ctr" rtl="0">
+                        <a:spcBef>
+                          <a:spcPts val="0"/>
+                        </a:spcBef>
+                        <a:spcAft>
+                          <a:spcPts val="0"/>
+                        </a:spcAft>
+                        <a:buNone/>
+                      </a:pPr>
+                      <a:r>
+                        <a:rPr lang="fr-CH" dirty="0" smtClean="0"/>
+                        <a:t>8</a:t>
+                      </a:r>
+                      <a:endParaRPr dirty="0"/>
+                    </a:p>
+                  </a:txBody>
+                  <a:tcPr marL="91425" marR="91425" marT="91425" marB="91425" anchor="ctr">
+                    <a:lnL w="19050" cap="flat" cmpd="sng" algn="ctr">
+                      <a:solidFill>
+                        <a:srgbClr val="000000"/>
+                      </a:solidFill>
+                      <a:prstDash val="solid"/>
+                      <a:round/>
+                      <a:headEnd type="none" w="sm" len="sm"/>
+                      <a:tailEnd type="none" w="sm" len="sm"/>
+                    </a:lnL>
+                    <a:lnR w="19050" cap="flat" cmpd="sng" algn="ctr">
+                      <a:solidFill>
+                        <a:srgbClr val="000000"/>
+                      </a:solidFill>
+                      <a:prstDash val="solid"/>
+                      <a:round/>
+                      <a:headEnd type="none" w="sm" len="sm"/>
+                      <a:tailEnd type="none" w="sm" len="sm"/>
+                    </a:lnR>
+                    <a:lnT w="12700" cap="flat" cmpd="sng" algn="ctr">
+                      <a:solidFill>
+                        <a:schemeClr val="tx1"/>
+                      </a:solidFill>
+                      <a:prstDash val="solid"/>
+                      <a:round/>
+                      <a:headEnd type="none" w="med" len="med"/>
+                      <a:tailEnd type="none" w="med" len="med"/>
+                    </a:lnT>
+                    <a:lnB w="12700" cap="flat" cmpd="sng" algn="ctr">
+                      <a:solidFill>
+                        <a:schemeClr val="tx1"/>
+                      </a:solidFill>
+                      <a:prstDash val="solid"/>
+                      <a:round/>
+                      <a:headEnd type="none" w="med" len="med"/>
+                      <a:tailEnd type="none" w="med" len="med"/>
+                    </a:lnB>
+                  </a:tcPr>
+                </a:tc>
+                <a:tc>
+                  <a:txBody>
+                    <a:bodyPr/>
+                    <a:lstStyle/>
+                    <a:p>
+                      <a:pPr marL="0" lvl="0" indent="0" algn="ctr" rtl="0">
+                        <a:spcBef>
+                          <a:spcPts val="0"/>
+                        </a:spcBef>
+                        <a:spcAft>
+                          <a:spcPts val="0"/>
+                        </a:spcAft>
+                        <a:buNone/>
+                      </a:pPr>
+                      <a:r>
+                        <a:rPr lang="fr-CH" dirty="0" smtClean="0"/>
+                        <a:t>7</a:t>
+                      </a:r>
+                      <a:endParaRPr dirty="0"/>
+                    </a:p>
+                  </a:txBody>
+                  <a:tcPr marL="91425" marR="91425" marT="91425" marB="91425" anchor="ctr">
+                    <a:lnL w="19050" cap="flat" cmpd="sng" algn="ctr">
+                      <a:solidFill>
+                        <a:srgbClr val="000000"/>
+                      </a:solidFill>
+                      <a:prstDash val="solid"/>
+                      <a:round/>
+                      <a:headEnd type="none" w="sm" len="sm"/>
+                      <a:tailEnd type="none" w="sm" len="sm"/>
+                    </a:lnL>
+                    <a:lnR w="38100" cap="flat" cmpd="sng">
+                      <a:solidFill>
+                        <a:srgbClr val="000000"/>
+                      </a:solidFill>
+                      <a:prstDash val="solid"/>
+                      <a:round/>
+                      <a:headEnd type="none" w="sm" len="sm"/>
+                      <a:tailEnd type="none" w="sm" len="sm"/>
+                    </a:lnR>
+                    <a:lnT w="12700" cap="flat" cmpd="sng" algn="ctr">
+                      <a:solidFill>
+                        <a:schemeClr val="tx1"/>
+                      </a:solidFill>
+                      <a:prstDash val="solid"/>
+                      <a:round/>
+                      <a:headEnd type="none" w="med" len="med"/>
+                      <a:tailEnd type="none" w="med" len="med"/>
+                    </a:lnT>
+                    <a:lnB w="12700" cap="flat" cmpd="sng" algn="ctr">
+                      <a:solidFill>
+                        <a:schemeClr val="tx1"/>
+                      </a:solidFill>
+                      <a:prstDash val="solid"/>
+                      <a:round/>
+                      <a:headEnd type="none" w="med" len="med"/>
+                      <a:tailEnd type="none" w="med" len="med"/>
+                    </a:lnB>
+                  </a:tcPr>
+                </a:tc>
+              </a:tr>
+              <a:tr h="381000">
+                <a:tc>
+                  <a:txBody>
+                    <a:bodyPr/>
+                    <a:lstStyle/>
+                    <a:p>
+                      <a:pPr marL="0" lvl="0" indent="0" rtl="0">
+                        <a:spcBef>
+                          <a:spcPts val="0"/>
+                        </a:spcBef>
+                        <a:spcAft>
+                          <a:spcPts val="0"/>
+                        </a:spcAft>
+                        <a:buNone/>
+                      </a:pPr>
+                      <a:r>
+                        <a:rPr lang="fr-CH" dirty="0"/>
+                        <a:t>Connaissances préalables</a:t>
+                      </a:r>
+                      <a:endParaRPr dirty="0"/>
+                    </a:p>
+                  </a:txBody>
+                  <a:tcPr marL="91425" marR="91425" marT="91425" marB="91425">
+                    <a:lnL w="38100" cap="flat" cmpd="sng">
+                      <a:solidFill>
+                        <a:srgbClr val="000000"/>
+                      </a:solidFill>
+                      <a:prstDash val="solid"/>
+                      <a:round/>
+                      <a:headEnd type="none" w="sm" len="sm"/>
+                      <a:tailEnd type="none" w="sm" len="sm"/>
+                    </a:lnL>
+                    <a:lnR w="19050" cap="flat" cmpd="sng" algn="ctr">
+                      <a:solidFill>
+                        <a:srgbClr val="000000"/>
+                      </a:solidFill>
+                      <a:prstDash val="solid"/>
+                      <a:round/>
+                      <a:headEnd type="none" w="sm" len="sm"/>
+                      <a:tailEnd type="none" w="sm" len="sm"/>
+                    </a:lnR>
+                    <a:lnT w="12700" cap="flat" cmpd="sng" algn="ctr">
+                      <a:solidFill>
+                        <a:schemeClr val="tx1"/>
+                      </a:solidFill>
+                      <a:prstDash val="solid"/>
+                      <a:round/>
+                      <a:headEnd type="none" w="med" len="med"/>
+                      <a:tailEnd type="none" w="med" len="med"/>
+                    </a:lnT>
+                    <a:lnB w="38100" cap="flat" cmpd="sng">
+                      <a:solidFill>
+                        <a:srgbClr val="000000"/>
+                      </a:solidFill>
+                      <a:prstDash val="solid"/>
+                      <a:round/>
+                      <a:headEnd type="none" w="sm" len="sm"/>
+                      <a:tailEnd type="none" w="sm" len="sm"/>
+                    </a:lnB>
+                  </a:tcPr>
+                </a:tc>
+                <a:tc>
+                  <a:txBody>
+                    <a:bodyPr/>
+                    <a:lstStyle/>
+                    <a:p>
+                      <a:pPr marL="0" lvl="0" indent="0" algn="ctr" rtl="0">
+                        <a:spcBef>
+                          <a:spcPts val="0"/>
+                        </a:spcBef>
+                        <a:spcAft>
+                          <a:spcPts val="0"/>
+                        </a:spcAft>
+                        <a:buNone/>
+                      </a:pPr>
+                      <a:r>
+                        <a:rPr lang="fr-CH" dirty="0"/>
+                        <a:t>4</a:t>
+                      </a:r>
+                      <a:endParaRPr dirty="0"/>
+                    </a:p>
+                  </a:txBody>
+                  <a:tcPr marL="91425" marR="91425" marT="91425" marB="91425" anchor="ctr">
+                    <a:lnL w="19050" cap="flat" cmpd="sng" algn="ctr">
+                      <a:solidFill>
+                        <a:srgbClr val="000000"/>
+                      </a:solidFill>
+                      <a:prstDash val="solid"/>
+                      <a:round/>
+                      <a:headEnd type="none" w="sm" len="sm"/>
+                      <a:tailEnd type="none" w="sm" len="sm"/>
+                    </a:lnL>
+                    <a:lnR w="38100" cap="flat" cmpd="sng" algn="ctr">
+                      <a:solidFill>
+                        <a:srgbClr val="000000"/>
+                      </a:solidFill>
+                      <a:prstDash val="solid"/>
+                      <a:round/>
+                      <a:headEnd type="none" w="sm" len="sm"/>
+                      <a:tailEnd type="none" w="sm" len="sm"/>
+                    </a:lnR>
+                    <a:lnT w="12700" cap="flat" cmpd="sng" algn="ctr">
+                      <a:solidFill>
+                        <a:schemeClr val="tx1"/>
+                      </a:solidFill>
+                      <a:prstDash val="solid"/>
+                      <a:round/>
+                      <a:headEnd type="none" w="med" len="med"/>
+                      <a:tailEnd type="none" w="med" len="med"/>
+                    </a:lnT>
+                    <a:lnB w="38100" cap="flat" cmpd="sng">
+                      <a:solidFill>
+                        <a:srgbClr val="000000"/>
+                      </a:solidFill>
+                      <a:prstDash val="solid"/>
+                      <a:round/>
+                      <a:headEnd type="none" w="sm" len="sm"/>
+                      <a:tailEnd type="none" w="sm" len="sm"/>
+                    </a:lnB>
+                  </a:tcPr>
+                </a:tc>
+                <a:tc>
+                  <a:txBody>
+                    <a:bodyPr/>
+                    <a:lstStyle/>
+                    <a:p>
+                      <a:pPr marL="0" lvl="0" indent="0" algn="ctr" rtl="0">
+                        <a:spcBef>
+                          <a:spcPts val="0"/>
+                        </a:spcBef>
+                        <a:spcAft>
+                          <a:spcPts val="0"/>
+                        </a:spcAft>
+                        <a:buNone/>
+                      </a:pPr>
+                      <a:r>
+                        <a:rPr lang="fr-CH" dirty="0" smtClean="0"/>
+                        <a:t>7</a:t>
+                      </a:r>
+                      <a:endParaRPr dirty="0"/>
+                    </a:p>
+                  </a:txBody>
+                  <a:tcPr marL="91425" marR="91425" marT="91425" marB="91425" anchor="ctr">
+                    <a:lnL w="38100" cap="flat" cmpd="sng" algn="ctr">
+                      <a:solidFill>
+                        <a:srgbClr val="000000"/>
+                      </a:solidFill>
+                      <a:prstDash val="solid"/>
+                      <a:round/>
+                      <a:headEnd type="none" w="sm" len="sm"/>
+                      <a:tailEnd type="none" w="sm" len="sm"/>
+                    </a:lnL>
+                    <a:lnR w="19050" cap="flat" cmpd="sng" algn="ctr">
+                      <a:solidFill>
+                        <a:srgbClr val="000000"/>
+                      </a:solidFill>
+                      <a:prstDash val="solid"/>
+                      <a:round/>
+                      <a:headEnd type="none" w="sm" len="sm"/>
+                      <a:tailEnd type="none" w="sm" len="sm"/>
+                    </a:lnR>
+                    <a:lnT w="12700" cap="flat" cmpd="sng" algn="ctr">
+                      <a:solidFill>
+                        <a:schemeClr val="tx1"/>
+                      </a:solidFill>
+                      <a:prstDash val="solid"/>
+                      <a:round/>
+                      <a:headEnd type="none" w="med" len="med"/>
+                      <a:tailEnd type="none" w="med" len="med"/>
+                    </a:lnT>
+                    <a:lnB w="38100" cap="flat" cmpd="sng" algn="ctr">
+                      <a:solidFill>
+                        <a:srgbClr val="000000"/>
+                      </a:solidFill>
+                      <a:prstDash val="solid"/>
+                      <a:round/>
+                      <a:headEnd type="none" w="sm" len="sm"/>
+                      <a:tailEnd type="none" w="sm" len="sm"/>
+                    </a:lnB>
+                  </a:tcPr>
+                </a:tc>
+                <a:tc>
+                  <a:txBody>
+                    <a:bodyPr/>
+                    <a:lstStyle/>
+                    <a:p>
+                      <a:pPr marL="0" lvl="0" indent="0" algn="ctr" rtl="0">
+                        <a:spcBef>
+                          <a:spcPts val="0"/>
+                        </a:spcBef>
+                        <a:spcAft>
+                          <a:spcPts val="0"/>
+                        </a:spcAft>
+                        <a:buNone/>
+                      </a:pPr>
+                      <a:r>
+                        <a:rPr lang="fr-CH" dirty="0" smtClean="0"/>
+                        <a:t>0</a:t>
+                      </a:r>
+                      <a:endParaRPr dirty="0"/>
+                    </a:p>
+                  </a:txBody>
+                  <a:tcPr marL="91425" marR="91425" marT="91425" marB="91425" anchor="ctr">
+                    <a:lnL w="19050" cap="flat" cmpd="sng" algn="ctr">
+                      <a:solidFill>
+                        <a:srgbClr val="000000"/>
+                      </a:solidFill>
+                      <a:prstDash val="solid"/>
+                      <a:round/>
+                      <a:headEnd type="none" w="sm" len="sm"/>
+                      <a:tailEnd type="none" w="sm" len="sm"/>
+                    </a:lnL>
+                    <a:lnR w="19050" cap="flat" cmpd="sng" algn="ctr">
+                      <a:solidFill>
+                        <a:srgbClr val="000000"/>
+                      </a:solidFill>
+                      <a:prstDash val="solid"/>
+                      <a:round/>
+                      <a:headEnd type="none" w="sm" len="sm"/>
+                      <a:tailEnd type="none" w="sm" len="sm"/>
+                    </a:lnR>
+                    <a:lnT w="12700" cap="flat" cmpd="sng" algn="ctr">
+                      <a:solidFill>
+                        <a:schemeClr val="tx1"/>
+                      </a:solidFill>
+                      <a:prstDash val="solid"/>
+                      <a:round/>
+                      <a:headEnd type="none" w="med" len="med"/>
+                      <a:tailEnd type="none" w="med" len="med"/>
+                    </a:lnT>
+                    <a:lnB w="38100" cap="flat" cmpd="sng" algn="ctr">
+                      <a:solidFill>
+                        <a:srgbClr val="000000"/>
+                      </a:solidFill>
+                      <a:prstDash val="solid"/>
+                      <a:round/>
+                      <a:headEnd type="none" w="sm" len="sm"/>
+                      <a:tailEnd type="none" w="sm" len="sm"/>
+                    </a:lnB>
+                  </a:tcPr>
+                </a:tc>
+                <a:tc>
+                  <a:txBody>
+                    <a:bodyPr/>
+                    <a:lstStyle/>
+                    <a:p>
+                      <a:pPr marL="0" lvl="0" indent="0" algn="ctr" rtl="0">
+                        <a:spcBef>
+                          <a:spcPts val="0"/>
+                        </a:spcBef>
+                        <a:spcAft>
+                          <a:spcPts val="0"/>
+                        </a:spcAft>
+                        <a:buNone/>
+                      </a:pPr>
+                      <a:r>
+                        <a:rPr lang="fr-CH" dirty="0" smtClean="0"/>
+                        <a:t>0</a:t>
+                      </a:r>
+                      <a:endParaRPr dirty="0"/>
+                    </a:p>
+                  </a:txBody>
+                  <a:tcPr marL="91425" marR="91425" marT="91425" marB="91425" anchor="ctr">
+                    <a:lnL w="19050" cap="flat" cmpd="sng" algn="ctr">
+                      <a:solidFill>
+                        <a:srgbClr val="000000"/>
+                      </a:solidFill>
+                      <a:prstDash val="solid"/>
+                      <a:round/>
+                      <a:headEnd type="none" w="sm" len="sm"/>
+                      <a:tailEnd type="none" w="sm" len="sm"/>
+                    </a:lnL>
+                    <a:lnR w="38100" cap="flat" cmpd="sng">
+                      <a:solidFill>
+                        <a:srgbClr val="000000"/>
+                      </a:solidFill>
+                      <a:prstDash val="solid"/>
+                      <a:round/>
+                      <a:headEnd type="none" w="sm" len="sm"/>
+                      <a:tailEnd type="none" w="sm" len="sm"/>
+                    </a:lnR>
+                    <a:lnT w="12700" cap="flat" cmpd="sng" algn="ctr">
+                      <a:solidFill>
+                        <a:schemeClr val="tx1"/>
+                      </a:solidFill>
+                      <a:prstDash val="solid"/>
+                      <a:round/>
+                      <a:headEnd type="none" w="med" len="med"/>
+                      <a:tailEnd type="none" w="med" len="med"/>
+                    </a:lnT>
+                    <a:lnB w="38100" cap="flat" cmpd="sng" algn="ctr">
+                      <a:solidFill>
+                        <a:srgbClr val="000000"/>
+                      </a:solidFill>
+                      <a:prstDash val="solid"/>
+                      <a:round/>
+                      <a:headEnd type="none" w="sm" len="sm"/>
+                      <a:tailEnd type="none" w="sm" len="sm"/>
+                    </a:lnB>
+                  </a:tcPr>
+                </a:tc>
+              </a:tr>
+              <a:tr h="381000">
+                <a:tc>
+                  <a:txBody>
+                    <a:bodyPr/>
+                    <a:lstStyle/>
+                    <a:p>
+                      <a:pPr marL="0" lvl="0" indent="0" rtl="0">
+                        <a:spcBef>
+                          <a:spcPts val="0"/>
+                        </a:spcBef>
+                        <a:spcAft>
+                          <a:spcPts val="0"/>
+                        </a:spcAft>
+                        <a:buNone/>
+                      </a:pPr>
+                      <a:r>
+                        <a:rPr lang="fr-CH" dirty="0"/>
+                        <a:t>Score</a:t>
+                      </a:r>
+                      <a:endParaRPr dirty="0"/>
+                    </a:p>
+                  </a:txBody>
+                  <a:tcPr marL="91425" marR="91425" marT="91425" marB="91425">
+                    <a:lnL w="38100" cap="flat" cmpd="sng">
+                      <a:solidFill>
+                        <a:srgbClr val="000000"/>
+                      </a:solidFill>
+                      <a:prstDash val="solid"/>
+                      <a:round/>
+                      <a:headEnd type="none" w="sm" len="sm"/>
+                      <a:tailEnd type="none" w="sm" len="sm"/>
+                    </a:lnL>
+                    <a:lnR w="19050" cap="flat" cmpd="sng">
+                      <a:solidFill>
+                        <a:srgbClr val="000000"/>
+                      </a:solidFill>
+                      <a:prstDash val="solid"/>
+                      <a:round/>
+                      <a:headEnd type="none" w="sm" len="sm"/>
+                      <a:tailEnd type="none" w="sm" len="sm"/>
+                    </a:lnR>
+                    <a:lnT w="38100" cap="flat" cmpd="sng" algn="ctr">
+                      <a:solidFill>
+                        <a:srgbClr val="000000"/>
+                      </a:solidFill>
+                      <a:prstDash val="solid"/>
+                      <a:round/>
+                      <a:headEnd type="none" w="sm" len="sm"/>
+                      <a:tailEnd type="none" w="sm" len="sm"/>
+                    </a:lnT>
+                    <a:lnB w="38100" cap="flat" cmpd="sng">
+                      <a:solidFill>
+                        <a:srgbClr val="000000"/>
+                      </a:solidFill>
+                      <a:prstDash val="solid"/>
+                      <a:round/>
+                      <a:headEnd type="none" w="sm" len="sm"/>
+                      <a:tailEnd type="none" w="sm" len="sm"/>
+                    </a:lnB>
+                  </a:tcPr>
+                </a:tc>
+                <a:tc>
+                  <a:txBody>
+                    <a:bodyPr/>
+                    <a:lstStyle/>
+                    <a:p>
+                      <a:pPr marL="0" lvl="0" indent="0" algn="ctr" rtl="0">
+                        <a:spcBef>
+                          <a:spcPts val="0"/>
+                        </a:spcBef>
+                        <a:spcAft>
+                          <a:spcPts val="0"/>
+                        </a:spcAft>
+                        <a:buNone/>
+                      </a:pPr>
+                      <a:r>
+                        <a:rPr lang="fr-CH" dirty="0" smtClean="0"/>
+                        <a:t>-</a:t>
+                      </a:r>
+                      <a:endParaRPr dirty="0"/>
+                    </a:p>
+                  </a:txBody>
+                  <a:tcPr marL="91425" marR="91425" marT="91425" marB="91425" anchor="ctr">
+                    <a:lnL w="19050" cap="flat" cmpd="sng">
+                      <a:solidFill>
+                        <a:srgbClr val="000000"/>
+                      </a:solidFill>
+                      <a:prstDash val="solid"/>
+                      <a:round/>
+                      <a:headEnd type="none" w="sm" len="sm"/>
+                      <a:tailEnd type="none" w="sm" len="sm"/>
+                    </a:lnL>
+                    <a:lnR w="38100" cap="flat" cmpd="sng" algn="ctr">
+                      <a:solidFill>
+                        <a:srgbClr val="000000"/>
+                      </a:solidFill>
+                      <a:prstDash val="solid"/>
+                      <a:round/>
+                      <a:headEnd type="none" w="sm" len="sm"/>
+                      <a:tailEnd type="none" w="sm" len="sm"/>
+                    </a:lnR>
+                    <a:lnT w="38100" cap="flat" cmpd="sng" algn="ctr">
+                      <a:solidFill>
+                        <a:srgbClr val="000000"/>
+                      </a:solidFill>
+                      <a:prstDash val="solid"/>
+                      <a:round/>
+                      <a:headEnd type="none" w="sm" len="sm"/>
+                      <a:tailEnd type="none" w="sm" len="sm"/>
+                    </a:lnT>
+                    <a:lnB w="38100" cap="flat" cmpd="sng">
+                      <a:solidFill>
+                        <a:srgbClr val="000000"/>
+                      </a:solidFill>
+                      <a:prstDash val="solid"/>
+                      <a:round/>
+                      <a:headEnd type="none" w="sm" len="sm"/>
+                      <a:tailEnd type="none" w="sm" len="sm"/>
+                    </a:lnB>
+                  </a:tcPr>
+                </a:tc>
+                <a:tc>
+                  <a:txBody>
+                    <a:bodyPr/>
+                    <a:lstStyle/>
+                    <a:p>
+                      <a:pPr marL="0" lvl="0" indent="0" algn="ctr" rtl="0">
+                        <a:spcBef>
+                          <a:spcPts val="0"/>
+                        </a:spcBef>
+                        <a:spcAft>
+                          <a:spcPts val="0"/>
+                        </a:spcAft>
+                        <a:buNone/>
+                      </a:pPr>
+                      <a:r>
+                        <a:rPr lang="fr-CH" dirty="0">
+                          <a:solidFill>
+                            <a:srgbClr val="FF0000"/>
+                          </a:solidFill>
+                        </a:rPr>
+                        <a:t>277</a:t>
+                      </a:r>
+                      <a:endParaRPr dirty="0">
+                        <a:solidFill>
+                          <a:srgbClr val="FF0000"/>
+                        </a:solidFill>
+                      </a:endParaRPr>
+                    </a:p>
+                  </a:txBody>
+                  <a:tcPr marL="91425" marR="91425" marT="91425" marB="91425" anchor="ctr">
+                    <a:lnL w="38100" cap="flat" cmpd="sng">
+                      <a:solidFill>
+                        <a:srgbClr val="000000"/>
+                      </a:solidFill>
+                      <a:prstDash val="solid"/>
+                      <a:round/>
+                      <a:headEnd type="none" w="sm" len="sm"/>
+                      <a:tailEnd type="none" w="sm" len="sm"/>
+                    </a:lnL>
+                    <a:lnR w="19050" cap="flat" cmpd="sng">
+                      <a:solidFill>
+                        <a:srgbClr val="000000"/>
+                      </a:solidFill>
+                      <a:prstDash val="solid"/>
+                      <a:round/>
+                      <a:headEnd type="none" w="sm" len="sm"/>
+                      <a:tailEnd type="none" w="sm" len="sm"/>
+                    </a:lnR>
+                    <a:lnT w="38100" cap="flat" cmpd="sng" algn="ctr">
                       <a:solidFill>
                         <a:srgbClr val="000000"/>
                       </a:solidFill>
@@ -16833,10 +17148,10 @@
                         <a:buNone/>
                       </a:pPr>
                       <a:r>
-                        <a:rPr lang="fr-CH"/>
-                        <a:t>7</a:t>
+                        <a:rPr lang="fr-CH" dirty="0"/>
+                        <a:t>254</a:t>
                       </a:r>
-                      <a:endParaRPr/>
+                      <a:endParaRPr dirty="0"/>
                     </a:p>
                   </a:txBody>
                   <a:tcPr marL="91425" marR="91425" marT="91425" marB="91425" anchor="ctr">
@@ -16858,317 +17173,7 @@
                       <a:headEnd type="none" w="sm" len="sm"/>
                       <a:tailEnd type="none" w="sm" len="sm"/>
                     </a:lnR>
-                    <a:lnT w="19050" cap="flat" cmpd="sng">
-                      <a:solidFill>
-                        <a:srgbClr val="000000"/>
-                      </a:solidFill>
-                      <a:prstDash val="solid"/>
-                      <a:round/>
-                      <a:headEnd type="none" w="sm" len="sm"/>
-                      <a:tailEnd type="none" w="sm" len="sm"/>
-                    </a:lnT>
-                    <a:lnB w="38100" cap="flat" cmpd="sng">
-                      <a:solidFill>
-                        <a:srgbClr val="000000"/>
-                      </a:solidFill>
-                      <a:prstDash val="solid"/>
-                      <a:round/>
-                      <a:headEnd type="none" w="sm" len="sm"/>
-                      <a:tailEnd type="none" w="sm" len="sm"/>
-                    </a:lnB>
-                  </a:tcPr>
-                </a:tc>
-                <a:tc>
-                  <a:txBody>
-                    <a:bodyPr/>
-                    <a:lstStyle/>
-                    <a:p>
-                      <a:pPr marL="0" lvl="0" indent="0" algn="ctr">
-                        <a:spcBef>
-                          <a:spcPts val="0"/>
-                        </a:spcBef>
-                        <a:spcAft>
-                          <a:spcPts val="0"/>
-                        </a:spcAft>
-                        <a:buNone/>
-                      </a:pPr>
-                      <a:r>
-                        <a:rPr lang="fr-CH"/>
-                        <a:t>8</a:t>
-                      </a:r>
-                      <a:endParaRPr/>
-                    </a:p>
-                  </a:txBody>
-                  <a:tcPr marL="91425" marR="91425" marT="91425" marB="91425" anchor="ctr">
-                    <a:lnL w="19050" cap="flat" cmpd="sng">
-                      <a:solidFill>
-                        <a:srgbClr val="000000"/>
-                      </a:solidFill>
-                      <a:prstDash val="solid"/>
-                      <a:round/>
-                      <a:headEnd type="none" w="sm" len="sm"/>
-                      <a:tailEnd type="none" w="sm" len="sm"/>
-                    </a:lnL>
-                    <a:lnR w="38100" cap="flat" cmpd="sng">
-                      <a:solidFill>
-                        <a:srgbClr val="000000"/>
-                      </a:solidFill>
-                      <a:prstDash val="solid"/>
-                      <a:round/>
-                      <a:headEnd type="none" w="sm" len="sm"/>
-                      <a:tailEnd type="none" w="sm" len="sm"/>
-                    </a:lnR>
-                    <a:lnT w="19050" cap="flat" cmpd="sng">
-                      <a:solidFill>
-                        <a:srgbClr val="000000"/>
-                      </a:solidFill>
-                      <a:prstDash val="solid"/>
-                      <a:round/>
-                      <a:headEnd type="none" w="sm" len="sm"/>
-                      <a:tailEnd type="none" w="sm" len="sm"/>
-                    </a:lnT>
-                    <a:lnB w="38100" cap="flat" cmpd="sng">
-                      <a:solidFill>
-                        <a:srgbClr val="000000"/>
-                      </a:solidFill>
-                      <a:prstDash val="solid"/>
-                      <a:round/>
-                      <a:headEnd type="none" w="sm" len="sm"/>
-                      <a:tailEnd type="none" w="sm" len="sm"/>
-                    </a:lnB>
-                  </a:tcPr>
-                </a:tc>
-              </a:tr>
-              <a:tr h="362188">
-                <a:tc>
-                  <a:txBody>
-                    <a:bodyPr/>
-                    <a:lstStyle/>
-                    <a:p>
-                      <a:pPr marL="0" lvl="0" indent="0" rtl="0">
-                        <a:spcBef>
-                          <a:spcPts val="0"/>
-                        </a:spcBef>
-                        <a:spcAft>
-                          <a:spcPts val="0"/>
-                        </a:spcAft>
-                        <a:buNone/>
-                      </a:pPr>
-                      <a:r>
-                        <a:rPr lang="fr-CH"/>
-                        <a:t>Score</a:t>
-                      </a:r>
-                      <a:endParaRPr/>
-                    </a:p>
-                  </a:txBody>
-                  <a:tcPr marL="91425" marR="91425" marT="91425" marB="91425" anchor="ctr">
-                    <a:lnL w="38100" cap="flat" cmpd="sng">
-                      <a:solidFill>
-                        <a:srgbClr val="000000"/>
-                      </a:solidFill>
-                      <a:prstDash val="solid"/>
-                      <a:round/>
-                      <a:headEnd type="none" w="sm" len="sm"/>
-                      <a:tailEnd type="none" w="sm" len="sm"/>
-                    </a:lnL>
-                    <a:lnR w="19050" cap="flat" cmpd="sng">
-                      <a:solidFill>
-                        <a:srgbClr val="000000"/>
-                      </a:solidFill>
-                      <a:prstDash val="solid"/>
-                      <a:round/>
-                      <a:headEnd type="none" w="sm" len="sm"/>
-                      <a:tailEnd type="none" w="sm" len="sm"/>
-                    </a:lnR>
-                    <a:lnT w="38100" cap="flat" cmpd="sng">
-                      <a:solidFill>
-                        <a:srgbClr val="000000"/>
-                      </a:solidFill>
-                      <a:prstDash val="solid"/>
-                      <a:round/>
-                      <a:headEnd type="none" w="sm" len="sm"/>
-                      <a:tailEnd type="none" w="sm" len="sm"/>
-                    </a:lnT>
-                    <a:lnB w="38100" cap="flat" cmpd="sng">
-                      <a:solidFill>
-                        <a:srgbClr val="000000"/>
-                      </a:solidFill>
-                      <a:prstDash val="solid"/>
-                      <a:round/>
-                      <a:headEnd type="none" w="sm" len="sm"/>
-                      <a:tailEnd type="none" w="sm" len="sm"/>
-                    </a:lnB>
-                  </a:tcPr>
-                </a:tc>
-                <a:tc>
-                  <a:txBody>
-                    <a:bodyPr/>
-                    <a:lstStyle/>
-                    <a:p>
-                      <a:pPr marL="0" lvl="0" indent="0" algn="ctr" rtl="0">
-                        <a:spcBef>
-                          <a:spcPts val="0"/>
-                        </a:spcBef>
-                        <a:spcAft>
-                          <a:spcPts val="0"/>
-                        </a:spcAft>
-                        <a:buNone/>
-                      </a:pPr>
-                      <a:r>
-                        <a:rPr lang="fr-CH"/>
-                        <a:t>-</a:t>
-                      </a:r>
-                      <a:endParaRPr/>
-                    </a:p>
-                  </a:txBody>
-                  <a:tcPr marL="91425" marR="91425" marT="91425" marB="91425" anchor="ctr">
-                    <a:lnL w="19050" cap="flat" cmpd="sng">
-                      <a:solidFill>
-                        <a:srgbClr val="000000"/>
-                      </a:solidFill>
-                      <a:prstDash val="solid"/>
-                      <a:round/>
-                      <a:headEnd type="none" w="sm" len="sm"/>
-                      <a:tailEnd type="none" w="sm" len="sm"/>
-                    </a:lnL>
-                    <a:lnR w="38100" cap="flat" cmpd="sng">
-                      <a:solidFill>
-                        <a:srgbClr val="000000"/>
-                      </a:solidFill>
-                      <a:prstDash val="solid"/>
-                      <a:round/>
-                      <a:headEnd type="none" w="sm" len="sm"/>
-                      <a:tailEnd type="none" w="sm" len="sm"/>
-                    </a:lnR>
-                    <a:lnT w="38100" cap="flat" cmpd="sng">
-                      <a:solidFill>
-                        <a:srgbClr val="000000"/>
-                      </a:solidFill>
-                      <a:prstDash val="solid"/>
-                      <a:round/>
-                      <a:headEnd type="none" w="sm" len="sm"/>
-                      <a:tailEnd type="none" w="sm" len="sm"/>
-                    </a:lnT>
-                    <a:lnB w="38100" cap="flat" cmpd="sng">
-                      <a:solidFill>
-                        <a:srgbClr val="000000"/>
-                      </a:solidFill>
-                      <a:prstDash val="solid"/>
-                      <a:round/>
-                      <a:headEnd type="none" w="sm" len="sm"/>
-                      <a:tailEnd type="none" w="sm" len="sm"/>
-                    </a:lnB>
-                  </a:tcPr>
-                </a:tc>
-                <a:tc>
-                  <a:txBody>
-                    <a:bodyPr/>
-                    <a:lstStyle/>
-                    <a:p>
-                      <a:pPr marL="0" lvl="0" indent="0" algn="ctr" rtl="0">
-                        <a:spcBef>
-                          <a:spcPts val="0"/>
-                        </a:spcBef>
-                        <a:spcAft>
-                          <a:spcPts val="0"/>
-                        </a:spcAft>
-                        <a:buNone/>
-                      </a:pPr>
-                      <a:r>
-                        <a:rPr lang="fr-CH">
-                          <a:solidFill>
-                            <a:srgbClr val="FF0000"/>
-                          </a:solidFill>
-                        </a:rPr>
-                        <a:t>277</a:t>
-                      </a:r>
-                      <a:endParaRPr>
-                        <a:solidFill>
-                          <a:srgbClr val="FF0000"/>
-                        </a:solidFill>
-                      </a:endParaRPr>
-                    </a:p>
-                  </a:txBody>
-                  <a:tcPr marL="91425" marR="91425" marT="91425" marB="91425" anchor="ctr">
-                    <a:lnL w="38100" cap="flat" cmpd="sng">
-                      <a:solidFill>
-                        <a:srgbClr val="000000"/>
-                      </a:solidFill>
-                      <a:prstDash val="solid"/>
-                      <a:round/>
-                      <a:headEnd type="none" w="sm" len="sm"/>
-                      <a:tailEnd type="none" w="sm" len="sm"/>
-                    </a:lnL>
-                    <a:lnR w="19050" cap="flat" cmpd="sng">
-                      <a:solidFill>
-                        <a:srgbClr val="000000"/>
-                      </a:solidFill>
-                      <a:prstDash val="solid"/>
-                      <a:round/>
-                      <a:headEnd type="none" w="sm" len="sm"/>
-                      <a:tailEnd type="none" w="sm" len="sm"/>
-                    </a:lnR>
-                    <a:lnT w="38100" cap="flat" cmpd="sng">
-                      <a:solidFill>
-                        <a:srgbClr val="000000"/>
-                      </a:solidFill>
-                      <a:prstDash val="solid"/>
-                      <a:round/>
-                      <a:headEnd type="none" w="sm" len="sm"/>
-                      <a:tailEnd type="none" w="sm" len="sm"/>
-                    </a:lnT>
-                    <a:lnB w="38100" cap="flat" cmpd="sng">
-                      <a:solidFill>
-                        <a:srgbClr val="000000"/>
-                      </a:solidFill>
-                      <a:prstDash val="solid"/>
-                      <a:round/>
-                      <a:headEnd type="none" w="sm" len="sm"/>
-                      <a:tailEnd type="none" w="sm" len="sm"/>
-                    </a:lnB>
-                  </a:tcPr>
-                </a:tc>
-                <a:tc>
-                  <a:txBody>
-                    <a:bodyPr/>
-                    <a:lstStyle/>
-                    <a:p>
-                      <a:pPr marL="0" lvl="0" indent="0" algn="ctr">
-                        <a:spcBef>
-                          <a:spcPts val="0"/>
-                        </a:spcBef>
-                        <a:spcAft>
-                          <a:spcPts val="0"/>
-                        </a:spcAft>
-                        <a:buNone/>
-                      </a:pPr>
-                      <a:r>
-                        <a:rPr lang="fr-CH"/>
-                        <a:t>254</a:t>
-                      </a:r>
-                      <a:endParaRPr/>
-                    </a:p>
-                  </a:txBody>
-                  <a:tcPr marL="91425" marR="91425" marT="91425" marB="91425" anchor="ctr">
-                    <a:lnL w="19050" cap="flat" cmpd="sng">
-                      <a:solidFill>
-                        <a:srgbClr val="000000"/>
-                      </a:solidFill>
-                      <a:prstDash val="solid"/>
-                      <a:round/>
-                      <a:headEnd type="none" w="sm" len="sm"/>
-                      <a:tailEnd type="none" w="sm" len="sm"/>
-                    </a:lnL>
-                    <a:lnR w="19050" cap="flat" cmpd="sng">
-                      <a:solidFill>
-                        <a:srgbClr val="000000"/>
-                      </a:solidFill>
-                      <a:prstDash val="solid"/>
-                      <a:round/>
-                      <a:headEnd type="none" w="sm" len="sm"/>
-                      <a:tailEnd type="none" w="sm" len="sm"/>
-                    </a:lnR>
-                    <a:lnT w="38100" cap="flat" cmpd="sng">
+                    <a:lnT w="38100" cap="flat" cmpd="sng" algn="ctr">
                       <a:solidFill>
                         <a:srgbClr val="000000"/>
                       </a:solidFill>
@@ -17228,7 +17233,7 @@
                       <a:headEnd type="none" w="sm" len="sm"/>
                       <a:tailEnd type="none" w="sm" len="sm"/>
                     </a:lnR>
-                    <a:lnT w="38100" cap="flat" cmpd="sng">
+                    <a:lnT w="38100" cap="flat" cmpd="sng" algn="ctr">
                       <a:solidFill>
                         <a:srgbClr val="000000"/>
                       </a:solidFill>
@@ -17254,6 +17259,11 @@
         </a:graphic>
       </p:graphicFrame>
     </p:spTree>
+    <p:extLst>
+      <p:ext uri="{BB962C8B-B14F-4D97-AF65-F5344CB8AC3E}">
+        <p14:creationId xmlns:p14="http://schemas.microsoft.com/office/powerpoint/2010/main" val="620145550"/>
+      </p:ext>
+    </p:extLst>
   </p:cSld>
   <p:clrMapOvr>
     <a:masterClrMapping/>
@@ -17344,7 +17354,7 @@
           <p:nvPr>
             <p:extLst>
               <p:ext uri="{D42A27DB-BD31-4B8C-83A1-F6EECF244321}">
-                <p14:modId xmlns:p14="http://schemas.microsoft.com/office/powerpoint/2010/main" val="289700723"/>
+                <p14:modId xmlns:p14="http://schemas.microsoft.com/office/powerpoint/2010/main" val="1977648522"/>
               </p:ext>
             </p:extLst>
           </p:nvPr>
@@ -17689,10 +17699,10 @@
                         <a:buNone/>
                       </a:pPr>
                       <a:r>
-                        <a:rPr lang="fr-CH"/>
-                        <a:t>Popularité</a:t>
+                        <a:rPr lang="fr-CH" dirty="0"/>
+                        <a:t>Complexité</a:t>
                       </a:r>
-                      <a:endParaRPr/>
+                      <a:endParaRPr dirty="0"/>
                     </a:p>
                   </a:txBody>
                   <a:tcPr marL="91425" marR="91425" marT="91425" marB="91425">
@@ -17705,7 +17715,7 @@
                       <a:headEnd type="none" w="sm" len="sm"/>
                       <a:tailEnd type="none" w="sm" len="sm"/>
                     </a:lnL>
-                    <a:lnR w="19050" cap="flat" cmpd="sng">
+                    <a:lnR w="19050" cap="flat" cmpd="sng" algn="ctr">
                       <a:solidFill>
                         <a:srgbClr val="000000"/>
                       </a:solidFill>
@@ -17714,7 +17724,7 @@
                       <a:headEnd type="none" w="sm" len="sm"/>
                       <a:tailEnd type="none" w="sm" len="sm"/>
                     </a:lnR>
-                    <a:lnT w="38100" cap="flat" cmpd="sng">
+                    <a:lnT w="38100" cap="flat" cmpd="sng" algn="ctr">
                       <a:solidFill>
                         <a:srgbClr val="000000"/>
                       </a:solidFill>
@@ -17723,7 +17733,7 @@
                       <a:headEnd type="none" w="sm" len="sm"/>
                       <a:tailEnd type="none" w="sm" len="sm"/>
                     </a:lnT>
-                    <a:lnB w="19050" cap="flat" cmpd="sng">
+                    <a:lnB w="19050" cap="flat" cmpd="sng" algn="ctr">
                       <a:solidFill>
                         <a:srgbClr val="000000"/>
                       </a:solidFill>
@@ -17749,14 +17759,14 @@
                         <a:buNone/>
                       </a:pPr>
                       <a:r>
-                        <a:rPr lang="fr-CH"/>
-                        <a:t>6</a:t>
+                        <a:rPr lang="fr-CH" dirty="0"/>
+                        <a:t>5</a:t>
                       </a:r>
-                      <a:endParaRPr/>
+                      <a:endParaRPr dirty="0"/>
                     </a:p>
                   </a:txBody>
                   <a:tcPr marL="91425" marR="91425" marT="91425" marB="91425" anchor="ctr">
-                    <a:lnL w="19050" cap="flat" cmpd="sng">
+                    <a:lnL w="19050" cap="flat" cmpd="sng" algn="ctr">
                       <a:solidFill>
                         <a:srgbClr val="000000"/>
                       </a:solidFill>
@@ -17765,7 +17775,7 @@
                       <a:headEnd type="none" w="sm" len="sm"/>
                       <a:tailEnd type="none" w="sm" len="sm"/>
                     </a:lnL>
-                    <a:lnR w="38100" cap="flat" cmpd="sng">
+                    <a:lnR w="38100" cap="flat" cmpd="sng" algn="ctr">
                       <a:solidFill>
                         <a:srgbClr val="000000"/>
                       </a:solidFill>
@@ -17774,7 +17784,7 @@
                       <a:headEnd type="none" w="sm" len="sm"/>
                       <a:tailEnd type="none" w="sm" len="sm"/>
                     </a:lnR>
-                    <a:lnT w="38100" cap="flat" cmpd="sng">
+                    <a:lnT w="38100" cap="flat" cmpd="sng" algn="ctr">
                       <a:solidFill>
                         <a:srgbClr val="000000"/>
                       </a:solidFill>
@@ -17783,7 +17793,7 @@
                       <a:headEnd type="none" w="sm" len="sm"/>
                       <a:tailEnd type="none" w="sm" len="sm"/>
                     </a:lnT>
-                    <a:lnB w="19050" cap="flat" cmpd="sng">
+                    <a:lnB w="19050" cap="flat" cmpd="sng" algn="ctr">
                       <a:solidFill>
                         <a:srgbClr val="000000"/>
                       </a:solidFill>
@@ -17809,14 +17819,14 @@
                         <a:buNone/>
                       </a:pPr>
                       <a:r>
-                        <a:rPr lang="fr-CH"/>
-                        <a:t>8</a:t>
+                        <a:rPr lang="fr-CH" dirty="0"/>
+                        <a:t>6</a:t>
                       </a:r>
-                      <a:endParaRPr/>
+                      <a:endParaRPr dirty="0"/>
                     </a:p>
                   </a:txBody>
                   <a:tcPr marL="91425" marR="91425" marT="91425" marB="91425" anchor="ctr">
-                    <a:lnL w="38100" cap="flat" cmpd="sng">
+                    <a:lnL w="38100" cap="flat" cmpd="sng" algn="ctr">
                       <a:solidFill>
                         <a:srgbClr val="000000"/>
                       </a:solidFill>
@@ -17825,7 +17835,7 @@
                       <a:headEnd type="none" w="sm" len="sm"/>
                       <a:tailEnd type="none" w="sm" len="sm"/>
                     </a:lnL>
-                    <a:lnR w="19050" cap="flat" cmpd="sng">
+                    <a:lnR w="19050" cap="flat" cmpd="sng" algn="ctr">
                       <a:solidFill>
                         <a:srgbClr val="000000"/>
                       </a:solidFill>
@@ -17834,7 +17844,7 @@
                       <a:headEnd type="none" w="sm" len="sm"/>
                       <a:tailEnd type="none" w="sm" len="sm"/>
                     </a:lnR>
-                    <a:lnT w="38100" cap="flat" cmpd="sng">
+                    <a:lnT w="38100" cap="flat" cmpd="sng" algn="ctr">
                       <a:solidFill>
                         <a:srgbClr val="000000"/>
                       </a:solidFill>
@@ -17843,7 +17853,7 @@
                       <a:headEnd type="none" w="sm" len="sm"/>
                       <a:tailEnd type="none" w="sm" len="sm"/>
                     </a:lnT>
-                    <a:lnB w="19050" cap="flat" cmpd="sng">
+                    <a:lnB w="19050" cap="flat" cmpd="sng" algn="ctr">
                       <a:solidFill>
                         <a:srgbClr val="000000"/>
                       </a:solidFill>
@@ -17869,14 +17879,14 @@
                         <a:buNone/>
                       </a:pPr>
                       <a:r>
-                        <a:rPr lang="fr-CH"/>
-                        <a:t>10</a:t>
+                        <a:rPr lang="fr-CH" dirty="0"/>
+                        <a:t>6</a:t>
                       </a:r>
-                      <a:endParaRPr/>
+                      <a:endParaRPr dirty="0"/>
                     </a:p>
                   </a:txBody>
                   <a:tcPr marL="91425" marR="91425" marT="91425" marB="91425" anchor="ctr">
-                    <a:lnL w="19050" cap="flat" cmpd="sng">
+                    <a:lnL w="19050" cap="flat" cmpd="sng" algn="ctr">
                       <a:solidFill>
                         <a:srgbClr val="000000"/>
                       </a:solidFill>
@@ -17885,7 +17895,7 @@
                       <a:headEnd type="none" w="sm" len="sm"/>
                       <a:tailEnd type="none" w="sm" len="sm"/>
                     </a:lnL>
-                    <a:lnR w="19050" cap="flat" cmpd="sng">
+                    <a:lnR w="19050" cap="flat" cmpd="sng" algn="ctr">
                       <a:solidFill>
                         <a:srgbClr val="000000"/>
                       </a:solidFill>
@@ -17894,7 +17904,7 @@
                       <a:headEnd type="none" w="sm" len="sm"/>
                       <a:tailEnd type="none" w="sm" len="sm"/>
                     </a:lnR>
-                    <a:lnT w="38100" cap="flat" cmpd="sng">
+                    <a:lnT w="38100" cap="flat" cmpd="sng" algn="ctr">
                       <a:solidFill>
                         <a:srgbClr val="000000"/>
                       </a:solidFill>
@@ -17903,7 +17913,7 @@
                       <a:headEnd type="none" w="sm" len="sm"/>
                       <a:tailEnd type="none" w="sm" len="sm"/>
                     </a:lnT>
-                    <a:lnB w="19050" cap="flat" cmpd="sng">
+                    <a:lnB w="19050" cap="flat" cmpd="sng" algn="ctr">
                       <a:solidFill>
                         <a:srgbClr val="000000"/>
                       </a:solidFill>
@@ -17929,14 +17939,14 @@
                         <a:buNone/>
                       </a:pPr>
                       <a:r>
-                        <a:rPr lang="fr-CH"/>
-                        <a:t>3</a:t>
+                        <a:rPr lang="fr-CH" dirty="0"/>
+                        <a:t>7</a:t>
                       </a:r>
-                      <a:endParaRPr/>
+                      <a:endParaRPr dirty="0"/>
                     </a:p>
                   </a:txBody>
                   <a:tcPr marL="91425" marR="91425" marT="91425" marB="91425" anchor="ctr">
-                    <a:lnL w="19050" cap="flat" cmpd="sng">
+                    <a:lnL w="19050" cap="flat" cmpd="sng" algn="ctr">
                       <a:solidFill>
                         <a:srgbClr val="000000"/>
                       </a:solidFill>
@@ -17954,7 +17964,7 @@
                       <a:headEnd type="none" w="sm" len="sm"/>
                       <a:tailEnd type="none" w="sm" len="sm"/>
                     </a:lnR>
-                    <a:lnT w="38100" cap="flat" cmpd="sng">
+                    <a:lnT w="38100" cap="flat" cmpd="sng" algn="ctr">
                       <a:solidFill>
                         <a:srgbClr val="000000"/>
                       </a:solidFill>
@@ -17963,1215 +17973,7 @@
                       <a:headEnd type="none" w="sm" len="sm"/>
                       <a:tailEnd type="none" w="sm" len="sm"/>
                     </a:lnT>
-                    <a:lnB w="19050" cap="flat" cmpd="sng">
-                      <a:solidFill>
-                        <a:srgbClr val="000000"/>
-                      </a:solidFill>
-                      <a:prstDash val="solid"/>
-                      <a:round/>
-                      <a:headEnd type="none" w="sm" len="sm"/>
-                      <a:tailEnd type="none" w="sm" len="sm"/>
-                    </a:lnB>
-                  </a:tcPr>
-                </a:tc>
-              </a:tr>
-              <a:tr h="381000">
-                <a:tc>
-                  <a:txBody>
-                    <a:bodyPr/>
-                    <a:lstStyle/>
-                    <a:p>
-                      <a:pPr marL="0" lvl="0" indent="0" rtl="0">
-                        <a:spcBef>
-                          <a:spcPts val="0"/>
-                        </a:spcBef>
-                        <a:spcAft>
-                          <a:spcPts val="0"/>
-                        </a:spcAft>
-                        <a:buNone/>
-                      </a:pPr>
-                      <a:r>
-                        <a:rPr lang="fr-CH"/>
-                        <a:t>Connaissances préalables</a:t>
-                      </a:r>
-                      <a:endParaRPr/>
-                    </a:p>
-                  </a:txBody>
-                  <a:tcPr marL="91425" marR="91425" marT="91425" marB="91425">
-                    <a:lnL w="38100" cap="flat" cmpd="sng">
-                      <a:solidFill>
-                        <a:srgbClr val="000000"/>
-                      </a:solidFill>
-                      <a:prstDash val="solid"/>
-                      <a:round/>
-                      <a:headEnd type="none" w="sm" len="sm"/>
-                      <a:tailEnd type="none" w="sm" len="sm"/>
-                    </a:lnL>
-                    <a:lnR w="19050" cap="flat" cmpd="sng">
-                      <a:solidFill>
-                        <a:srgbClr val="000000"/>
-                      </a:solidFill>
-                      <a:prstDash val="solid"/>
-                      <a:round/>
-                      <a:headEnd type="none" w="sm" len="sm"/>
-                      <a:tailEnd type="none" w="sm" len="sm"/>
-                    </a:lnR>
-                    <a:lnT w="19050" cap="flat" cmpd="sng">
-                      <a:solidFill>
-                        <a:srgbClr val="000000"/>
-                      </a:solidFill>
-                      <a:prstDash val="solid"/>
-                      <a:round/>
-                      <a:headEnd type="none" w="sm" len="sm"/>
-                      <a:tailEnd type="none" w="sm" len="sm"/>
-                    </a:lnT>
-                    <a:lnB w="19050" cap="flat" cmpd="sng">
-                      <a:solidFill>
-                        <a:srgbClr val="000000"/>
-                      </a:solidFill>
-                      <a:prstDash val="solid"/>
-                      <a:round/>
-                      <a:headEnd type="none" w="sm" len="sm"/>
-                      <a:tailEnd type="none" w="sm" len="sm"/>
-                    </a:lnB>
-                  </a:tcPr>
-                </a:tc>
-                <a:tc>
-                  <a:txBody>
-                    <a:bodyPr/>
-                    <a:lstStyle/>
-                    <a:p>
-                      <a:pPr marL="0" lvl="0" indent="0" algn="ctr" rtl="0">
-                        <a:spcBef>
-                          <a:spcPts val="0"/>
-                        </a:spcBef>
-                        <a:spcAft>
-                          <a:spcPts val="0"/>
-                        </a:spcAft>
-                        <a:buNone/>
-                      </a:pPr>
-                      <a:r>
-                        <a:rPr lang="fr-CH"/>
-                        <a:t>4</a:t>
-                      </a:r>
-                      <a:endParaRPr/>
-                    </a:p>
-                  </a:txBody>
-                  <a:tcPr marL="91425" marR="91425" marT="91425" marB="91425" anchor="ctr">
-                    <a:lnL w="19050" cap="flat" cmpd="sng">
-                      <a:solidFill>
-                        <a:srgbClr val="000000"/>
-                      </a:solidFill>
-                      <a:prstDash val="solid"/>
-                      <a:round/>
-                      <a:headEnd type="none" w="sm" len="sm"/>
-                      <a:tailEnd type="none" w="sm" len="sm"/>
-                    </a:lnL>
-                    <a:lnR w="38100" cap="flat" cmpd="sng">
-                      <a:solidFill>
-                        <a:srgbClr val="000000"/>
-                      </a:solidFill>
-                      <a:prstDash val="solid"/>
-                      <a:round/>
-                      <a:headEnd type="none" w="sm" len="sm"/>
-                      <a:tailEnd type="none" w="sm" len="sm"/>
-                    </a:lnR>
-                    <a:lnT w="19050" cap="flat" cmpd="sng">
-                      <a:solidFill>
-                        <a:srgbClr val="000000"/>
-                      </a:solidFill>
-                      <a:prstDash val="solid"/>
-                      <a:round/>
-                      <a:headEnd type="none" w="sm" len="sm"/>
-                      <a:tailEnd type="none" w="sm" len="sm"/>
-                    </a:lnT>
-                    <a:lnB w="19050" cap="flat" cmpd="sng">
-                      <a:solidFill>
-                        <a:srgbClr val="000000"/>
-                      </a:solidFill>
-                      <a:prstDash val="solid"/>
-                      <a:round/>
-                      <a:headEnd type="none" w="sm" len="sm"/>
-                      <a:tailEnd type="none" w="sm" len="sm"/>
-                    </a:lnB>
-                  </a:tcPr>
-                </a:tc>
-                <a:tc>
-                  <a:txBody>
-                    <a:bodyPr/>
-                    <a:lstStyle/>
-                    <a:p>
-                      <a:pPr marL="0" lvl="0" indent="0" algn="ctr" rtl="0">
-                        <a:spcBef>
-                          <a:spcPts val="0"/>
-                        </a:spcBef>
-                        <a:spcAft>
-                          <a:spcPts val="0"/>
-                        </a:spcAft>
-                        <a:buNone/>
-                      </a:pPr>
-                      <a:r>
-                        <a:rPr lang="fr-CH"/>
-                        <a:t>8</a:t>
-                      </a:r>
-                      <a:endParaRPr/>
-                    </a:p>
-                  </a:txBody>
-                  <a:tcPr marL="91425" marR="91425" marT="91425" marB="91425" anchor="ctr">
-                    <a:lnL w="38100" cap="flat" cmpd="sng">
-                      <a:solidFill>
-                        <a:srgbClr val="000000"/>
-                      </a:solidFill>
-                      <a:prstDash val="solid"/>
-                      <a:round/>
-                      <a:headEnd type="none" w="sm" len="sm"/>
-                      <a:tailEnd type="none" w="sm" len="sm"/>
-                    </a:lnL>
-                    <a:lnR w="19050" cap="flat" cmpd="sng">
-                      <a:solidFill>
-                        <a:srgbClr val="000000"/>
-                      </a:solidFill>
-                      <a:prstDash val="solid"/>
-                      <a:round/>
-                      <a:headEnd type="none" w="sm" len="sm"/>
-                      <a:tailEnd type="none" w="sm" len="sm"/>
-                    </a:lnR>
-                    <a:lnT w="19050" cap="flat" cmpd="sng">
-                      <a:solidFill>
-                        <a:srgbClr val="000000"/>
-                      </a:solidFill>
-                      <a:prstDash val="solid"/>
-                      <a:round/>
-                      <a:headEnd type="none" w="sm" len="sm"/>
-                      <a:tailEnd type="none" w="sm" len="sm"/>
-                    </a:lnT>
-                    <a:lnB w="19050" cap="flat" cmpd="sng">
-                      <a:solidFill>
-                        <a:srgbClr val="000000"/>
-                      </a:solidFill>
-                      <a:prstDash val="solid"/>
-                      <a:round/>
-                      <a:headEnd type="none" w="sm" len="sm"/>
-                      <a:tailEnd type="none" w="sm" len="sm"/>
-                    </a:lnB>
-                  </a:tcPr>
-                </a:tc>
-                <a:tc>
-                  <a:txBody>
-                    <a:bodyPr/>
-                    <a:lstStyle/>
-                    <a:p>
-                      <a:pPr marL="0" lvl="0" indent="0" algn="ctr" rtl="0">
-                        <a:spcBef>
-                          <a:spcPts val="0"/>
-                        </a:spcBef>
-                        <a:spcAft>
-                          <a:spcPts val="0"/>
-                        </a:spcAft>
-                        <a:buNone/>
-                      </a:pPr>
-                      <a:r>
-                        <a:rPr lang="fr-CH"/>
-                        <a:t>2</a:t>
-                      </a:r>
-                      <a:endParaRPr/>
-                    </a:p>
-                  </a:txBody>
-                  <a:tcPr marL="91425" marR="91425" marT="91425" marB="91425" anchor="ctr">
-                    <a:lnL w="19050" cap="flat" cmpd="sng">
-                      <a:solidFill>
-                        <a:srgbClr val="000000"/>
-                      </a:solidFill>
-                      <a:prstDash val="solid"/>
-                      <a:round/>
-                      <a:headEnd type="none" w="sm" len="sm"/>
-                      <a:tailEnd type="none" w="sm" len="sm"/>
-                    </a:lnL>
-                    <a:lnR w="19050" cap="flat" cmpd="sng">
-                      <a:solidFill>
-                        <a:srgbClr val="000000"/>
-                      </a:solidFill>
-                      <a:prstDash val="solid"/>
-                      <a:round/>
-                      <a:headEnd type="none" w="sm" len="sm"/>
-                      <a:tailEnd type="none" w="sm" len="sm"/>
-                    </a:lnR>
-                    <a:lnT w="19050" cap="flat" cmpd="sng">
-                      <a:solidFill>
-                        <a:srgbClr val="000000"/>
-                      </a:solidFill>
-                      <a:prstDash val="solid"/>
-                      <a:round/>
-                      <a:headEnd type="none" w="sm" len="sm"/>
-                      <a:tailEnd type="none" w="sm" len="sm"/>
-                    </a:lnT>
-                    <a:lnB w="19050" cap="flat" cmpd="sng">
-                      <a:solidFill>
-                        <a:srgbClr val="000000"/>
-                      </a:solidFill>
-                      <a:prstDash val="solid"/>
-                      <a:round/>
-                      <a:headEnd type="none" w="sm" len="sm"/>
-                      <a:tailEnd type="none" w="sm" len="sm"/>
-                    </a:lnB>
-                  </a:tcPr>
-                </a:tc>
-                <a:tc>
-                  <a:txBody>
-                    <a:bodyPr/>
-                    <a:lstStyle/>
-                    <a:p>
-                      <a:pPr marL="0" lvl="0" indent="0" algn="ctr" rtl="0">
-                        <a:spcBef>
-                          <a:spcPts val="0"/>
-                        </a:spcBef>
-                        <a:spcAft>
-                          <a:spcPts val="0"/>
-                        </a:spcAft>
-                        <a:buNone/>
-                      </a:pPr>
-                      <a:r>
-                        <a:rPr lang="fr-CH"/>
-                        <a:t>0</a:t>
-                      </a:r>
-                      <a:endParaRPr/>
-                    </a:p>
-                  </a:txBody>
-                  <a:tcPr marL="91425" marR="91425" marT="91425" marB="91425" anchor="ctr">
-                    <a:lnL w="19050" cap="flat" cmpd="sng">
-                      <a:solidFill>
-                        <a:srgbClr val="000000"/>
-                      </a:solidFill>
-                      <a:prstDash val="solid"/>
-                      <a:round/>
-                      <a:headEnd type="none" w="sm" len="sm"/>
-                      <a:tailEnd type="none" w="sm" len="sm"/>
-                    </a:lnL>
-                    <a:lnR w="38100" cap="flat" cmpd="sng">
-                      <a:solidFill>
-                        <a:srgbClr val="000000"/>
-                      </a:solidFill>
-                      <a:prstDash val="solid"/>
-                      <a:round/>
-                      <a:headEnd type="none" w="sm" len="sm"/>
-                      <a:tailEnd type="none" w="sm" len="sm"/>
-                    </a:lnR>
-                    <a:lnT w="19050" cap="flat" cmpd="sng">
-                      <a:solidFill>
-                        <a:srgbClr val="000000"/>
-                      </a:solidFill>
-                      <a:prstDash val="solid"/>
-                      <a:round/>
-                      <a:headEnd type="none" w="sm" len="sm"/>
-                      <a:tailEnd type="none" w="sm" len="sm"/>
-                    </a:lnT>
-                    <a:lnB w="19050" cap="flat" cmpd="sng">
-                      <a:solidFill>
-                        <a:srgbClr val="000000"/>
-                      </a:solidFill>
-                      <a:prstDash val="solid"/>
-                      <a:round/>
-                      <a:headEnd type="none" w="sm" len="sm"/>
-                      <a:tailEnd type="none" w="sm" len="sm"/>
-                    </a:lnB>
-                  </a:tcPr>
-                </a:tc>
-              </a:tr>
-              <a:tr h="381000">
-                <a:tc>
-                  <a:txBody>
-                    <a:bodyPr/>
-                    <a:lstStyle/>
-                    <a:p>
-                      <a:pPr marL="0" lvl="0" indent="0" rtl="0">
-                        <a:spcBef>
-                          <a:spcPts val="0"/>
-                        </a:spcBef>
-                        <a:spcAft>
-                          <a:spcPts val="0"/>
-                        </a:spcAft>
-                        <a:buNone/>
-                      </a:pPr>
-                      <a:r>
-                        <a:rPr lang="fr-CH"/>
-                        <a:t>Facilité de mise en place</a:t>
-                      </a:r>
-                      <a:endParaRPr/>
-                    </a:p>
-                  </a:txBody>
-                  <a:tcPr marL="91425" marR="91425" marT="91425" marB="91425">
-                    <a:lnL w="38100" cap="flat" cmpd="sng">
-                      <a:solidFill>
-                        <a:srgbClr val="000000"/>
-                      </a:solidFill>
-                      <a:prstDash val="solid"/>
-                      <a:round/>
-                      <a:headEnd type="none" w="sm" len="sm"/>
-                      <a:tailEnd type="none" w="sm" len="sm"/>
-                    </a:lnL>
-                    <a:lnR w="19050" cap="flat" cmpd="sng">
-                      <a:solidFill>
-                        <a:srgbClr val="000000"/>
-                      </a:solidFill>
-                      <a:prstDash val="solid"/>
-                      <a:round/>
-                      <a:headEnd type="none" w="sm" len="sm"/>
-                      <a:tailEnd type="none" w="sm" len="sm"/>
-                    </a:lnR>
-                    <a:lnT w="19050" cap="flat" cmpd="sng">
-                      <a:solidFill>
-                        <a:srgbClr val="000000"/>
-                      </a:solidFill>
-                      <a:prstDash val="solid"/>
-                      <a:round/>
-                      <a:headEnd type="none" w="sm" len="sm"/>
-                      <a:tailEnd type="none" w="sm" len="sm"/>
-                    </a:lnT>
-                    <a:lnB w="19050" cap="flat" cmpd="sng">
-                      <a:solidFill>
-                        <a:srgbClr val="000000"/>
-                      </a:solidFill>
-                      <a:prstDash val="solid"/>
-                      <a:round/>
-                      <a:headEnd type="none" w="sm" len="sm"/>
-                      <a:tailEnd type="none" w="sm" len="sm"/>
-                    </a:lnB>
-                  </a:tcPr>
-                </a:tc>
-                <a:tc>
-                  <a:txBody>
-                    <a:bodyPr/>
-                    <a:lstStyle/>
-                    <a:p>
-                      <a:pPr marL="0" lvl="0" indent="0" algn="ctr" rtl="0">
-                        <a:spcBef>
-                          <a:spcPts val="0"/>
-                        </a:spcBef>
-                        <a:spcAft>
-                          <a:spcPts val="0"/>
-                        </a:spcAft>
-                        <a:buNone/>
-                      </a:pPr>
-                      <a:r>
-                        <a:rPr lang="fr-CH"/>
-                        <a:t>4</a:t>
-                      </a:r>
-                      <a:endParaRPr/>
-                    </a:p>
-                  </a:txBody>
-                  <a:tcPr marL="91425" marR="91425" marT="91425" marB="91425" anchor="ctr">
-                    <a:lnL w="19050" cap="flat" cmpd="sng">
-                      <a:solidFill>
-                        <a:srgbClr val="000000"/>
-                      </a:solidFill>
-                      <a:prstDash val="solid"/>
-                      <a:round/>
-                      <a:headEnd type="none" w="sm" len="sm"/>
-                      <a:tailEnd type="none" w="sm" len="sm"/>
-                    </a:lnL>
-                    <a:lnR w="38100" cap="flat" cmpd="sng">
-                      <a:solidFill>
-                        <a:srgbClr val="000000"/>
-                      </a:solidFill>
-                      <a:prstDash val="solid"/>
-                      <a:round/>
-                      <a:headEnd type="none" w="sm" len="sm"/>
-                      <a:tailEnd type="none" w="sm" len="sm"/>
-                    </a:lnR>
-                    <a:lnT w="19050" cap="flat" cmpd="sng">
-                      <a:solidFill>
-                        <a:srgbClr val="000000"/>
-                      </a:solidFill>
-                      <a:prstDash val="solid"/>
-                      <a:round/>
-                      <a:headEnd type="none" w="sm" len="sm"/>
-                      <a:tailEnd type="none" w="sm" len="sm"/>
-                    </a:lnT>
-                    <a:lnB w="19050" cap="flat" cmpd="sng">
-                      <a:solidFill>
-                        <a:srgbClr val="000000"/>
-                      </a:solidFill>
-                      <a:prstDash val="solid"/>
-                      <a:round/>
-                      <a:headEnd type="none" w="sm" len="sm"/>
-                      <a:tailEnd type="none" w="sm" len="sm"/>
-                    </a:lnB>
-                  </a:tcPr>
-                </a:tc>
-                <a:tc>
-                  <a:txBody>
-                    <a:bodyPr/>
-                    <a:lstStyle/>
-                    <a:p>
-                      <a:pPr marL="0" lvl="0" indent="0" algn="ctr" rtl="0">
-                        <a:spcBef>
-                          <a:spcPts val="0"/>
-                        </a:spcBef>
-                        <a:spcAft>
-                          <a:spcPts val="0"/>
-                        </a:spcAft>
-                        <a:buNone/>
-                      </a:pPr>
-                      <a:r>
-                        <a:rPr lang="fr-CH"/>
-                        <a:t>6</a:t>
-                      </a:r>
-                      <a:endParaRPr/>
-                    </a:p>
-                  </a:txBody>
-                  <a:tcPr marL="91425" marR="91425" marT="91425" marB="91425" anchor="ctr">
-                    <a:lnL w="38100" cap="flat" cmpd="sng">
-                      <a:solidFill>
-                        <a:srgbClr val="000000"/>
-                      </a:solidFill>
-                      <a:prstDash val="solid"/>
-                      <a:round/>
-                      <a:headEnd type="none" w="sm" len="sm"/>
-                      <a:tailEnd type="none" w="sm" len="sm"/>
-                    </a:lnL>
-                    <a:lnR w="19050" cap="flat" cmpd="sng">
-                      <a:solidFill>
-                        <a:srgbClr val="000000"/>
-                      </a:solidFill>
-                      <a:prstDash val="solid"/>
-                      <a:round/>
-                      <a:headEnd type="none" w="sm" len="sm"/>
-                      <a:tailEnd type="none" w="sm" len="sm"/>
-                    </a:lnR>
-                    <a:lnT w="19050" cap="flat" cmpd="sng">
-                      <a:solidFill>
-                        <a:srgbClr val="000000"/>
-                      </a:solidFill>
-                      <a:prstDash val="solid"/>
-                      <a:round/>
-                      <a:headEnd type="none" w="sm" len="sm"/>
-                      <a:tailEnd type="none" w="sm" len="sm"/>
-                    </a:lnT>
-                    <a:lnB w="19050" cap="flat" cmpd="sng">
-                      <a:solidFill>
-                        <a:srgbClr val="000000"/>
-                      </a:solidFill>
-                      <a:prstDash val="solid"/>
-                      <a:round/>
-                      <a:headEnd type="none" w="sm" len="sm"/>
-                      <a:tailEnd type="none" w="sm" len="sm"/>
-                    </a:lnB>
-                  </a:tcPr>
-                </a:tc>
-                <a:tc>
-                  <a:txBody>
-                    <a:bodyPr/>
-                    <a:lstStyle/>
-                    <a:p>
-                      <a:pPr marL="0" lvl="0" indent="0" algn="ctr" rtl="0">
-                        <a:spcBef>
-                          <a:spcPts val="0"/>
-                        </a:spcBef>
-                        <a:spcAft>
-                          <a:spcPts val="0"/>
-                        </a:spcAft>
-                        <a:buNone/>
-                      </a:pPr>
-                      <a:r>
-                        <a:rPr lang="fr-CH"/>
-                        <a:t>5</a:t>
-                      </a:r>
-                      <a:endParaRPr/>
-                    </a:p>
-                  </a:txBody>
-                  <a:tcPr marL="91425" marR="91425" marT="91425" marB="91425" anchor="ctr">
-                    <a:lnL w="19050" cap="flat" cmpd="sng">
-                      <a:solidFill>
-                        <a:srgbClr val="000000"/>
-                      </a:solidFill>
-                      <a:prstDash val="solid"/>
-                      <a:round/>
-                      <a:headEnd type="none" w="sm" len="sm"/>
-                      <a:tailEnd type="none" w="sm" len="sm"/>
-                    </a:lnL>
-                    <a:lnR w="19050" cap="flat" cmpd="sng">
-                      <a:solidFill>
-                        <a:srgbClr val="000000"/>
-                      </a:solidFill>
-                      <a:prstDash val="solid"/>
-                      <a:round/>
-                      <a:headEnd type="none" w="sm" len="sm"/>
-                      <a:tailEnd type="none" w="sm" len="sm"/>
-                    </a:lnR>
-                    <a:lnT w="19050" cap="flat" cmpd="sng">
-                      <a:solidFill>
-                        <a:srgbClr val="000000"/>
-                      </a:solidFill>
-                      <a:prstDash val="solid"/>
-                      <a:round/>
-                      <a:headEnd type="none" w="sm" len="sm"/>
-                      <a:tailEnd type="none" w="sm" len="sm"/>
-                    </a:lnT>
-                    <a:lnB w="19050" cap="flat" cmpd="sng">
-                      <a:solidFill>
-                        <a:srgbClr val="000000"/>
-                      </a:solidFill>
-                      <a:prstDash val="solid"/>
-                      <a:round/>
-                      <a:headEnd type="none" w="sm" len="sm"/>
-                      <a:tailEnd type="none" w="sm" len="sm"/>
-                    </a:lnB>
-                  </a:tcPr>
-                </a:tc>
-                <a:tc>
-                  <a:txBody>
-                    <a:bodyPr/>
-                    <a:lstStyle/>
-                    <a:p>
-                      <a:pPr marL="0" lvl="0" indent="0" algn="ctr" rtl="0">
-                        <a:spcBef>
-                          <a:spcPts val="0"/>
-                        </a:spcBef>
-                        <a:spcAft>
-                          <a:spcPts val="0"/>
-                        </a:spcAft>
-                        <a:buNone/>
-                      </a:pPr>
-                      <a:r>
-                        <a:rPr lang="fr-CH"/>
-                        <a:t>8</a:t>
-                      </a:r>
-                      <a:endParaRPr/>
-                    </a:p>
-                  </a:txBody>
-                  <a:tcPr marL="91425" marR="91425" marT="91425" marB="91425" anchor="ctr">
-                    <a:lnL w="19050" cap="flat" cmpd="sng">
-                      <a:solidFill>
-                        <a:srgbClr val="000000"/>
-                      </a:solidFill>
-                      <a:prstDash val="solid"/>
-                      <a:round/>
-                      <a:headEnd type="none" w="sm" len="sm"/>
-                      <a:tailEnd type="none" w="sm" len="sm"/>
-                    </a:lnL>
-                    <a:lnR w="38100" cap="flat" cmpd="sng">
-                      <a:solidFill>
-                        <a:srgbClr val="000000"/>
-                      </a:solidFill>
-                      <a:prstDash val="solid"/>
-                      <a:round/>
-                      <a:headEnd type="none" w="sm" len="sm"/>
-                      <a:tailEnd type="none" w="sm" len="sm"/>
-                    </a:lnR>
-                    <a:lnT w="19050" cap="flat" cmpd="sng">
-                      <a:solidFill>
-                        <a:srgbClr val="000000"/>
-                      </a:solidFill>
-                      <a:prstDash val="solid"/>
-                      <a:round/>
-                      <a:headEnd type="none" w="sm" len="sm"/>
-                      <a:tailEnd type="none" w="sm" len="sm"/>
-                    </a:lnT>
-                    <a:lnB w="19050" cap="flat" cmpd="sng">
-                      <a:solidFill>
-                        <a:srgbClr val="000000"/>
-                      </a:solidFill>
-                      <a:prstDash val="solid"/>
-                      <a:round/>
-                      <a:headEnd type="none" w="sm" len="sm"/>
-                      <a:tailEnd type="none" w="sm" len="sm"/>
-                    </a:lnB>
-                  </a:tcPr>
-                </a:tc>
-              </a:tr>
-              <a:tr h="381000">
-                <a:tc>
-                  <a:txBody>
-                    <a:bodyPr/>
-                    <a:lstStyle/>
-                    <a:p>
-                      <a:pPr marL="0" lvl="0" indent="0" rtl="0">
-                        <a:spcBef>
-                          <a:spcPts val="0"/>
-                        </a:spcBef>
-                        <a:spcAft>
-                          <a:spcPts val="0"/>
-                        </a:spcAft>
-                        <a:buNone/>
-                      </a:pPr>
-                      <a:r>
-                        <a:rPr lang="fr-CH"/>
-                        <a:t>Documentation</a:t>
-                      </a:r>
-                      <a:endParaRPr/>
-                    </a:p>
-                  </a:txBody>
-                  <a:tcPr marL="91425" marR="91425" marT="91425" marB="91425">
-                    <a:lnL w="38100" cap="flat" cmpd="sng">
-                      <a:solidFill>
-                        <a:srgbClr val="000000"/>
-                      </a:solidFill>
-                      <a:prstDash val="solid"/>
-                      <a:round/>
-                      <a:headEnd type="none" w="sm" len="sm"/>
-                      <a:tailEnd type="none" w="sm" len="sm"/>
-                    </a:lnL>
-                    <a:lnR w="19050" cap="flat" cmpd="sng">
-                      <a:solidFill>
-                        <a:srgbClr val="000000"/>
-                      </a:solidFill>
-                      <a:prstDash val="solid"/>
-                      <a:round/>
-                      <a:headEnd type="none" w="sm" len="sm"/>
-                      <a:tailEnd type="none" w="sm" len="sm"/>
-                    </a:lnR>
-                    <a:lnT w="19050" cap="flat" cmpd="sng">
-                      <a:solidFill>
-                        <a:srgbClr val="000000"/>
-                      </a:solidFill>
-                      <a:prstDash val="solid"/>
-                      <a:round/>
-                      <a:headEnd type="none" w="sm" len="sm"/>
-                      <a:tailEnd type="none" w="sm" len="sm"/>
-                    </a:lnT>
-                    <a:lnB w="19050" cap="flat" cmpd="sng">
-                      <a:solidFill>
-                        <a:srgbClr val="000000"/>
-                      </a:solidFill>
-                      <a:prstDash val="solid"/>
-                      <a:round/>
-                      <a:headEnd type="none" w="sm" len="sm"/>
-                      <a:tailEnd type="none" w="sm" len="sm"/>
-                    </a:lnB>
-                  </a:tcPr>
-                </a:tc>
-                <a:tc>
-                  <a:txBody>
-                    <a:bodyPr/>
-                    <a:lstStyle/>
-                    <a:p>
-                      <a:pPr marL="0" lvl="0" indent="0" algn="ctr" rtl="0">
-                        <a:spcBef>
-                          <a:spcPts val="0"/>
-                        </a:spcBef>
-                        <a:spcAft>
-                          <a:spcPts val="0"/>
-                        </a:spcAft>
-                        <a:buNone/>
-                      </a:pPr>
-                      <a:r>
-                        <a:rPr lang="fr-CH"/>
-                        <a:t>5</a:t>
-                      </a:r>
-                      <a:endParaRPr/>
-                    </a:p>
-                  </a:txBody>
-                  <a:tcPr marL="91425" marR="91425" marT="91425" marB="91425" anchor="ctr">
-                    <a:lnL w="19050" cap="flat" cmpd="sng">
-                      <a:solidFill>
-                        <a:srgbClr val="000000"/>
-                      </a:solidFill>
-                      <a:prstDash val="solid"/>
-                      <a:round/>
-                      <a:headEnd type="none" w="sm" len="sm"/>
-                      <a:tailEnd type="none" w="sm" len="sm"/>
-                    </a:lnL>
-                    <a:lnR w="38100" cap="flat" cmpd="sng">
-                      <a:solidFill>
-                        <a:srgbClr val="000000"/>
-                      </a:solidFill>
-                      <a:prstDash val="solid"/>
-                      <a:round/>
-                      <a:headEnd type="none" w="sm" len="sm"/>
-                      <a:tailEnd type="none" w="sm" len="sm"/>
-                    </a:lnR>
-                    <a:lnT w="19050" cap="flat" cmpd="sng">
-                      <a:solidFill>
-                        <a:srgbClr val="000000"/>
-                      </a:solidFill>
-                      <a:prstDash val="solid"/>
-                      <a:round/>
-                      <a:headEnd type="none" w="sm" len="sm"/>
-                      <a:tailEnd type="none" w="sm" len="sm"/>
-                    </a:lnT>
-                    <a:lnB w="19050" cap="flat" cmpd="sng">
-                      <a:solidFill>
-                        <a:srgbClr val="000000"/>
-                      </a:solidFill>
-                      <a:prstDash val="solid"/>
-                      <a:round/>
-                      <a:headEnd type="none" w="sm" len="sm"/>
-                      <a:tailEnd type="none" w="sm" len="sm"/>
-                    </a:lnB>
-                  </a:tcPr>
-                </a:tc>
-                <a:tc>
-                  <a:txBody>
-                    <a:bodyPr/>
-                    <a:lstStyle/>
-                    <a:p>
-                      <a:pPr marL="0" lvl="0" indent="0" algn="ctr" rtl="0">
-                        <a:spcBef>
-                          <a:spcPts val="0"/>
-                        </a:spcBef>
-                        <a:spcAft>
-                          <a:spcPts val="0"/>
-                        </a:spcAft>
-                        <a:buNone/>
-                      </a:pPr>
-                      <a:r>
-                        <a:rPr lang="fr-CH"/>
-                        <a:t>8</a:t>
-                      </a:r>
-                      <a:endParaRPr/>
-                    </a:p>
-                  </a:txBody>
-                  <a:tcPr marL="91425" marR="91425" marT="91425" marB="91425" anchor="ctr">
-                    <a:lnL w="38100" cap="flat" cmpd="sng">
-                      <a:solidFill>
-                        <a:srgbClr val="000000"/>
-                      </a:solidFill>
-                      <a:prstDash val="solid"/>
-                      <a:round/>
-                      <a:headEnd type="none" w="sm" len="sm"/>
-                      <a:tailEnd type="none" w="sm" len="sm"/>
-                    </a:lnL>
-                    <a:lnR w="19050" cap="flat" cmpd="sng">
-                      <a:solidFill>
-                        <a:srgbClr val="000000"/>
-                      </a:solidFill>
-                      <a:prstDash val="solid"/>
-                      <a:round/>
-                      <a:headEnd type="none" w="sm" len="sm"/>
-                      <a:tailEnd type="none" w="sm" len="sm"/>
-                    </a:lnR>
-                    <a:lnT w="19050" cap="flat" cmpd="sng">
-                      <a:solidFill>
-                        <a:srgbClr val="000000"/>
-                      </a:solidFill>
-                      <a:prstDash val="solid"/>
-                      <a:round/>
-                      <a:headEnd type="none" w="sm" len="sm"/>
-                      <a:tailEnd type="none" w="sm" len="sm"/>
-                    </a:lnT>
-                    <a:lnB w="19050" cap="flat" cmpd="sng">
-                      <a:solidFill>
-                        <a:srgbClr val="000000"/>
-                      </a:solidFill>
-                      <a:prstDash val="solid"/>
-                      <a:round/>
-                      <a:headEnd type="none" w="sm" len="sm"/>
-                      <a:tailEnd type="none" w="sm" len="sm"/>
-                    </a:lnB>
-                  </a:tcPr>
-                </a:tc>
-                <a:tc>
-                  <a:txBody>
-                    <a:bodyPr/>
-                    <a:lstStyle/>
-                    <a:p>
-                      <a:pPr marL="0" lvl="0" indent="0" algn="ctr" rtl="0">
-                        <a:spcBef>
-                          <a:spcPts val="0"/>
-                        </a:spcBef>
-                        <a:spcAft>
-                          <a:spcPts val="0"/>
-                        </a:spcAft>
-                        <a:buNone/>
-                      </a:pPr>
-                      <a:r>
-                        <a:rPr lang="fr-CH"/>
-                        <a:t>7</a:t>
-                      </a:r>
-                      <a:endParaRPr/>
-                    </a:p>
-                  </a:txBody>
-                  <a:tcPr marL="91425" marR="91425" marT="91425" marB="91425" anchor="ctr">
-                    <a:lnL w="19050" cap="flat" cmpd="sng">
-                      <a:solidFill>
-                        <a:srgbClr val="000000"/>
-                      </a:solidFill>
-                      <a:prstDash val="solid"/>
-                      <a:round/>
-                      <a:headEnd type="none" w="sm" len="sm"/>
-                      <a:tailEnd type="none" w="sm" len="sm"/>
-                    </a:lnL>
-                    <a:lnR w="19050" cap="flat" cmpd="sng">
-                      <a:solidFill>
-                        <a:srgbClr val="000000"/>
-                      </a:solidFill>
-                      <a:prstDash val="solid"/>
-                      <a:round/>
-                      <a:headEnd type="none" w="sm" len="sm"/>
-                      <a:tailEnd type="none" w="sm" len="sm"/>
-                    </a:lnR>
-                    <a:lnT w="19050" cap="flat" cmpd="sng">
-                      <a:solidFill>
-                        <a:srgbClr val="000000"/>
-                      </a:solidFill>
-                      <a:prstDash val="solid"/>
-                      <a:round/>
-                      <a:headEnd type="none" w="sm" len="sm"/>
-                      <a:tailEnd type="none" w="sm" len="sm"/>
-                    </a:lnT>
-                    <a:lnB w="19050" cap="flat" cmpd="sng">
-                      <a:solidFill>
-                        <a:srgbClr val="000000"/>
-                      </a:solidFill>
-                      <a:prstDash val="solid"/>
-                      <a:round/>
-                      <a:headEnd type="none" w="sm" len="sm"/>
-                      <a:tailEnd type="none" w="sm" len="sm"/>
-                    </a:lnB>
-                  </a:tcPr>
-                </a:tc>
-                <a:tc>
-                  <a:txBody>
-                    <a:bodyPr/>
-                    <a:lstStyle/>
-                    <a:p>
-                      <a:pPr marL="0" lvl="0" indent="0" algn="ctr" rtl="0">
-                        <a:spcBef>
-                          <a:spcPts val="0"/>
-                        </a:spcBef>
-                        <a:spcAft>
-                          <a:spcPts val="0"/>
-                        </a:spcAft>
-                        <a:buNone/>
-                      </a:pPr>
-                      <a:r>
-                        <a:rPr lang="fr-CH"/>
-                        <a:t>9</a:t>
-                      </a:r>
-                      <a:endParaRPr/>
-                    </a:p>
-                  </a:txBody>
-                  <a:tcPr marL="91425" marR="91425" marT="91425" marB="91425" anchor="ctr">
-                    <a:lnL w="19050" cap="flat" cmpd="sng">
-                      <a:solidFill>
-                        <a:srgbClr val="000000"/>
-                      </a:solidFill>
-                      <a:prstDash val="solid"/>
-                      <a:round/>
-                      <a:headEnd type="none" w="sm" len="sm"/>
-                      <a:tailEnd type="none" w="sm" len="sm"/>
-                    </a:lnL>
-                    <a:lnR w="38100" cap="flat" cmpd="sng">
-                      <a:solidFill>
-                        <a:srgbClr val="000000"/>
-                      </a:solidFill>
-                      <a:prstDash val="solid"/>
-                      <a:round/>
-                      <a:headEnd type="none" w="sm" len="sm"/>
-                      <a:tailEnd type="none" w="sm" len="sm"/>
-                    </a:lnR>
-                    <a:lnT w="19050" cap="flat" cmpd="sng">
-                      <a:solidFill>
-                        <a:srgbClr val="000000"/>
-                      </a:solidFill>
-                      <a:prstDash val="solid"/>
-                      <a:round/>
-                      <a:headEnd type="none" w="sm" len="sm"/>
-                      <a:tailEnd type="none" w="sm" len="sm"/>
-                    </a:lnT>
-                    <a:lnB w="19050" cap="flat" cmpd="sng">
-                      <a:solidFill>
-                        <a:srgbClr val="000000"/>
-                      </a:solidFill>
-                      <a:prstDash val="solid"/>
-                      <a:round/>
-                      <a:headEnd type="none" w="sm" len="sm"/>
-                      <a:tailEnd type="none" w="sm" len="sm"/>
-                    </a:lnB>
-                  </a:tcPr>
-                </a:tc>
-              </a:tr>
-              <a:tr h="381000">
-                <a:tc>
-                  <a:txBody>
-                    <a:bodyPr/>
-                    <a:lstStyle/>
-                    <a:p>
-                      <a:pPr marL="0" lvl="0" indent="0" rtl="0">
-                        <a:spcBef>
-                          <a:spcPts val="0"/>
-                        </a:spcBef>
-                        <a:spcAft>
-                          <a:spcPts val="0"/>
-                        </a:spcAft>
-                        <a:buNone/>
-                      </a:pPr>
-                      <a:r>
-                        <a:rPr lang="fr-CH"/>
-                        <a:t>Complexité</a:t>
-                      </a:r>
-                      <a:endParaRPr/>
-                    </a:p>
-                  </a:txBody>
-                  <a:tcPr marL="91425" marR="91425" marT="91425" marB="91425">
-                    <a:lnL w="38100" cap="flat" cmpd="sng">
-                      <a:solidFill>
-                        <a:srgbClr val="000000"/>
-                      </a:solidFill>
-                      <a:prstDash val="solid"/>
-                      <a:round/>
-                      <a:headEnd type="none" w="sm" len="sm"/>
-                      <a:tailEnd type="none" w="sm" len="sm"/>
-                    </a:lnL>
-                    <a:lnR w="19050" cap="flat" cmpd="sng">
-                      <a:solidFill>
-                        <a:srgbClr val="000000"/>
-                      </a:solidFill>
-                      <a:prstDash val="solid"/>
-                      <a:round/>
-                      <a:headEnd type="none" w="sm" len="sm"/>
-                      <a:tailEnd type="none" w="sm" len="sm"/>
-                    </a:lnR>
-                    <a:lnT w="19050" cap="flat" cmpd="sng">
-                      <a:solidFill>
-                        <a:srgbClr val="000000"/>
-                      </a:solidFill>
-                      <a:prstDash val="solid"/>
-                      <a:round/>
-                      <a:headEnd type="none" w="sm" len="sm"/>
-                      <a:tailEnd type="none" w="sm" len="sm"/>
-                    </a:lnT>
-                    <a:lnB w="19050" cap="flat" cmpd="sng">
-                      <a:solidFill>
-                        <a:srgbClr val="000000"/>
-                      </a:solidFill>
-                      <a:prstDash val="solid"/>
-                      <a:round/>
-                      <a:headEnd type="none" w="sm" len="sm"/>
-                      <a:tailEnd type="none" w="sm" len="sm"/>
-                    </a:lnB>
-                  </a:tcPr>
-                </a:tc>
-                <a:tc>
-                  <a:txBody>
-                    <a:bodyPr/>
-                    <a:lstStyle/>
-                    <a:p>
-                      <a:pPr marL="0" lvl="0" indent="0" algn="ctr" rtl="0">
-                        <a:spcBef>
-                          <a:spcPts val="0"/>
-                        </a:spcBef>
-                        <a:spcAft>
-                          <a:spcPts val="0"/>
-                        </a:spcAft>
-                        <a:buNone/>
-                      </a:pPr>
-                      <a:r>
-                        <a:rPr lang="fr-CH"/>
-                        <a:t>5</a:t>
-                      </a:r>
-                      <a:endParaRPr/>
-                    </a:p>
-                  </a:txBody>
-                  <a:tcPr marL="91425" marR="91425" marT="91425" marB="91425" anchor="ctr">
-                    <a:lnL w="19050" cap="flat" cmpd="sng">
-                      <a:solidFill>
-                        <a:srgbClr val="000000"/>
-                      </a:solidFill>
-                      <a:prstDash val="solid"/>
-                      <a:round/>
-                      <a:headEnd type="none" w="sm" len="sm"/>
-                      <a:tailEnd type="none" w="sm" len="sm"/>
-                    </a:lnL>
-                    <a:lnR w="38100" cap="flat" cmpd="sng">
-                      <a:solidFill>
-                        <a:srgbClr val="000000"/>
-                      </a:solidFill>
-                      <a:prstDash val="solid"/>
-                      <a:round/>
-                      <a:headEnd type="none" w="sm" len="sm"/>
-                      <a:tailEnd type="none" w="sm" len="sm"/>
-                    </a:lnR>
-                    <a:lnT w="19050" cap="flat" cmpd="sng">
-                      <a:solidFill>
-                        <a:srgbClr val="000000"/>
-                      </a:solidFill>
-                      <a:prstDash val="solid"/>
-                      <a:round/>
-                      <a:headEnd type="none" w="sm" len="sm"/>
-                      <a:tailEnd type="none" w="sm" len="sm"/>
-                    </a:lnT>
-                    <a:lnB w="19050" cap="flat" cmpd="sng">
-                      <a:solidFill>
-                        <a:srgbClr val="000000"/>
-                      </a:solidFill>
-                      <a:prstDash val="solid"/>
-                      <a:round/>
-                      <a:headEnd type="none" w="sm" len="sm"/>
-                      <a:tailEnd type="none" w="sm" len="sm"/>
-                    </a:lnB>
-                  </a:tcPr>
-                </a:tc>
-                <a:tc>
-                  <a:txBody>
-                    <a:bodyPr/>
-                    <a:lstStyle/>
-                    <a:p>
-                      <a:pPr marL="0" lvl="0" indent="0" algn="ctr" rtl="0">
-                        <a:spcBef>
-                          <a:spcPts val="0"/>
-                        </a:spcBef>
-                        <a:spcAft>
-                          <a:spcPts val="0"/>
-                        </a:spcAft>
-                        <a:buNone/>
-                      </a:pPr>
-                      <a:r>
-                        <a:rPr lang="fr-CH"/>
-                        <a:t>6</a:t>
-                      </a:r>
-                      <a:endParaRPr/>
-                    </a:p>
-                  </a:txBody>
-                  <a:tcPr marL="91425" marR="91425" marT="91425" marB="91425" anchor="ctr">
-                    <a:lnL w="38100" cap="flat" cmpd="sng">
-                      <a:solidFill>
-                        <a:srgbClr val="000000"/>
-                      </a:solidFill>
-                      <a:prstDash val="solid"/>
-                      <a:round/>
-                      <a:headEnd type="none" w="sm" len="sm"/>
-                      <a:tailEnd type="none" w="sm" len="sm"/>
-                    </a:lnL>
-                    <a:lnR w="19050" cap="flat" cmpd="sng">
-                      <a:solidFill>
-                        <a:srgbClr val="000000"/>
-                      </a:solidFill>
-                      <a:prstDash val="solid"/>
-                      <a:round/>
-                      <a:headEnd type="none" w="sm" len="sm"/>
-                      <a:tailEnd type="none" w="sm" len="sm"/>
-                    </a:lnR>
-                    <a:lnT w="19050" cap="flat" cmpd="sng">
-                      <a:solidFill>
-                        <a:srgbClr val="000000"/>
-                      </a:solidFill>
-                      <a:prstDash val="solid"/>
-                      <a:round/>
-                      <a:headEnd type="none" w="sm" len="sm"/>
-                      <a:tailEnd type="none" w="sm" len="sm"/>
-                    </a:lnT>
-                    <a:lnB w="19050" cap="flat" cmpd="sng">
-                      <a:solidFill>
-                        <a:srgbClr val="000000"/>
-                      </a:solidFill>
-                      <a:prstDash val="solid"/>
-                      <a:round/>
-                      <a:headEnd type="none" w="sm" len="sm"/>
-                      <a:tailEnd type="none" w="sm" len="sm"/>
-                    </a:lnB>
-                  </a:tcPr>
-                </a:tc>
-                <a:tc>
-                  <a:txBody>
-                    <a:bodyPr/>
-                    <a:lstStyle/>
-                    <a:p>
-                      <a:pPr marL="0" lvl="0" indent="0" algn="ctr" rtl="0">
-                        <a:spcBef>
-                          <a:spcPts val="0"/>
-                        </a:spcBef>
-                        <a:spcAft>
-                          <a:spcPts val="0"/>
-                        </a:spcAft>
-                        <a:buNone/>
-                      </a:pPr>
-                      <a:r>
-                        <a:rPr lang="fr-CH"/>
-                        <a:t>6</a:t>
-                      </a:r>
-                      <a:endParaRPr/>
-                    </a:p>
-                  </a:txBody>
-                  <a:tcPr marL="91425" marR="91425" marT="91425" marB="91425" anchor="ctr">
-                    <a:lnL w="19050" cap="flat" cmpd="sng">
-                      <a:solidFill>
-                        <a:srgbClr val="000000"/>
-                      </a:solidFill>
-                      <a:prstDash val="solid"/>
-                      <a:round/>
-                      <a:headEnd type="none" w="sm" len="sm"/>
-                      <a:tailEnd type="none" w="sm" len="sm"/>
-                    </a:lnL>
-                    <a:lnR w="19050" cap="flat" cmpd="sng">
-                      <a:solidFill>
-                        <a:srgbClr val="000000"/>
-                      </a:solidFill>
-                      <a:prstDash val="solid"/>
-                      <a:round/>
-                      <a:headEnd type="none" w="sm" len="sm"/>
-                      <a:tailEnd type="none" w="sm" len="sm"/>
-                    </a:lnR>
-                    <a:lnT w="19050" cap="flat" cmpd="sng">
-                      <a:solidFill>
-                        <a:srgbClr val="000000"/>
-                      </a:solidFill>
-                      <a:prstDash val="solid"/>
-                      <a:round/>
-                      <a:headEnd type="none" w="sm" len="sm"/>
-                      <a:tailEnd type="none" w="sm" len="sm"/>
-                    </a:lnT>
-                    <a:lnB w="19050" cap="flat" cmpd="sng">
-                      <a:solidFill>
-                        <a:srgbClr val="000000"/>
-                      </a:solidFill>
-                      <a:prstDash val="solid"/>
-                      <a:round/>
-                      <a:headEnd type="none" w="sm" len="sm"/>
-                      <a:tailEnd type="none" w="sm" len="sm"/>
-                    </a:lnB>
-                  </a:tcPr>
-                </a:tc>
-                <a:tc>
-                  <a:txBody>
-                    <a:bodyPr/>
-                    <a:lstStyle/>
-                    <a:p>
-                      <a:pPr marL="0" lvl="0" indent="0" algn="ctr" rtl="0">
-                        <a:spcBef>
-                          <a:spcPts val="0"/>
-                        </a:spcBef>
-                        <a:spcAft>
-                          <a:spcPts val="0"/>
-                        </a:spcAft>
-                        <a:buNone/>
-                      </a:pPr>
-                      <a:r>
-                        <a:rPr lang="fr-CH"/>
-                        <a:t>7</a:t>
-                      </a:r>
-                      <a:endParaRPr/>
-                    </a:p>
-                  </a:txBody>
-                  <a:tcPr marL="91425" marR="91425" marT="91425" marB="91425" anchor="ctr">
-                    <a:lnL w="19050" cap="flat" cmpd="sng">
-                      <a:solidFill>
-                        <a:srgbClr val="000000"/>
-                      </a:solidFill>
-                      <a:prstDash val="solid"/>
-                      <a:round/>
-                      <a:headEnd type="none" w="sm" len="sm"/>
-                      <a:tailEnd type="none" w="sm" len="sm"/>
-                    </a:lnL>
-                    <a:lnR w="38100" cap="flat" cmpd="sng">
-                      <a:solidFill>
-                        <a:srgbClr val="000000"/>
-                      </a:solidFill>
-                      <a:prstDash val="solid"/>
-                      <a:round/>
-                      <a:headEnd type="none" w="sm" len="sm"/>
-                      <a:tailEnd type="none" w="sm" len="sm"/>
-                    </a:lnR>
-                    <a:lnT w="19050" cap="flat" cmpd="sng">
-                      <a:solidFill>
-                        <a:srgbClr val="000000"/>
-                      </a:solidFill>
-                      <a:prstDash val="solid"/>
-                      <a:round/>
-                      <a:headEnd type="none" w="sm" len="sm"/>
-                      <a:tailEnd type="none" w="sm" len="sm"/>
-                    </a:lnT>
-                    <a:lnB w="19050" cap="flat" cmpd="sng">
+                    <a:lnB w="19050" cap="flat" cmpd="sng" algn="ctr">
                       <a:solidFill>
                         <a:srgbClr val="000000"/>
                       </a:solidFill>
@@ -19215,7 +18017,7 @@
                       <a:headEnd type="none" w="sm" len="sm"/>
                       <a:tailEnd type="none" w="sm" len="sm"/>
                     </a:lnL>
-                    <a:lnR w="19050" cap="flat" cmpd="sng">
+                    <a:lnR w="19050" cap="flat" cmpd="sng" algn="ctr">
                       <a:solidFill>
                         <a:srgbClr val="000000"/>
                       </a:solidFill>
@@ -19224,7 +18026,7 @@
                       <a:headEnd type="none" w="sm" len="sm"/>
                       <a:tailEnd type="none" w="sm" len="sm"/>
                     </a:lnR>
-                    <a:lnT w="19050" cap="flat" cmpd="sng">
+                    <a:lnT w="19050" cap="flat" cmpd="sng" algn="ctr">
                       <a:solidFill>
                         <a:srgbClr val="000000"/>
                       </a:solidFill>
@@ -19233,7 +18035,429 @@
                       <a:headEnd type="none" w="sm" len="sm"/>
                       <a:tailEnd type="none" w="sm" len="sm"/>
                     </a:lnT>
-                    <a:lnB w="19050" cap="flat" cmpd="sng">
+                    <a:lnB w="19050" cap="flat" cmpd="sng" algn="ctr">
+                      <a:solidFill>
+                        <a:srgbClr val="000000"/>
+                      </a:solidFill>
+                      <a:prstDash val="solid"/>
+                      <a:round/>
+                      <a:headEnd type="none" w="sm" len="sm"/>
+                      <a:tailEnd type="none" w="sm" len="sm"/>
+                    </a:lnB>
+                  </a:tcPr>
+                </a:tc>
+                <a:tc>
+                  <a:txBody>
+                    <a:bodyPr/>
+                    <a:lstStyle/>
+                    <a:p>
+                      <a:pPr marL="0" lvl="0" indent="0" algn="ctr" rtl="0">
+                        <a:spcBef>
+                          <a:spcPts val="0"/>
+                        </a:spcBef>
+                        <a:spcAft>
+                          <a:spcPts val="0"/>
+                        </a:spcAft>
+                        <a:buNone/>
+                      </a:pPr>
+                      <a:r>
+                        <a:rPr lang="fr-CH" dirty="0"/>
+                        <a:t>7</a:t>
+                      </a:r>
+                      <a:endParaRPr dirty="0"/>
+                    </a:p>
+                  </a:txBody>
+                  <a:tcPr marL="91425" marR="91425" marT="91425" marB="91425" anchor="ctr">
+                    <a:lnL w="19050" cap="flat" cmpd="sng" algn="ctr">
+                      <a:solidFill>
+                        <a:srgbClr val="000000"/>
+                      </a:solidFill>
+                      <a:prstDash val="solid"/>
+                      <a:round/>
+                      <a:headEnd type="none" w="sm" len="sm"/>
+                      <a:tailEnd type="none" w="sm" len="sm"/>
+                    </a:lnL>
+                    <a:lnR w="38100" cap="flat" cmpd="sng" algn="ctr">
+                      <a:solidFill>
+                        <a:srgbClr val="000000"/>
+                      </a:solidFill>
+                      <a:prstDash val="solid"/>
+                      <a:round/>
+                      <a:headEnd type="none" w="sm" len="sm"/>
+                      <a:tailEnd type="none" w="sm" len="sm"/>
+                    </a:lnR>
+                    <a:lnT w="19050" cap="flat" cmpd="sng" algn="ctr">
+                      <a:solidFill>
+                        <a:srgbClr val="000000"/>
+                      </a:solidFill>
+                      <a:prstDash val="solid"/>
+                      <a:round/>
+                      <a:headEnd type="none" w="sm" len="sm"/>
+                      <a:tailEnd type="none" w="sm" len="sm"/>
+                    </a:lnT>
+                    <a:lnB w="19050" cap="flat" cmpd="sng" algn="ctr">
+                      <a:solidFill>
+                        <a:srgbClr val="000000"/>
+                      </a:solidFill>
+                      <a:prstDash val="solid"/>
+                      <a:round/>
+                      <a:headEnd type="none" w="sm" len="sm"/>
+                      <a:tailEnd type="none" w="sm" len="sm"/>
+                    </a:lnB>
+                  </a:tcPr>
+                </a:tc>
+                <a:tc>
+                  <a:txBody>
+                    <a:bodyPr/>
+                    <a:lstStyle/>
+                    <a:p>
+                      <a:pPr marL="0" lvl="0" indent="0" algn="ctr" rtl="0">
+                        <a:spcBef>
+                          <a:spcPts val="0"/>
+                        </a:spcBef>
+                        <a:spcAft>
+                          <a:spcPts val="0"/>
+                        </a:spcAft>
+                        <a:buNone/>
+                      </a:pPr>
+                      <a:r>
+                        <a:rPr lang="fr-CH" dirty="0"/>
+                        <a:t>7</a:t>
+                      </a:r>
+                      <a:endParaRPr dirty="0"/>
+                    </a:p>
+                  </a:txBody>
+                  <a:tcPr marL="91425" marR="91425" marT="91425" marB="91425" anchor="ctr">
+                    <a:lnL w="38100" cap="flat" cmpd="sng" algn="ctr">
+                      <a:solidFill>
+                        <a:srgbClr val="000000"/>
+                      </a:solidFill>
+                      <a:prstDash val="solid"/>
+                      <a:round/>
+                      <a:headEnd type="none" w="sm" len="sm"/>
+                      <a:tailEnd type="none" w="sm" len="sm"/>
+                    </a:lnL>
+                    <a:lnR w="19050" cap="flat" cmpd="sng" algn="ctr">
+                      <a:solidFill>
+                        <a:srgbClr val="000000"/>
+                      </a:solidFill>
+                      <a:prstDash val="solid"/>
+                      <a:round/>
+                      <a:headEnd type="none" w="sm" len="sm"/>
+                      <a:tailEnd type="none" w="sm" len="sm"/>
+                    </a:lnR>
+                    <a:lnT w="19050" cap="flat" cmpd="sng" algn="ctr">
+                      <a:solidFill>
+                        <a:srgbClr val="000000"/>
+                      </a:solidFill>
+                      <a:prstDash val="solid"/>
+                      <a:round/>
+                      <a:headEnd type="none" w="sm" len="sm"/>
+                      <a:tailEnd type="none" w="sm" len="sm"/>
+                    </a:lnT>
+                    <a:lnB w="19050" cap="flat" cmpd="sng" algn="ctr">
+                      <a:solidFill>
+                        <a:srgbClr val="000000"/>
+                      </a:solidFill>
+                      <a:prstDash val="solid"/>
+                      <a:round/>
+                      <a:headEnd type="none" w="sm" len="sm"/>
+                      <a:tailEnd type="none" w="sm" len="sm"/>
+                    </a:lnB>
+                  </a:tcPr>
+                </a:tc>
+                <a:tc>
+                  <a:txBody>
+                    <a:bodyPr/>
+                    <a:lstStyle/>
+                    <a:p>
+                      <a:pPr marL="0" lvl="0" indent="0" algn="ctr" rtl="0">
+                        <a:spcBef>
+                          <a:spcPts val="0"/>
+                        </a:spcBef>
+                        <a:spcAft>
+                          <a:spcPts val="0"/>
+                        </a:spcAft>
+                        <a:buNone/>
+                      </a:pPr>
+                      <a:r>
+                        <a:rPr lang="fr-CH" dirty="0"/>
+                        <a:t>7</a:t>
+                      </a:r>
+                      <a:endParaRPr dirty="0"/>
+                    </a:p>
+                  </a:txBody>
+                  <a:tcPr marL="91425" marR="91425" marT="91425" marB="91425" anchor="ctr">
+                    <a:lnL w="19050" cap="flat" cmpd="sng" algn="ctr">
+                      <a:solidFill>
+                        <a:srgbClr val="000000"/>
+                      </a:solidFill>
+                      <a:prstDash val="solid"/>
+                      <a:round/>
+                      <a:headEnd type="none" w="sm" len="sm"/>
+                      <a:tailEnd type="none" w="sm" len="sm"/>
+                    </a:lnL>
+                    <a:lnR w="19050" cap="flat" cmpd="sng" algn="ctr">
+                      <a:solidFill>
+                        <a:srgbClr val="000000"/>
+                      </a:solidFill>
+                      <a:prstDash val="solid"/>
+                      <a:round/>
+                      <a:headEnd type="none" w="sm" len="sm"/>
+                      <a:tailEnd type="none" w="sm" len="sm"/>
+                    </a:lnR>
+                    <a:lnT w="19050" cap="flat" cmpd="sng" algn="ctr">
+                      <a:solidFill>
+                        <a:srgbClr val="000000"/>
+                      </a:solidFill>
+                      <a:prstDash val="solid"/>
+                      <a:round/>
+                      <a:headEnd type="none" w="sm" len="sm"/>
+                      <a:tailEnd type="none" w="sm" len="sm"/>
+                    </a:lnT>
+                    <a:lnB w="19050" cap="flat" cmpd="sng" algn="ctr">
+                      <a:solidFill>
+                        <a:srgbClr val="000000"/>
+                      </a:solidFill>
+                      <a:prstDash val="solid"/>
+                      <a:round/>
+                      <a:headEnd type="none" w="sm" len="sm"/>
+                      <a:tailEnd type="none" w="sm" len="sm"/>
+                    </a:lnB>
+                  </a:tcPr>
+                </a:tc>
+                <a:tc>
+                  <a:txBody>
+                    <a:bodyPr/>
+                    <a:lstStyle/>
+                    <a:p>
+                      <a:pPr marL="0" lvl="0" indent="0" algn="ctr" rtl="0">
+                        <a:spcBef>
+                          <a:spcPts val="0"/>
+                        </a:spcBef>
+                        <a:spcAft>
+                          <a:spcPts val="0"/>
+                        </a:spcAft>
+                        <a:buNone/>
+                      </a:pPr>
+                      <a:r>
+                        <a:rPr lang="fr-CH" dirty="0"/>
+                        <a:t>5</a:t>
+                      </a:r>
+                      <a:endParaRPr dirty="0"/>
+                    </a:p>
+                  </a:txBody>
+                  <a:tcPr marL="91425" marR="91425" marT="91425" marB="91425" anchor="ctr">
+                    <a:lnL w="19050" cap="flat" cmpd="sng" algn="ctr">
+                      <a:solidFill>
+                        <a:srgbClr val="000000"/>
+                      </a:solidFill>
+                      <a:prstDash val="solid"/>
+                      <a:round/>
+                      <a:headEnd type="none" w="sm" len="sm"/>
+                      <a:tailEnd type="none" w="sm" len="sm"/>
+                    </a:lnL>
+                    <a:lnR w="38100" cap="flat" cmpd="sng">
+                      <a:solidFill>
+                        <a:srgbClr val="000000"/>
+                      </a:solidFill>
+                      <a:prstDash val="solid"/>
+                      <a:round/>
+                      <a:headEnd type="none" w="sm" len="sm"/>
+                      <a:tailEnd type="none" w="sm" len="sm"/>
+                    </a:lnR>
+                    <a:lnT w="19050" cap="flat" cmpd="sng" algn="ctr">
+                      <a:solidFill>
+                        <a:srgbClr val="000000"/>
+                      </a:solidFill>
+                      <a:prstDash val="solid"/>
+                      <a:round/>
+                      <a:headEnd type="none" w="sm" len="sm"/>
+                      <a:tailEnd type="none" w="sm" len="sm"/>
+                    </a:lnT>
+                    <a:lnB w="19050" cap="flat" cmpd="sng" algn="ctr">
+                      <a:solidFill>
+                        <a:srgbClr val="000000"/>
+                      </a:solidFill>
+                      <a:prstDash val="solid"/>
+                      <a:round/>
+                      <a:headEnd type="none" w="sm" len="sm"/>
+                      <a:tailEnd type="none" w="sm" len="sm"/>
+                    </a:lnB>
+                  </a:tcPr>
+                </a:tc>
+              </a:tr>
+              <a:tr h="381000">
+                <a:tc>
+                  <a:txBody>
+                    <a:bodyPr/>
+                    <a:lstStyle/>
+                    <a:p>
+                      <a:pPr marL="0" lvl="0" indent="0" rtl="0">
+                        <a:spcBef>
+                          <a:spcPts val="0"/>
+                        </a:spcBef>
+                        <a:spcAft>
+                          <a:spcPts val="0"/>
+                        </a:spcAft>
+                        <a:buNone/>
+                      </a:pPr>
+                      <a:r>
+                        <a:rPr lang="fr-CH" dirty="0"/>
+                        <a:t>Documentation</a:t>
+                      </a:r>
+                      <a:endParaRPr dirty="0"/>
+                    </a:p>
+                  </a:txBody>
+                  <a:tcPr marL="91425" marR="91425" marT="91425" marB="91425">
+                    <a:lnL w="38100" cap="flat" cmpd="sng">
+                      <a:solidFill>
+                        <a:srgbClr val="000000"/>
+                      </a:solidFill>
+                      <a:prstDash val="solid"/>
+                      <a:round/>
+                      <a:headEnd type="none" w="sm" len="sm"/>
+                      <a:tailEnd type="none" w="sm" len="sm"/>
+                    </a:lnL>
+                    <a:lnR w="19050" cap="flat" cmpd="sng" algn="ctr">
+                      <a:solidFill>
+                        <a:srgbClr val="000000"/>
+                      </a:solidFill>
+                      <a:prstDash val="solid"/>
+                      <a:round/>
+                      <a:headEnd type="none" w="sm" len="sm"/>
+                      <a:tailEnd type="none" w="sm" len="sm"/>
+                    </a:lnR>
+                    <a:lnT w="19050" cap="flat" cmpd="sng" algn="ctr">
+                      <a:solidFill>
+                        <a:srgbClr val="000000"/>
+                      </a:solidFill>
+                      <a:prstDash val="solid"/>
+                      <a:round/>
+                      <a:headEnd type="none" w="sm" len="sm"/>
+                      <a:tailEnd type="none" w="sm" len="sm"/>
+                    </a:lnT>
+                    <a:lnB w="19050" cap="flat" cmpd="sng" algn="ctr">
+                      <a:solidFill>
+                        <a:srgbClr val="000000"/>
+                      </a:solidFill>
+                      <a:prstDash val="solid"/>
+                      <a:round/>
+                      <a:headEnd type="none" w="sm" len="sm"/>
+                      <a:tailEnd type="none" w="sm" len="sm"/>
+                    </a:lnB>
+                  </a:tcPr>
+                </a:tc>
+                <a:tc>
+                  <a:txBody>
+                    <a:bodyPr/>
+                    <a:lstStyle/>
+                    <a:p>
+                      <a:pPr marL="0" lvl="0" indent="0" algn="ctr" rtl="0">
+                        <a:spcBef>
+                          <a:spcPts val="0"/>
+                        </a:spcBef>
+                        <a:spcAft>
+                          <a:spcPts val="0"/>
+                        </a:spcAft>
+                        <a:buNone/>
+                      </a:pPr>
+                      <a:r>
+                        <a:rPr lang="fr-CH" dirty="0"/>
+                        <a:t>5</a:t>
+                      </a:r>
+                      <a:endParaRPr dirty="0"/>
+                    </a:p>
+                  </a:txBody>
+                  <a:tcPr marL="91425" marR="91425" marT="91425" marB="91425" anchor="ctr">
+                    <a:lnL w="19050" cap="flat" cmpd="sng" algn="ctr">
+                      <a:solidFill>
+                        <a:srgbClr val="000000"/>
+                      </a:solidFill>
+                      <a:prstDash val="solid"/>
+                      <a:round/>
+                      <a:headEnd type="none" w="sm" len="sm"/>
+                      <a:tailEnd type="none" w="sm" len="sm"/>
+                    </a:lnL>
+                    <a:lnR w="38100" cap="flat" cmpd="sng" algn="ctr">
+                      <a:solidFill>
+                        <a:srgbClr val="000000"/>
+                      </a:solidFill>
+                      <a:prstDash val="solid"/>
+                      <a:round/>
+                      <a:headEnd type="none" w="sm" len="sm"/>
+                      <a:tailEnd type="none" w="sm" len="sm"/>
+                    </a:lnR>
+                    <a:lnT w="19050" cap="flat" cmpd="sng" algn="ctr">
+                      <a:solidFill>
+                        <a:srgbClr val="000000"/>
+                      </a:solidFill>
+                      <a:prstDash val="solid"/>
+                      <a:round/>
+                      <a:headEnd type="none" w="sm" len="sm"/>
+                      <a:tailEnd type="none" w="sm" len="sm"/>
+                    </a:lnT>
+                    <a:lnB w="19050" cap="flat" cmpd="sng" algn="ctr">
+                      <a:solidFill>
+                        <a:srgbClr val="000000"/>
+                      </a:solidFill>
+                      <a:prstDash val="solid"/>
+                      <a:round/>
+                      <a:headEnd type="none" w="sm" len="sm"/>
+                      <a:tailEnd type="none" w="sm" len="sm"/>
+                    </a:lnB>
+                  </a:tcPr>
+                </a:tc>
+                <a:tc>
+                  <a:txBody>
+                    <a:bodyPr/>
+                    <a:lstStyle/>
+                    <a:p>
+                      <a:pPr marL="0" lvl="0" indent="0" algn="ctr" rtl="0">
+                        <a:spcBef>
+                          <a:spcPts val="0"/>
+                        </a:spcBef>
+                        <a:spcAft>
+                          <a:spcPts val="0"/>
+                        </a:spcAft>
+                        <a:buNone/>
+                      </a:pPr>
+                      <a:r>
+                        <a:rPr lang="fr-CH" dirty="0"/>
+                        <a:t>8</a:t>
+                      </a:r>
+                      <a:endParaRPr dirty="0"/>
+                    </a:p>
+                  </a:txBody>
+                  <a:tcPr marL="91425" marR="91425" marT="91425" marB="91425" anchor="ctr">
+                    <a:lnL w="38100" cap="flat" cmpd="sng" algn="ctr">
+                      <a:solidFill>
+                        <a:srgbClr val="000000"/>
+                      </a:solidFill>
+                      <a:prstDash val="solid"/>
+                      <a:round/>
+                      <a:headEnd type="none" w="sm" len="sm"/>
+                      <a:tailEnd type="none" w="sm" len="sm"/>
+                    </a:lnL>
+                    <a:lnR w="19050" cap="flat" cmpd="sng" algn="ctr">
+                      <a:solidFill>
+                        <a:srgbClr val="000000"/>
+                      </a:solidFill>
+                      <a:prstDash val="solid"/>
+                      <a:round/>
+                      <a:headEnd type="none" w="sm" len="sm"/>
+                      <a:tailEnd type="none" w="sm" len="sm"/>
+                    </a:lnR>
+                    <a:lnT w="19050" cap="flat" cmpd="sng" algn="ctr">
+                      <a:solidFill>
+                        <a:srgbClr val="000000"/>
+                      </a:solidFill>
+                      <a:prstDash val="solid"/>
+                      <a:round/>
+                      <a:headEnd type="none" w="sm" len="sm"/>
+                      <a:tailEnd type="none" w="sm" len="sm"/>
+                    </a:lnT>
+                    <a:lnB w="19050" cap="flat" cmpd="sng" algn="ctr">
                       <a:solidFill>
                         <a:srgbClr val="000000"/>
                       </a:solidFill>
@@ -19266,7 +18490,7 @@
                     </a:p>
                   </a:txBody>
                   <a:tcPr marL="91425" marR="91425" marT="91425" marB="91425" anchor="ctr">
-                    <a:lnL w="19050" cap="flat" cmpd="sng">
+                    <a:lnL w="19050" cap="flat" cmpd="sng" algn="ctr">
                       <a:solidFill>
                         <a:srgbClr val="000000"/>
                       </a:solidFill>
@@ -19275,7 +18499,7 @@
                       <a:headEnd type="none" w="sm" len="sm"/>
                       <a:tailEnd type="none" w="sm" len="sm"/>
                     </a:lnL>
-                    <a:lnR w="38100" cap="flat" cmpd="sng">
+                    <a:lnR w="19050" cap="flat" cmpd="sng" algn="ctr">
                       <a:solidFill>
                         <a:srgbClr val="000000"/>
                       </a:solidFill>
@@ -19284,7 +18508,7 @@
                       <a:headEnd type="none" w="sm" len="sm"/>
                       <a:tailEnd type="none" w="sm" len="sm"/>
                     </a:lnR>
-                    <a:lnT w="19050" cap="flat" cmpd="sng">
+                    <a:lnT w="19050" cap="flat" cmpd="sng" algn="ctr">
                       <a:solidFill>
                         <a:srgbClr val="000000"/>
                       </a:solidFill>
@@ -19293,7 +18517,7 @@
                       <a:headEnd type="none" w="sm" len="sm"/>
                       <a:tailEnd type="none" w="sm" len="sm"/>
                     </a:lnT>
-                    <a:lnB w="19050" cap="flat" cmpd="sng">
+                    <a:lnB w="19050" cap="flat" cmpd="sng" algn="ctr">
                       <a:solidFill>
                         <a:srgbClr val="000000"/>
                       </a:solidFill>
@@ -19319,134 +18543,14 @@
                         <a:buNone/>
                       </a:pPr>
                       <a:r>
-                        <a:rPr lang="fr-CH"/>
-                        <a:t>7</a:t>
+                        <a:rPr lang="fr-CH" dirty="0"/>
+                        <a:t>9</a:t>
                       </a:r>
-                      <a:endParaRPr/>
+                      <a:endParaRPr dirty="0"/>
                     </a:p>
                   </a:txBody>
                   <a:tcPr marL="91425" marR="91425" marT="91425" marB="91425" anchor="ctr">
-                    <a:lnL w="38100" cap="flat" cmpd="sng">
-                      <a:solidFill>
-                        <a:srgbClr val="000000"/>
-                      </a:solidFill>
-                      <a:prstDash val="solid"/>
-                      <a:round/>
-                      <a:headEnd type="none" w="sm" len="sm"/>
-                      <a:tailEnd type="none" w="sm" len="sm"/>
-                    </a:lnL>
-                    <a:lnR w="19050" cap="flat" cmpd="sng">
-                      <a:solidFill>
-                        <a:srgbClr val="000000"/>
-                      </a:solidFill>
-                      <a:prstDash val="solid"/>
-                      <a:round/>
-                      <a:headEnd type="none" w="sm" len="sm"/>
-                      <a:tailEnd type="none" w="sm" len="sm"/>
-                    </a:lnR>
-                    <a:lnT w="19050" cap="flat" cmpd="sng">
-                      <a:solidFill>
-                        <a:srgbClr val="000000"/>
-                      </a:solidFill>
-                      <a:prstDash val="solid"/>
-                      <a:round/>
-                      <a:headEnd type="none" w="sm" len="sm"/>
-                      <a:tailEnd type="none" w="sm" len="sm"/>
-                    </a:lnT>
-                    <a:lnB w="19050" cap="flat" cmpd="sng">
-                      <a:solidFill>
-                        <a:srgbClr val="000000"/>
-                      </a:solidFill>
-                      <a:prstDash val="solid"/>
-                      <a:round/>
-                      <a:headEnd type="none" w="sm" len="sm"/>
-                      <a:tailEnd type="none" w="sm" len="sm"/>
-                    </a:lnB>
-                  </a:tcPr>
-                </a:tc>
-                <a:tc>
-                  <a:txBody>
-                    <a:bodyPr/>
-                    <a:lstStyle/>
-                    <a:p>
-                      <a:pPr marL="0" lvl="0" indent="0" algn="ctr" rtl="0">
-                        <a:spcBef>
-                          <a:spcPts val="0"/>
-                        </a:spcBef>
-                        <a:spcAft>
-                          <a:spcPts val="0"/>
-                        </a:spcAft>
-                        <a:buNone/>
-                      </a:pPr>
-                      <a:r>
-                        <a:rPr lang="fr-CH"/>
-                        <a:t>7</a:t>
-                      </a:r>
-                      <a:endParaRPr/>
-                    </a:p>
-                  </a:txBody>
-                  <a:tcPr marL="91425" marR="91425" marT="91425" marB="91425" anchor="ctr">
-                    <a:lnL w="19050" cap="flat" cmpd="sng">
-                      <a:solidFill>
-                        <a:srgbClr val="000000"/>
-                      </a:solidFill>
-                      <a:prstDash val="solid"/>
-                      <a:round/>
-                      <a:headEnd type="none" w="sm" len="sm"/>
-                      <a:tailEnd type="none" w="sm" len="sm"/>
-                    </a:lnL>
-                    <a:lnR w="19050" cap="flat" cmpd="sng">
-                      <a:solidFill>
-                        <a:srgbClr val="000000"/>
-                      </a:solidFill>
-                      <a:prstDash val="solid"/>
-                      <a:round/>
-                      <a:headEnd type="none" w="sm" len="sm"/>
-                      <a:tailEnd type="none" w="sm" len="sm"/>
-                    </a:lnR>
-                    <a:lnT w="19050" cap="flat" cmpd="sng">
-                      <a:solidFill>
-                        <a:srgbClr val="000000"/>
-                      </a:solidFill>
-                      <a:prstDash val="solid"/>
-                      <a:round/>
-                      <a:headEnd type="none" w="sm" len="sm"/>
-                      <a:tailEnd type="none" w="sm" len="sm"/>
-                    </a:lnT>
-                    <a:lnB w="19050" cap="flat" cmpd="sng">
-                      <a:solidFill>
-                        <a:srgbClr val="000000"/>
-                      </a:solidFill>
-                      <a:prstDash val="solid"/>
-                      <a:round/>
-                      <a:headEnd type="none" w="sm" len="sm"/>
-                      <a:tailEnd type="none" w="sm" len="sm"/>
-                    </a:lnB>
-                  </a:tcPr>
-                </a:tc>
-                <a:tc>
-                  <a:txBody>
-                    <a:bodyPr/>
-                    <a:lstStyle/>
-                    <a:p>
-                      <a:pPr marL="0" lvl="0" indent="0" algn="ctr" rtl="0">
-                        <a:spcBef>
-                          <a:spcPts val="0"/>
-                        </a:spcBef>
-                        <a:spcAft>
-                          <a:spcPts val="0"/>
-                        </a:spcAft>
-                        <a:buNone/>
-                      </a:pPr>
-                      <a:r>
-                        <a:rPr lang="fr-CH"/>
-                        <a:t>5</a:t>
-                      </a:r>
-                      <a:endParaRPr/>
-                    </a:p>
-                  </a:txBody>
-                  <a:tcPr marL="91425" marR="91425" marT="91425" marB="91425" anchor="ctr">
-                    <a:lnL w="19050" cap="flat" cmpd="sng">
+                    <a:lnL w="19050" cap="flat" cmpd="sng" algn="ctr">
                       <a:solidFill>
                         <a:srgbClr val="000000"/>
                       </a:solidFill>
@@ -19464,7 +18568,7 @@
                       <a:headEnd type="none" w="sm" len="sm"/>
                       <a:tailEnd type="none" w="sm" len="sm"/>
                     </a:lnR>
-                    <a:lnT w="19050" cap="flat" cmpd="sng">
+                    <a:lnT w="19050" cap="flat" cmpd="sng" algn="ctr">
                       <a:solidFill>
                         <a:srgbClr val="000000"/>
                       </a:solidFill>
@@ -19473,7 +18577,7 @@
                       <a:headEnd type="none" w="sm" len="sm"/>
                       <a:tailEnd type="none" w="sm" len="sm"/>
                     </a:lnT>
-                    <a:lnB w="19050" cap="flat" cmpd="sng">
+                    <a:lnB w="19050" cap="flat" cmpd="sng" algn="ctr">
                       <a:solidFill>
                         <a:srgbClr val="000000"/>
                       </a:solidFill>
@@ -19501,10 +18605,10 @@
                         <a:buNone/>
                       </a:pPr>
                       <a:r>
-                        <a:rPr lang="fr-CH"/>
-                        <a:t>Apprentissage</a:t>
+                        <a:rPr lang="fr-CH" dirty="0"/>
+                        <a:t>Facilité de mise en place</a:t>
                       </a:r>
-                      <a:endParaRPr/>
+                      <a:endParaRPr dirty="0"/>
                     </a:p>
                   </a:txBody>
                   <a:tcPr marL="91425" marR="91425" marT="91425" marB="91425">
@@ -19526,7 +18630,7 @@
                       <a:headEnd type="none" w="sm" len="sm"/>
                       <a:tailEnd type="none" w="sm" len="sm"/>
                     </a:lnR>
-                    <a:lnT w="19050" cap="flat" cmpd="sng">
+                    <a:lnT w="19050" cap="flat" cmpd="sng" algn="ctr">
                       <a:solidFill>
                         <a:srgbClr val="000000"/>
                       </a:solidFill>
@@ -19535,7 +18639,7 @@
                       <a:headEnd type="none" w="sm" len="sm"/>
                       <a:tailEnd type="none" w="sm" len="sm"/>
                     </a:lnT>
-                    <a:lnB w="38100" cap="flat" cmpd="sng">
+                    <a:lnB w="19050" cap="flat" cmpd="sng">
                       <a:solidFill>
                         <a:srgbClr val="000000"/>
                       </a:solidFill>
@@ -19561,10 +18665,10 @@
                         <a:buNone/>
                       </a:pPr>
                       <a:r>
-                        <a:rPr lang="fr-CH"/>
-                        <a:t>9</a:t>
+                        <a:rPr lang="fr-CH" dirty="0"/>
+                        <a:t>4</a:t>
                       </a:r>
-                      <a:endParaRPr/>
+                      <a:endParaRPr dirty="0"/>
                     </a:p>
                   </a:txBody>
                   <a:tcPr marL="91425" marR="91425" marT="91425" marB="91425" anchor="ctr">
@@ -19586,7 +18690,7 @@
                       <a:headEnd type="none" w="sm" len="sm"/>
                       <a:tailEnd type="none" w="sm" len="sm"/>
                     </a:lnR>
-                    <a:lnT w="19050" cap="flat" cmpd="sng">
+                    <a:lnT w="19050" cap="flat" cmpd="sng" algn="ctr">
                       <a:solidFill>
                         <a:srgbClr val="000000"/>
                       </a:solidFill>
@@ -19595,7 +18699,7 @@
                       <a:headEnd type="none" w="sm" len="sm"/>
                       <a:tailEnd type="none" w="sm" len="sm"/>
                     </a:lnT>
-                    <a:lnB w="38100" cap="flat" cmpd="sng">
+                    <a:lnB w="19050" cap="flat" cmpd="sng">
                       <a:solidFill>
                         <a:srgbClr val="000000"/>
                       </a:solidFill>
@@ -19621,10 +18725,10 @@
                         <a:buNone/>
                       </a:pPr>
                       <a:r>
-                        <a:rPr lang="fr-CH"/>
-                        <a:t>5</a:t>
+                        <a:rPr lang="fr-CH" dirty="0"/>
+                        <a:t>6</a:t>
                       </a:r>
-                      <a:endParaRPr/>
+                      <a:endParaRPr dirty="0"/>
                     </a:p>
                   </a:txBody>
                   <a:tcPr marL="91425" marR="91425" marT="91425" marB="91425" anchor="ctr">
@@ -19646,7 +18750,7 @@
                       <a:headEnd type="none" w="sm" len="sm"/>
                       <a:tailEnd type="none" w="sm" len="sm"/>
                     </a:lnR>
-                    <a:lnT w="19050" cap="flat" cmpd="sng">
+                    <a:lnT w="19050" cap="flat" cmpd="sng" algn="ctr">
                       <a:solidFill>
                         <a:srgbClr val="000000"/>
                       </a:solidFill>
@@ -19655,7 +18759,7 @@
                       <a:headEnd type="none" w="sm" len="sm"/>
                       <a:tailEnd type="none" w="sm" len="sm"/>
                     </a:lnT>
-                    <a:lnB w="38100" cap="flat" cmpd="sng">
+                    <a:lnB w="19050" cap="flat" cmpd="sng">
                       <a:solidFill>
                         <a:srgbClr val="000000"/>
                       </a:solidFill>
@@ -19681,10 +18785,10 @@
                         <a:buNone/>
                       </a:pPr>
                       <a:r>
-                        <a:rPr lang="fr-CH"/>
-                        <a:t>10</a:t>
+                        <a:rPr lang="fr-CH" dirty="0"/>
+                        <a:t>5</a:t>
                       </a:r>
-                      <a:endParaRPr/>
+                      <a:endParaRPr dirty="0"/>
                     </a:p>
                   </a:txBody>
                   <a:tcPr marL="91425" marR="91425" marT="91425" marB="91425" anchor="ctr">
@@ -19706,7 +18810,7 @@
                       <a:headEnd type="none" w="sm" len="sm"/>
                       <a:tailEnd type="none" w="sm" len="sm"/>
                     </a:lnR>
-                    <a:lnT w="19050" cap="flat" cmpd="sng">
+                    <a:lnT w="19050" cap="flat" cmpd="sng" algn="ctr">
                       <a:solidFill>
                         <a:srgbClr val="000000"/>
                       </a:solidFill>
@@ -19715,7 +18819,7 @@
                       <a:headEnd type="none" w="sm" len="sm"/>
                       <a:tailEnd type="none" w="sm" len="sm"/>
                     </a:lnT>
-                    <a:lnB w="38100" cap="flat" cmpd="sng">
+                    <a:lnB w="19050" cap="flat" cmpd="sng">
                       <a:solidFill>
                         <a:srgbClr val="000000"/>
                       </a:solidFill>
@@ -19741,10 +18845,10 @@
                         <a:buNone/>
                       </a:pPr>
                       <a:r>
-                        <a:rPr lang="fr-CH"/>
-                        <a:t>10</a:t>
+                        <a:rPr lang="fr-CH" dirty="0"/>
+                        <a:t>8</a:t>
                       </a:r>
-                      <a:endParaRPr/>
+                      <a:endParaRPr dirty="0"/>
                     </a:p>
                   </a:txBody>
                   <a:tcPr marL="91425" marR="91425" marT="91425" marB="91425" anchor="ctr">
@@ -19766,7 +18870,7 @@
                       <a:headEnd type="none" w="sm" len="sm"/>
                       <a:tailEnd type="none" w="sm" len="sm"/>
                     </a:lnR>
-                    <a:lnT w="19050" cap="flat" cmpd="sng">
+                    <a:lnT w="19050" cap="flat" cmpd="sng" algn="ctr">
                       <a:solidFill>
                         <a:srgbClr val="000000"/>
                       </a:solidFill>
@@ -19775,7 +18879,7 @@
                       <a:headEnd type="none" w="sm" len="sm"/>
                       <a:tailEnd type="none" w="sm" len="sm"/>
                     </a:lnT>
-                    <a:lnB w="38100" cap="flat" cmpd="sng">
+                    <a:lnB w="19050" cap="flat" cmpd="sng">
                       <a:solidFill>
                         <a:srgbClr val="000000"/>
                       </a:solidFill>
@@ -19803,10 +18907,10 @@
                         <a:buNone/>
                       </a:pPr>
                       <a:r>
-                        <a:rPr lang="fr-CH"/>
-                        <a:t>Score</a:t>
+                        <a:rPr lang="fr-CH" dirty="0"/>
+                        <a:t>Apprentissage</a:t>
                       </a:r>
-                      <a:endParaRPr/>
+                      <a:endParaRPr dirty="0"/>
                     </a:p>
                   </a:txBody>
                   <a:tcPr marL="91425" marR="91425" marT="91425" marB="91425">
@@ -19819,6 +18923,912 @@
                       <a:headEnd type="none" w="sm" len="sm"/>
                       <a:tailEnd type="none" w="sm" len="sm"/>
                     </a:lnL>
+                    <a:lnR w="19050" cap="flat" cmpd="sng" algn="ctr">
+                      <a:solidFill>
+                        <a:srgbClr val="000000"/>
+                      </a:solidFill>
+                      <a:prstDash val="solid"/>
+                      <a:round/>
+                      <a:headEnd type="none" w="sm" len="sm"/>
+                      <a:tailEnd type="none" w="sm" len="sm"/>
+                    </a:lnR>
+                    <a:lnT w="19050" cap="flat" cmpd="sng" algn="ctr">
+                      <a:solidFill>
+                        <a:srgbClr val="000000"/>
+                      </a:solidFill>
+                      <a:prstDash val="solid"/>
+                      <a:round/>
+                      <a:headEnd type="none" w="sm" len="sm"/>
+                      <a:tailEnd type="none" w="sm" len="sm"/>
+                    </a:lnT>
+                    <a:lnB w="12700" cap="flat" cmpd="sng" algn="ctr">
+                      <a:solidFill>
+                        <a:schemeClr val="tx1"/>
+                      </a:solidFill>
+                      <a:prstDash val="solid"/>
+                      <a:round/>
+                      <a:headEnd type="none" w="med" len="med"/>
+                      <a:tailEnd type="none" w="med" len="med"/>
+                    </a:lnB>
+                  </a:tcPr>
+                </a:tc>
+                <a:tc>
+                  <a:txBody>
+                    <a:bodyPr/>
+                    <a:lstStyle/>
+                    <a:p>
+                      <a:pPr marL="0" lvl="0" indent="0" algn="ctr" rtl="0">
+                        <a:spcBef>
+                          <a:spcPts val="0"/>
+                        </a:spcBef>
+                        <a:spcAft>
+                          <a:spcPts val="0"/>
+                        </a:spcAft>
+                        <a:buNone/>
+                      </a:pPr>
+                      <a:r>
+                        <a:rPr lang="fr-CH" dirty="0"/>
+                        <a:t>9</a:t>
+                      </a:r>
+                      <a:endParaRPr dirty="0"/>
+                    </a:p>
+                  </a:txBody>
+                  <a:tcPr marL="91425" marR="91425" marT="91425" marB="91425" anchor="ctr">
+                    <a:lnL w="19050" cap="flat" cmpd="sng" algn="ctr">
+                      <a:solidFill>
+                        <a:srgbClr val="000000"/>
+                      </a:solidFill>
+                      <a:prstDash val="solid"/>
+                      <a:round/>
+                      <a:headEnd type="none" w="sm" len="sm"/>
+                      <a:tailEnd type="none" w="sm" len="sm"/>
+                    </a:lnL>
+                    <a:lnR w="38100" cap="flat" cmpd="sng" algn="ctr">
+                      <a:solidFill>
+                        <a:srgbClr val="000000"/>
+                      </a:solidFill>
+                      <a:prstDash val="solid"/>
+                      <a:round/>
+                      <a:headEnd type="none" w="sm" len="sm"/>
+                      <a:tailEnd type="none" w="sm" len="sm"/>
+                    </a:lnR>
+                    <a:lnT w="19050" cap="flat" cmpd="sng" algn="ctr">
+                      <a:solidFill>
+                        <a:srgbClr val="000000"/>
+                      </a:solidFill>
+                      <a:prstDash val="solid"/>
+                      <a:round/>
+                      <a:headEnd type="none" w="sm" len="sm"/>
+                      <a:tailEnd type="none" w="sm" len="sm"/>
+                    </a:lnT>
+                    <a:lnB w="12700" cap="flat" cmpd="sng" algn="ctr">
+                      <a:solidFill>
+                        <a:schemeClr val="tx1"/>
+                      </a:solidFill>
+                      <a:prstDash val="solid"/>
+                      <a:round/>
+                      <a:headEnd type="none" w="med" len="med"/>
+                      <a:tailEnd type="none" w="med" len="med"/>
+                    </a:lnB>
+                  </a:tcPr>
+                </a:tc>
+                <a:tc>
+                  <a:txBody>
+                    <a:bodyPr/>
+                    <a:lstStyle/>
+                    <a:p>
+                      <a:pPr marL="0" lvl="0" indent="0" algn="ctr" rtl="0">
+                        <a:spcBef>
+                          <a:spcPts val="0"/>
+                        </a:spcBef>
+                        <a:spcAft>
+                          <a:spcPts val="0"/>
+                        </a:spcAft>
+                        <a:buNone/>
+                      </a:pPr>
+                      <a:r>
+                        <a:rPr lang="fr-CH" dirty="0"/>
+                        <a:t>5</a:t>
+                      </a:r>
+                      <a:endParaRPr dirty="0"/>
+                    </a:p>
+                  </a:txBody>
+                  <a:tcPr marL="91425" marR="91425" marT="91425" marB="91425" anchor="ctr">
+                    <a:lnL w="38100" cap="flat" cmpd="sng" algn="ctr">
+                      <a:solidFill>
+                        <a:srgbClr val="000000"/>
+                      </a:solidFill>
+                      <a:prstDash val="solid"/>
+                      <a:round/>
+                      <a:headEnd type="none" w="sm" len="sm"/>
+                      <a:tailEnd type="none" w="sm" len="sm"/>
+                    </a:lnL>
+                    <a:lnR w="19050" cap="flat" cmpd="sng" algn="ctr">
+                      <a:solidFill>
+                        <a:srgbClr val="000000"/>
+                      </a:solidFill>
+                      <a:prstDash val="solid"/>
+                      <a:round/>
+                      <a:headEnd type="none" w="sm" len="sm"/>
+                      <a:tailEnd type="none" w="sm" len="sm"/>
+                    </a:lnR>
+                    <a:lnT w="19050" cap="flat" cmpd="sng" algn="ctr">
+                      <a:solidFill>
+                        <a:srgbClr val="000000"/>
+                      </a:solidFill>
+                      <a:prstDash val="solid"/>
+                      <a:round/>
+                      <a:headEnd type="none" w="sm" len="sm"/>
+                      <a:tailEnd type="none" w="sm" len="sm"/>
+                    </a:lnT>
+                    <a:lnB w="12700" cap="flat" cmpd="sng" algn="ctr">
+                      <a:solidFill>
+                        <a:schemeClr val="tx1"/>
+                      </a:solidFill>
+                      <a:prstDash val="solid"/>
+                      <a:round/>
+                      <a:headEnd type="none" w="med" len="med"/>
+                      <a:tailEnd type="none" w="med" len="med"/>
+                    </a:lnB>
+                  </a:tcPr>
+                </a:tc>
+                <a:tc>
+                  <a:txBody>
+                    <a:bodyPr/>
+                    <a:lstStyle/>
+                    <a:p>
+                      <a:pPr marL="0" lvl="0" indent="0" algn="ctr" rtl="0">
+                        <a:spcBef>
+                          <a:spcPts val="0"/>
+                        </a:spcBef>
+                        <a:spcAft>
+                          <a:spcPts val="0"/>
+                        </a:spcAft>
+                        <a:buNone/>
+                      </a:pPr>
+                      <a:r>
+                        <a:rPr lang="fr-CH" dirty="0"/>
+                        <a:t>10</a:t>
+                      </a:r>
+                      <a:endParaRPr dirty="0"/>
+                    </a:p>
+                  </a:txBody>
+                  <a:tcPr marL="91425" marR="91425" marT="91425" marB="91425" anchor="ctr">
+                    <a:lnL w="19050" cap="flat" cmpd="sng" algn="ctr">
+                      <a:solidFill>
+                        <a:srgbClr val="000000"/>
+                      </a:solidFill>
+                      <a:prstDash val="solid"/>
+                      <a:round/>
+                      <a:headEnd type="none" w="sm" len="sm"/>
+                      <a:tailEnd type="none" w="sm" len="sm"/>
+                    </a:lnL>
+                    <a:lnR w="19050" cap="flat" cmpd="sng" algn="ctr">
+                      <a:solidFill>
+                        <a:srgbClr val="000000"/>
+                      </a:solidFill>
+                      <a:prstDash val="solid"/>
+                      <a:round/>
+                      <a:headEnd type="none" w="sm" len="sm"/>
+                      <a:tailEnd type="none" w="sm" len="sm"/>
+                    </a:lnR>
+                    <a:lnT w="19050" cap="flat" cmpd="sng" algn="ctr">
+                      <a:solidFill>
+                        <a:srgbClr val="000000"/>
+                      </a:solidFill>
+                      <a:prstDash val="solid"/>
+                      <a:round/>
+                      <a:headEnd type="none" w="sm" len="sm"/>
+                      <a:tailEnd type="none" w="sm" len="sm"/>
+                    </a:lnT>
+                    <a:lnB w="12700" cap="flat" cmpd="sng" algn="ctr">
+                      <a:solidFill>
+                        <a:schemeClr val="tx1"/>
+                      </a:solidFill>
+                      <a:prstDash val="solid"/>
+                      <a:round/>
+                      <a:headEnd type="none" w="med" len="med"/>
+                      <a:tailEnd type="none" w="med" len="med"/>
+                    </a:lnB>
+                  </a:tcPr>
+                </a:tc>
+                <a:tc>
+                  <a:txBody>
+                    <a:bodyPr/>
+                    <a:lstStyle/>
+                    <a:p>
+                      <a:pPr marL="0" lvl="0" indent="0" algn="ctr" rtl="0">
+                        <a:spcBef>
+                          <a:spcPts val="0"/>
+                        </a:spcBef>
+                        <a:spcAft>
+                          <a:spcPts val="0"/>
+                        </a:spcAft>
+                        <a:buNone/>
+                      </a:pPr>
+                      <a:r>
+                        <a:rPr lang="fr-CH" dirty="0"/>
+                        <a:t>10</a:t>
+                      </a:r>
+                      <a:endParaRPr dirty="0"/>
+                    </a:p>
+                  </a:txBody>
+                  <a:tcPr marL="91425" marR="91425" marT="91425" marB="91425" anchor="ctr">
+                    <a:lnL w="19050" cap="flat" cmpd="sng" algn="ctr">
+                      <a:solidFill>
+                        <a:srgbClr val="000000"/>
+                      </a:solidFill>
+                      <a:prstDash val="solid"/>
+                      <a:round/>
+                      <a:headEnd type="none" w="sm" len="sm"/>
+                      <a:tailEnd type="none" w="sm" len="sm"/>
+                    </a:lnL>
+                    <a:lnR w="38100" cap="flat" cmpd="sng">
+                      <a:solidFill>
+                        <a:srgbClr val="000000"/>
+                      </a:solidFill>
+                      <a:prstDash val="solid"/>
+                      <a:round/>
+                      <a:headEnd type="none" w="sm" len="sm"/>
+                      <a:tailEnd type="none" w="sm" len="sm"/>
+                    </a:lnR>
+                    <a:lnT w="19050" cap="flat" cmpd="sng" algn="ctr">
+                      <a:solidFill>
+                        <a:srgbClr val="000000"/>
+                      </a:solidFill>
+                      <a:prstDash val="solid"/>
+                      <a:round/>
+                      <a:headEnd type="none" w="sm" len="sm"/>
+                      <a:tailEnd type="none" w="sm" len="sm"/>
+                    </a:lnT>
+                    <a:lnB w="12700" cap="flat" cmpd="sng" algn="ctr">
+                      <a:solidFill>
+                        <a:schemeClr val="tx1"/>
+                      </a:solidFill>
+                      <a:prstDash val="solid"/>
+                      <a:round/>
+                      <a:headEnd type="none" w="med" len="med"/>
+                      <a:tailEnd type="none" w="med" len="med"/>
+                    </a:lnB>
+                  </a:tcPr>
+                </a:tc>
+              </a:tr>
+              <a:tr h="381000">
+                <a:tc>
+                  <a:txBody>
+                    <a:bodyPr/>
+                    <a:lstStyle/>
+                    <a:p>
+                      <a:pPr marL="0" lvl="0" indent="0" rtl="0">
+                        <a:spcBef>
+                          <a:spcPts val="0"/>
+                        </a:spcBef>
+                        <a:spcAft>
+                          <a:spcPts val="0"/>
+                        </a:spcAft>
+                        <a:buNone/>
+                      </a:pPr>
+                      <a:r>
+                        <a:rPr lang="fr-CH" dirty="0"/>
+                        <a:t>Popularité</a:t>
+                      </a:r>
+                      <a:endParaRPr dirty="0"/>
+                    </a:p>
+                  </a:txBody>
+                  <a:tcPr marL="91425" marR="91425" marT="91425" marB="91425">
+                    <a:lnL w="38100" cap="flat" cmpd="sng">
+                      <a:solidFill>
+                        <a:srgbClr val="000000"/>
+                      </a:solidFill>
+                      <a:prstDash val="solid"/>
+                      <a:round/>
+                      <a:headEnd type="none" w="sm" len="sm"/>
+                      <a:tailEnd type="none" w="sm" len="sm"/>
+                    </a:lnL>
+                    <a:lnR w="12700" cap="flat" cmpd="sng" algn="ctr">
+                      <a:solidFill>
+                        <a:schemeClr val="tx1"/>
+                      </a:solidFill>
+                      <a:prstDash val="solid"/>
+                      <a:round/>
+                      <a:headEnd type="none" w="med" len="med"/>
+                      <a:tailEnd type="none" w="med" len="med"/>
+                    </a:lnR>
+                    <a:lnT w="12700" cap="flat" cmpd="sng" algn="ctr">
+                      <a:solidFill>
+                        <a:schemeClr val="tx1"/>
+                      </a:solidFill>
+                      <a:prstDash val="solid"/>
+                      <a:round/>
+                      <a:headEnd type="none" w="med" len="med"/>
+                      <a:tailEnd type="none" w="med" len="med"/>
+                    </a:lnT>
+                    <a:lnB w="12700" cap="flat" cmpd="sng" algn="ctr">
+                      <a:solidFill>
+                        <a:schemeClr val="tx1"/>
+                      </a:solidFill>
+                      <a:prstDash val="solid"/>
+                      <a:round/>
+                      <a:headEnd type="none" w="med" len="med"/>
+                      <a:tailEnd type="none" w="med" len="med"/>
+                    </a:lnB>
+                  </a:tcPr>
+                </a:tc>
+                <a:tc>
+                  <a:txBody>
+                    <a:bodyPr/>
+                    <a:lstStyle/>
+                    <a:p>
+                      <a:pPr marL="0" lvl="0" indent="0" algn="ctr" rtl="0">
+                        <a:spcBef>
+                          <a:spcPts val="0"/>
+                        </a:spcBef>
+                        <a:spcAft>
+                          <a:spcPts val="0"/>
+                        </a:spcAft>
+                        <a:buNone/>
+                      </a:pPr>
+                      <a:r>
+                        <a:rPr lang="fr-CH" dirty="0"/>
+                        <a:t>6</a:t>
+                      </a:r>
+                      <a:endParaRPr dirty="0"/>
+                    </a:p>
+                  </a:txBody>
+                  <a:tcPr marL="91425" marR="91425" marT="91425" marB="91425" anchor="ctr">
+                    <a:lnL w="12700" cap="flat" cmpd="sng" algn="ctr">
+                      <a:solidFill>
+                        <a:schemeClr val="tx1"/>
+                      </a:solidFill>
+                      <a:prstDash val="solid"/>
+                      <a:round/>
+                      <a:headEnd type="none" w="med" len="med"/>
+                      <a:tailEnd type="none" w="med" len="med"/>
+                    </a:lnL>
+                    <a:lnR w="38100" cap="flat" cmpd="sng" algn="ctr">
+                      <a:solidFill>
+                        <a:srgbClr val="000000"/>
+                      </a:solidFill>
+                      <a:prstDash val="solid"/>
+                      <a:round/>
+                      <a:headEnd type="none" w="sm" len="sm"/>
+                      <a:tailEnd type="none" w="sm" len="sm"/>
+                    </a:lnR>
+                    <a:lnT w="12700" cap="flat" cmpd="sng" algn="ctr">
+                      <a:solidFill>
+                        <a:schemeClr val="tx1"/>
+                      </a:solidFill>
+                      <a:prstDash val="solid"/>
+                      <a:round/>
+                      <a:headEnd type="none" w="med" len="med"/>
+                      <a:tailEnd type="none" w="med" len="med"/>
+                    </a:lnT>
+                    <a:lnB w="12700" cap="flat" cmpd="sng" algn="ctr">
+                      <a:solidFill>
+                        <a:schemeClr val="tx1"/>
+                      </a:solidFill>
+                      <a:prstDash val="solid"/>
+                      <a:round/>
+                      <a:headEnd type="none" w="med" len="med"/>
+                      <a:tailEnd type="none" w="med" len="med"/>
+                    </a:lnB>
+                  </a:tcPr>
+                </a:tc>
+                <a:tc>
+                  <a:txBody>
+                    <a:bodyPr/>
+                    <a:lstStyle/>
+                    <a:p>
+                      <a:pPr marL="0" lvl="0" indent="0" algn="ctr" rtl="0">
+                        <a:spcBef>
+                          <a:spcPts val="0"/>
+                        </a:spcBef>
+                        <a:spcAft>
+                          <a:spcPts val="0"/>
+                        </a:spcAft>
+                        <a:buNone/>
+                      </a:pPr>
+                      <a:r>
+                        <a:rPr lang="fr-CH" dirty="0"/>
+                        <a:t>8</a:t>
+                      </a:r>
+                      <a:endParaRPr dirty="0"/>
+                    </a:p>
+                  </a:txBody>
+                  <a:tcPr marL="91425" marR="91425" marT="91425" marB="91425" anchor="ctr">
+                    <a:lnL w="38100" cap="flat" cmpd="sng" algn="ctr">
+                      <a:solidFill>
+                        <a:srgbClr val="000000"/>
+                      </a:solidFill>
+                      <a:prstDash val="solid"/>
+                      <a:round/>
+                      <a:headEnd type="none" w="sm" len="sm"/>
+                      <a:tailEnd type="none" w="sm" len="sm"/>
+                    </a:lnL>
+                    <a:lnR w="19050" cap="flat" cmpd="sng" algn="ctr">
+                      <a:solidFill>
+                        <a:srgbClr val="000000"/>
+                      </a:solidFill>
+                      <a:prstDash val="solid"/>
+                      <a:round/>
+                      <a:headEnd type="none" w="sm" len="sm"/>
+                      <a:tailEnd type="none" w="sm" len="sm"/>
+                    </a:lnR>
+                    <a:lnT w="12700" cap="flat" cmpd="sng" algn="ctr">
+                      <a:solidFill>
+                        <a:schemeClr val="tx1"/>
+                      </a:solidFill>
+                      <a:prstDash val="solid"/>
+                      <a:round/>
+                      <a:headEnd type="none" w="med" len="med"/>
+                      <a:tailEnd type="none" w="med" len="med"/>
+                    </a:lnT>
+                    <a:lnB w="12700" cap="flat" cmpd="sng" algn="ctr">
+                      <a:solidFill>
+                        <a:schemeClr val="tx1"/>
+                      </a:solidFill>
+                      <a:prstDash val="solid"/>
+                      <a:round/>
+                      <a:headEnd type="none" w="med" len="med"/>
+                      <a:tailEnd type="none" w="med" len="med"/>
+                    </a:lnB>
+                  </a:tcPr>
+                </a:tc>
+                <a:tc>
+                  <a:txBody>
+                    <a:bodyPr/>
+                    <a:lstStyle/>
+                    <a:p>
+                      <a:pPr marL="0" lvl="0" indent="0" algn="ctr" rtl="0">
+                        <a:spcBef>
+                          <a:spcPts val="0"/>
+                        </a:spcBef>
+                        <a:spcAft>
+                          <a:spcPts val="0"/>
+                        </a:spcAft>
+                        <a:buNone/>
+                      </a:pPr>
+                      <a:r>
+                        <a:rPr lang="fr-CH" dirty="0"/>
+                        <a:t>10</a:t>
+                      </a:r>
+                      <a:endParaRPr dirty="0"/>
+                    </a:p>
+                  </a:txBody>
+                  <a:tcPr marL="91425" marR="91425" marT="91425" marB="91425" anchor="ctr">
+                    <a:lnL w="19050" cap="flat" cmpd="sng" algn="ctr">
+                      <a:solidFill>
+                        <a:srgbClr val="000000"/>
+                      </a:solidFill>
+                      <a:prstDash val="solid"/>
+                      <a:round/>
+                      <a:headEnd type="none" w="sm" len="sm"/>
+                      <a:tailEnd type="none" w="sm" len="sm"/>
+                    </a:lnL>
+                    <a:lnR w="19050" cap="flat" cmpd="sng" algn="ctr">
+                      <a:solidFill>
+                        <a:srgbClr val="000000"/>
+                      </a:solidFill>
+                      <a:prstDash val="solid"/>
+                      <a:round/>
+                      <a:headEnd type="none" w="sm" len="sm"/>
+                      <a:tailEnd type="none" w="sm" len="sm"/>
+                    </a:lnR>
+                    <a:lnT w="12700" cap="flat" cmpd="sng" algn="ctr">
+                      <a:solidFill>
+                        <a:schemeClr val="tx1"/>
+                      </a:solidFill>
+                      <a:prstDash val="solid"/>
+                      <a:round/>
+                      <a:headEnd type="none" w="med" len="med"/>
+                      <a:tailEnd type="none" w="med" len="med"/>
+                    </a:lnT>
+                    <a:lnB w="12700" cap="flat" cmpd="sng" algn="ctr">
+                      <a:solidFill>
+                        <a:schemeClr val="tx1"/>
+                      </a:solidFill>
+                      <a:prstDash val="solid"/>
+                      <a:round/>
+                      <a:headEnd type="none" w="med" len="med"/>
+                      <a:tailEnd type="none" w="med" len="med"/>
+                    </a:lnB>
+                  </a:tcPr>
+                </a:tc>
+                <a:tc>
+                  <a:txBody>
+                    <a:bodyPr/>
+                    <a:lstStyle/>
+                    <a:p>
+                      <a:pPr marL="0" lvl="0" indent="0" algn="ctr" rtl="0">
+                        <a:spcBef>
+                          <a:spcPts val="0"/>
+                        </a:spcBef>
+                        <a:spcAft>
+                          <a:spcPts val="0"/>
+                        </a:spcAft>
+                        <a:buNone/>
+                      </a:pPr>
+                      <a:r>
+                        <a:rPr lang="fr-CH" dirty="0"/>
+                        <a:t>3</a:t>
+                      </a:r>
+                      <a:endParaRPr dirty="0"/>
+                    </a:p>
+                  </a:txBody>
+                  <a:tcPr marL="91425" marR="91425" marT="91425" marB="91425" anchor="ctr">
+                    <a:lnL w="19050" cap="flat" cmpd="sng" algn="ctr">
+                      <a:solidFill>
+                        <a:srgbClr val="000000"/>
+                      </a:solidFill>
+                      <a:prstDash val="solid"/>
+                      <a:round/>
+                      <a:headEnd type="none" w="sm" len="sm"/>
+                      <a:tailEnd type="none" w="sm" len="sm"/>
+                    </a:lnL>
+                    <a:lnR w="38100" cap="flat" cmpd="sng">
+                      <a:solidFill>
+                        <a:srgbClr val="000000"/>
+                      </a:solidFill>
+                      <a:prstDash val="solid"/>
+                      <a:round/>
+                      <a:headEnd type="none" w="sm" len="sm"/>
+                      <a:tailEnd type="none" w="sm" len="sm"/>
+                    </a:lnR>
+                    <a:lnT w="12700" cap="flat" cmpd="sng" algn="ctr">
+                      <a:solidFill>
+                        <a:schemeClr val="tx1"/>
+                      </a:solidFill>
+                      <a:prstDash val="solid"/>
+                      <a:round/>
+                      <a:headEnd type="none" w="med" len="med"/>
+                      <a:tailEnd type="none" w="med" len="med"/>
+                    </a:lnT>
+                    <a:lnB w="12700" cap="flat" cmpd="sng" algn="ctr">
+                      <a:solidFill>
+                        <a:schemeClr val="tx1"/>
+                      </a:solidFill>
+                      <a:prstDash val="solid"/>
+                      <a:round/>
+                      <a:headEnd type="none" w="med" len="med"/>
+                      <a:tailEnd type="none" w="med" len="med"/>
+                    </a:lnB>
+                  </a:tcPr>
+                </a:tc>
+              </a:tr>
+              <a:tr h="381000">
+                <a:tc>
+                  <a:txBody>
+                    <a:bodyPr/>
+                    <a:lstStyle/>
+                    <a:p>
+                      <a:pPr marL="0" lvl="0" indent="0" rtl="0">
+                        <a:spcBef>
+                          <a:spcPts val="0"/>
+                        </a:spcBef>
+                        <a:spcAft>
+                          <a:spcPts val="0"/>
+                        </a:spcAft>
+                        <a:buNone/>
+                      </a:pPr>
+                      <a:r>
+                        <a:rPr lang="fr-CH" dirty="0"/>
+                        <a:t>Connaissances préalables</a:t>
+                      </a:r>
+                      <a:endParaRPr dirty="0"/>
+                    </a:p>
+                  </a:txBody>
+                  <a:tcPr marL="91425" marR="91425" marT="91425" marB="91425">
+                    <a:lnL w="38100" cap="flat" cmpd="sng">
+                      <a:solidFill>
+                        <a:srgbClr val="000000"/>
+                      </a:solidFill>
+                      <a:prstDash val="solid"/>
+                      <a:round/>
+                      <a:headEnd type="none" w="sm" len="sm"/>
+                      <a:tailEnd type="none" w="sm" len="sm"/>
+                    </a:lnL>
+                    <a:lnR w="19050" cap="flat" cmpd="sng" algn="ctr">
+                      <a:solidFill>
+                        <a:srgbClr val="000000"/>
+                      </a:solidFill>
+                      <a:prstDash val="solid"/>
+                      <a:round/>
+                      <a:headEnd type="none" w="sm" len="sm"/>
+                      <a:tailEnd type="none" w="sm" len="sm"/>
+                    </a:lnR>
+                    <a:lnT w="12700" cap="flat" cmpd="sng" algn="ctr">
+                      <a:solidFill>
+                        <a:schemeClr val="tx1"/>
+                      </a:solidFill>
+                      <a:prstDash val="solid"/>
+                      <a:round/>
+                      <a:headEnd type="none" w="med" len="med"/>
+                      <a:tailEnd type="none" w="med" len="med"/>
+                    </a:lnT>
+                    <a:lnB w="38100" cap="flat" cmpd="sng">
+                      <a:solidFill>
+                        <a:srgbClr val="000000"/>
+                      </a:solidFill>
+                      <a:prstDash val="solid"/>
+                      <a:round/>
+                      <a:headEnd type="none" w="sm" len="sm"/>
+                      <a:tailEnd type="none" w="sm" len="sm"/>
+                    </a:lnB>
+                  </a:tcPr>
+                </a:tc>
+                <a:tc>
+                  <a:txBody>
+                    <a:bodyPr/>
+                    <a:lstStyle/>
+                    <a:p>
+                      <a:pPr marL="0" lvl="0" indent="0" algn="ctr" rtl="0">
+                        <a:spcBef>
+                          <a:spcPts val="0"/>
+                        </a:spcBef>
+                        <a:spcAft>
+                          <a:spcPts val="0"/>
+                        </a:spcAft>
+                        <a:buNone/>
+                      </a:pPr>
+                      <a:r>
+                        <a:rPr lang="fr-CH" dirty="0"/>
+                        <a:t>4</a:t>
+                      </a:r>
+                      <a:endParaRPr dirty="0"/>
+                    </a:p>
+                  </a:txBody>
+                  <a:tcPr marL="91425" marR="91425" marT="91425" marB="91425" anchor="ctr">
+                    <a:lnL w="19050" cap="flat" cmpd="sng" algn="ctr">
+                      <a:solidFill>
+                        <a:srgbClr val="000000"/>
+                      </a:solidFill>
+                      <a:prstDash val="solid"/>
+                      <a:round/>
+                      <a:headEnd type="none" w="sm" len="sm"/>
+                      <a:tailEnd type="none" w="sm" len="sm"/>
+                    </a:lnL>
+                    <a:lnR w="38100" cap="flat" cmpd="sng" algn="ctr">
+                      <a:solidFill>
+                        <a:srgbClr val="000000"/>
+                      </a:solidFill>
+                      <a:prstDash val="solid"/>
+                      <a:round/>
+                      <a:headEnd type="none" w="sm" len="sm"/>
+                      <a:tailEnd type="none" w="sm" len="sm"/>
+                    </a:lnR>
+                    <a:lnT w="12700" cap="flat" cmpd="sng" algn="ctr">
+                      <a:solidFill>
+                        <a:schemeClr val="tx1"/>
+                      </a:solidFill>
+                      <a:prstDash val="solid"/>
+                      <a:round/>
+                      <a:headEnd type="none" w="med" len="med"/>
+                      <a:tailEnd type="none" w="med" len="med"/>
+                    </a:lnT>
+                    <a:lnB w="38100" cap="flat" cmpd="sng">
+                      <a:solidFill>
+                        <a:srgbClr val="000000"/>
+                      </a:solidFill>
+                      <a:prstDash val="solid"/>
+                      <a:round/>
+                      <a:headEnd type="none" w="sm" len="sm"/>
+                      <a:tailEnd type="none" w="sm" len="sm"/>
+                    </a:lnB>
+                  </a:tcPr>
+                </a:tc>
+                <a:tc>
+                  <a:txBody>
+                    <a:bodyPr/>
+                    <a:lstStyle/>
+                    <a:p>
+                      <a:pPr marL="0" lvl="0" indent="0" algn="ctr" rtl="0">
+                        <a:spcBef>
+                          <a:spcPts val="0"/>
+                        </a:spcBef>
+                        <a:spcAft>
+                          <a:spcPts val="0"/>
+                        </a:spcAft>
+                        <a:buNone/>
+                      </a:pPr>
+                      <a:r>
+                        <a:rPr lang="fr-CH" dirty="0"/>
+                        <a:t>8</a:t>
+                      </a:r>
+                      <a:endParaRPr dirty="0"/>
+                    </a:p>
+                  </a:txBody>
+                  <a:tcPr marL="91425" marR="91425" marT="91425" marB="91425" anchor="ctr">
+                    <a:lnL w="38100" cap="flat" cmpd="sng" algn="ctr">
+                      <a:solidFill>
+                        <a:srgbClr val="000000"/>
+                      </a:solidFill>
+                      <a:prstDash val="solid"/>
+                      <a:round/>
+                      <a:headEnd type="none" w="sm" len="sm"/>
+                      <a:tailEnd type="none" w="sm" len="sm"/>
+                    </a:lnL>
+                    <a:lnR w="19050" cap="flat" cmpd="sng" algn="ctr">
+                      <a:solidFill>
+                        <a:srgbClr val="000000"/>
+                      </a:solidFill>
+                      <a:prstDash val="solid"/>
+                      <a:round/>
+                      <a:headEnd type="none" w="sm" len="sm"/>
+                      <a:tailEnd type="none" w="sm" len="sm"/>
+                    </a:lnR>
+                    <a:lnT w="12700" cap="flat" cmpd="sng" algn="ctr">
+                      <a:solidFill>
+                        <a:schemeClr val="tx1"/>
+                      </a:solidFill>
+                      <a:prstDash val="solid"/>
+                      <a:round/>
+                      <a:headEnd type="none" w="med" len="med"/>
+                      <a:tailEnd type="none" w="med" len="med"/>
+                    </a:lnT>
+                    <a:lnB w="38100" cap="flat" cmpd="sng">
+                      <a:solidFill>
+                        <a:srgbClr val="000000"/>
+                      </a:solidFill>
+                      <a:prstDash val="solid"/>
+                      <a:round/>
+                      <a:headEnd type="none" w="sm" len="sm"/>
+                      <a:tailEnd type="none" w="sm" len="sm"/>
+                    </a:lnB>
+                  </a:tcPr>
+                </a:tc>
+                <a:tc>
+                  <a:txBody>
+                    <a:bodyPr/>
+                    <a:lstStyle/>
+                    <a:p>
+                      <a:pPr marL="0" lvl="0" indent="0" algn="ctr" rtl="0">
+                        <a:spcBef>
+                          <a:spcPts val="0"/>
+                        </a:spcBef>
+                        <a:spcAft>
+                          <a:spcPts val="0"/>
+                        </a:spcAft>
+                        <a:buNone/>
+                      </a:pPr>
+                      <a:r>
+                        <a:rPr lang="fr-CH" dirty="0"/>
+                        <a:t>2</a:t>
+                      </a:r>
+                      <a:endParaRPr dirty="0"/>
+                    </a:p>
+                  </a:txBody>
+                  <a:tcPr marL="91425" marR="91425" marT="91425" marB="91425" anchor="ctr">
+                    <a:lnL w="19050" cap="flat" cmpd="sng" algn="ctr">
+                      <a:solidFill>
+                        <a:srgbClr val="000000"/>
+                      </a:solidFill>
+                      <a:prstDash val="solid"/>
+                      <a:round/>
+                      <a:headEnd type="none" w="sm" len="sm"/>
+                      <a:tailEnd type="none" w="sm" len="sm"/>
+                    </a:lnL>
+                    <a:lnR w="19050" cap="flat" cmpd="sng" algn="ctr">
+                      <a:solidFill>
+                        <a:srgbClr val="000000"/>
+                      </a:solidFill>
+                      <a:prstDash val="solid"/>
+                      <a:round/>
+                      <a:headEnd type="none" w="sm" len="sm"/>
+                      <a:tailEnd type="none" w="sm" len="sm"/>
+                    </a:lnR>
+                    <a:lnT w="12700" cap="flat" cmpd="sng" algn="ctr">
+                      <a:solidFill>
+                        <a:schemeClr val="tx1"/>
+                      </a:solidFill>
+                      <a:prstDash val="solid"/>
+                      <a:round/>
+                      <a:headEnd type="none" w="med" len="med"/>
+                      <a:tailEnd type="none" w="med" len="med"/>
+                    </a:lnT>
+                    <a:lnB w="38100" cap="flat" cmpd="sng">
+                      <a:solidFill>
+                        <a:srgbClr val="000000"/>
+                      </a:solidFill>
+                      <a:prstDash val="solid"/>
+                      <a:round/>
+                      <a:headEnd type="none" w="sm" len="sm"/>
+                      <a:tailEnd type="none" w="sm" len="sm"/>
+                    </a:lnB>
+                  </a:tcPr>
+                </a:tc>
+                <a:tc>
+                  <a:txBody>
+                    <a:bodyPr/>
+                    <a:lstStyle/>
+                    <a:p>
+                      <a:pPr marL="0" lvl="0" indent="0" algn="ctr" rtl="0">
+                        <a:spcBef>
+                          <a:spcPts val="0"/>
+                        </a:spcBef>
+                        <a:spcAft>
+                          <a:spcPts val="0"/>
+                        </a:spcAft>
+                        <a:buNone/>
+                      </a:pPr>
+                      <a:r>
+                        <a:rPr lang="fr-CH" dirty="0"/>
+                        <a:t>0</a:t>
+                      </a:r>
+                      <a:endParaRPr dirty="0"/>
+                    </a:p>
+                  </a:txBody>
+                  <a:tcPr marL="91425" marR="91425" marT="91425" marB="91425" anchor="ctr">
+                    <a:lnL w="19050" cap="flat" cmpd="sng" algn="ctr">
+                      <a:solidFill>
+                        <a:srgbClr val="000000"/>
+                      </a:solidFill>
+                      <a:prstDash val="solid"/>
+                      <a:round/>
+                      <a:headEnd type="none" w="sm" len="sm"/>
+                      <a:tailEnd type="none" w="sm" len="sm"/>
+                    </a:lnL>
+                    <a:lnR w="38100" cap="flat" cmpd="sng">
+                      <a:solidFill>
+                        <a:srgbClr val="000000"/>
+                      </a:solidFill>
+                      <a:prstDash val="solid"/>
+                      <a:round/>
+                      <a:headEnd type="none" w="sm" len="sm"/>
+                      <a:tailEnd type="none" w="sm" len="sm"/>
+                    </a:lnR>
+                    <a:lnT w="12700" cap="flat" cmpd="sng" algn="ctr">
+                      <a:solidFill>
+                        <a:schemeClr val="tx1"/>
+                      </a:solidFill>
+                      <a:prstDash val="solid"/>
+                      <a:round/>
+                      <a:headEnd type="none" w="med" len="med"/>
+                      <a:tailEnd type="none" w="med" len="med"/>
+                    </a:lnT>
+                    <a:lnB w="38100" cap="flat" cmpd="sng">
+                      <a:solidFill>
+                        <a:srgbClr val="000000"/>
+                      </a:solidFill>
+                      <a:prstDash val="solid"/>
+                      <a:round/>
+                      <a:headEnd type="none" w="sm" len="sm"/>
+                      <a:tailEnd type="none" w="sm" len="sm"/>
+                    </a:lnB>
+                  </a:tcPr>
+                </a:tc>
+              </a:tr>
+              <a:tr h="381000">
+                <a:tc>
+                  <a:txBody>
+                    <a:bodyPr/>
+                    <a:lstStyle/>
+                    <a:p>
+                      <a:pPr marL="0" lvl="0" indent="0" rtl="0">
+                        <a:spcBef>
+                          <a:spcPts val="0"/>
+                        </a:spcBef>
+                        <a:spcAft>
+                          <a:spcPts val="0"/>
+                        </a:spcAft>
+                        <a:buNone/>
+                      </a:pPr>
+                      <a:r>
+                        <a:rPr lang="fr-CH" dirty="0"/>
+                        <a:t>Score</a:t>
+                      </a:r>
+                      <a:endParaRPr dirty="0"/>
+                    </a:p>
+                  </a:txBody>
+                  <a:tcPr marL="91425" marR="91425" marT="91425" marB="91425">
+                    <a:lnL w="38100" cap="flat" cmpd="sng">
+                      <a:solidFill>
+                        <a:srgbClr val="000000"/>
+                      </a:solidFill>
+                      <a:prstDash val="solid"/>
+                      <a:round/>
+                      <a:headEnd type="none" w="sm" len="sm"/>
+                      <a:tailEnd type="none" w="sm" len="sm"/>
+                    </a:lnL>
                     <a:lnR w="19050" cap="flat" cmpd="sng">
                       <a:solidFill>
                         <a:srgbClr val="000000"/>
@@ -19828,7 +19838,7 @@
                       <a:headEnd type="none" w="sm" len="sm"/>
                       <a:tailEnd type="none" w="sm" len="sm"/>
                     </a:lnR>
-                    <a:lnT w="38100" cap="flat" cmpd="sng">
+                    <a:lnT w="38100" cap="flat" cmpd="sng" algn="ctr">
                       <a:solidFill>
                         <a:srgbClr val="000000"/>
                       </a:solidFill>
@@ -19884,7 +19894,7 @@
                       <a:headEnd type="none" w="sm" len="sm"/>
                       <a:tailEnd type="none" w="sm" len="sm"/>
                     </a:lnR>
-                    <a:lnT w="38100" cap="flat" cmpd="sng">
+                    <a:lnT w="38100" cap="flat" cmpd="sng" algn="ctr">
                       <a:solidFill>
                         <a:srgbClr val="000000"/>
                       </a:solidFill>
@@ -19944,7 +19954,7 @@
                       <a:headEnd type="none" w="sm" len="sm"/>
                       <a:tailEnd type="none" w="sm" len="sm"/>
                     </a:lnR>
-                    <a:lnT w="38100" cap="flat" cmpd="sng">
+                    <a:lnT w="38100" cap="flat" cmpd="sng" algn="ctr">
                       <a:solidFill>
                         <a:srgbClr val="000000"/>
                       </a:solidFill>
@@ -19979,14 +19989,14 @@
                         <a:buNone/>
                       </a:pPr>
                       <a:r>
-                        <a:rPr lang="fr-CH" b="1">
+                        <a:rPr lang="fr-CH" b="1" dirty="0">
                           <a:solidFill>
                             <a:srgbClr val="FF0000"/>
                           </a:solidFill>
                         </a:rPr>
                         <a:t>292</a:t>
                       </a:r>
-                      <a:endParaRPr b="1">
+                      <a:endParaRPr b="1" dirty="0">
                         <a:solidFill>
                           <a:srgbClr val="FF0000"/>
                         </a:solidFill>
@@ -20012,7 +20022,7 @@
                       <a:headEnd type="none" w="sm" len="sm"/>
                       <a:tailEnd type="none" w="sm" len="sm"/>
                     </a:lnR>
-                    <a:lnT w="38100" cap="flat" cmpd="sng">
+                    <a:lnT w="38100" cap="flat" cmpd="sng" algn="ctr">
                       <a:solidFill>
                         <a:srgbClr val="000000"/>
                       </a:solidFill>
@@ -20072,7 +20082,7 @@
                       <a:headEnd type="none" w="sm" len="sm"/>
                       <a:tailEnd type="none" w="sm" len="sm"/>
                     </a:lnR>
-                    <a:lnT w="38100" cap="flat" cmpd="sng">
+                    <a:lnT w="38100" cap="flat" cmpd="sng" algn="ctr">
                       <a:solidFill>
                         <a:srgbClr val="000000"/>
                       </a:solidFill>
@@ -20152,6 +20162,11 @@
         </p:txBody>
       </p:sp>
     </p:spTree>
+    <p:extLst>
+      <p:ext uri="{BB962C8B-B14F-4D97-AF65-F5344CB8AC3E}">
+        <p14:creationId xmlns:p14="http://schemas.microsoft.com/office/powerpoint/2010/main" val="653468858"/>
+      </p:ext>
+    </p:extLst>
   </p:cSld>
   <p:clrMapOvr>
     <a:masterClrMapping/>

--- a/G6_presentation_intermediaire_fuchs_butty_rial.pptx
+++ b/G6_presentation_intermediaire_fuchs_butty_rial.pptx
@@ -2895,7 +2895,7 @@
             </a:pPr>
             <a:fld id="{00000000-1234-1234-1234-123412341234}" type="slidenum">
               <a:rPr lang="fr-CH"/>
-              <a:t>‹#›</a:t>
+              <a:t>‹N°›</a:t>
             </a:fld>
             <a:endParaRPr/>
           </a:p>
@@ -3583,7 +3583,7 @@
             </a:pPr>
             <a:fld id="{00000000-1234-1234-1234-123412341234}" type="slidenum">
               <a:rPr lang="fr-CH"/>
-              <a:t>‹#›</a:t>
+              <a:t>‹N°›</a:t>
             </a:fld>
             <a:endParaRPr/>
           </a:p>
@@ -4271,7 +4271,7 @@
             </a:pPr>
             <a:fld id="{00000000-1234-1234-1234-123412341234}" type="slidenum">
               <a:rPr lang="fr-CH"/>
-              <a:t>‹#›</a:t>
+              <a:t>‹N°›</a:t>
             </a:fld>
             <a:endParaRPr/>
           </a:p>
@@ -4959,7 +4959,7 @@
             </a:pPr>
             <a:fld id="{00000000-1234-1234-1234-123412341234}" type="slidenum">
               <a:rPr lang="fr-CH"/>
-              <a:t>‹#›</a:t>
+              <a:t>‹N°›</a:t>
             </a:fld>
             <a:endParaRPr/>
           </a:p>
@@ -5647,7 +5647,7 @@
             </a:pPr>
             <a:fld id="{00000000-1234-1234-1234-123412341234}" type="slidenum">
               <a:rPr lang="fr-CH"/>
-              <a:t>‹#›</a:t>
+              <a:t>‹N°›</a:t>
             </a:fld>
             <a:endParaRPr/>
           </a:p>
@@ -6586,7 +6586,7 @@
             </a:pPr>
             <a:fld id="{00000000-1234-1234-1234-123412341234}" type="slidenum">
               <a:rPr lang="fr-CH"/>
-              <a:t>‹#›</a:t>
+              <a:t>‹N°›</a:t>
             </a:fld>
             <a:endParaRPr/>
           </a:p>
@@ -8027,7 +8027,7 @@
             </a:pPr>
             <a:fld id="{00000000-1234-1234-1234-123412341234}" type="slidenum">
               <a:rPr lang="fr-CH"/>
-              <a:t>‹#›</a:t>
+              <a:t>‹N°›</a:t>
             </a:fld>
             <a:endParaRPr/>
           </a:p>
@@ -8464,7 +8464,7 @@
             </a:pPr>
             <a:fld id="{00000000-1234-1234-1234-123412341234}" type="slidenum">
               <a:rPr lang="fr-CH"/>
-              <a:t>‹#›</a:t>
+              <a:t>‹N°›</a:t>
             </a:fld>
             <a:endParaRPr/>
           </a:p>
@@ -8698,7 +8698,7 @@
             </a:pPr>
             <a:fld id="{00000000-1234-1234-1234-123412341234}" type="slidenum">
               <a:rPr lang="fr-CH"/>
-              <a:t>‹#›</a:t>
+              <a:t>‹N°›</a:t>
             </a:fld>
             <a:endParaRPr/>
           </a:p>
@@ -9637,7 +9637,7 @@
             </a:pPr>
             <a:fld id="{00000000-1234-1234-1234-123412341234}" type="slidenum">
               <a:rPr lang="fr-CH"/>
-              <a:t>‹#›</a:t>
+              <a:t>‹N°›</a:t>
             </a:fld>
             <a:endParaRPr/>
           </a:p>
@@ -10576,7 +10576,7 @@
             </a:pPr>
             <a:fld id="{00000000-1234-1234-1234-123412341234}" type="slidenum">
               <a:rPr lang="fr-CH"/>
-              <a:t>‹#›</a:t>
+              <a:t>‹N°›</a:t>
             </a:fld>
             <a:endParaRPr/>
           </a:p>
@@ -11272,7 +11272,7 @@
             </a:pPr>
             <a:fld id="{00000000-1234-1234-1234-123412341234}" type="slidenum">
               <a:rPr lang="fr-CH"/>
-              <a:t>‹#›</a:t>
+              <a:t>‹N°›</a:t>
             </a:fld>
             <a:endParaRPr/>
           </a:p>
@@ -14505,7 +14505,7 @@
           <p:nvPr>
             <p:extLst>
               <p:ext uri="{D42A27DB-BD31-4B8C-83A1-F6EECF244321}">
-                <p14:modId xmlns:p14="http://schemas.microsoft.com/office/powerpoint/2010/main" val="964445884"/>
+                <p14:modId xmlns:p14="http://schemas.microsoft.com/office/powerpoint/2010/main" val="3384113256"/>
               </p:ext>
             </p:extLst>
           </p:nvPr>
@@ -14522,11 +14522,41 @@
                 <a:tableStyleId>{08322F62-2FF7-4121-ACE4-5C842E3B7A08}</a:tableStyleId>
               </a:tblPr>
               <a:tblGrid>
-                <a:gridCol w="1425450"/>
-                <a:gridCol w="783771"/>
-                <a:gridCol w="1600200"/>
-                <a:gridCol w="1959429"/>
-                <a:gridCol w="1447800"/>
+                <a:gridCol w="1425450">
+                  <a:extLst>
+                    <a:ext uri="{9D8B030D-6E8A-4147-A177-3AD203B41FA5}">
+                      <a16:colId xmlns:a16="http://schemas.microsoft.com/office/drawing/2014/main" val="20000"/>
+                    </a:ext>
+                  </a:extLst>
+                </a:gridCol>
+                <a:gridCol w="783771">
+                  <a:extLst>
+                    <a:ext uri="{9D8B030D-6E8A-4147-A177-3AD203B41FA5}">
+                      <a16:colId xmlns:a16="http://schemas.microsoft.com/office/drawing/2014/main" val="20001"/>
+                    </a:ext>
+                  </a:extLst>
+                </a:gridCol>
+                <a:gridCol w="1600200">
+                  <a:extLst>
+                    <a:ext uri="{9D8B030D-6E8A-4147-A177-3AD203B41FA5}">
+                      <a16:colId xmlns:a16="http://schemas.microsoft.com/office/drawing/2014/main" val="20002"/>
+                    </a:ext>
+                  </a:extLst>
+                </a:gridCol>
+                <a:gridCol w="1959429">
+                  <a:extLst>
+                    <a:ext uri="{9D8B030D-6E8A-4147-A177-3AD203B41FA5}">
+                      <a16:colId xmlns:a16="http://schemas.microsoft.com/office/drawing/2014/main" val="20003"/>
+                    </a:ext>
+                  </a:extLst>
+                </a:gridCol>
+                <a:gridCol w="1447800">
+                  <a:extLst>
+                    <a:ext uri="{9D8B030D-6E8A-4147-A177-3AD203B41FA5}">
+                      <a16:colId xmlns:a16="http://schemas.microsoft.com/office/drawing/2014/main" val="20004"/>
+                    </a:ext>
+                  </a:extLst>
+                </a:gridCol>
               </a:tblGrid>
               <a:tr h="381000">
                 <a:tc>
@@ -14604,7 +14634,7 @@
                         <a:buNone/>
                       </a:pPr>
                       <a:r>
-                        <a:rPr lang="fr-CH" dirty="0" smtClean="0"/>
+                        <a:rPr lang="fr-CH" dirty="0"/>
                         <a:t>Pond.</a:t>
                       </a:r>
                       <a:endParaRPr dirty="0"/>
@@ -14664,8 +14694,8 @@
                         <a:buNone/>
                       </a:pPr>
                       <a:r>
-                        <a:rPr lang="fr-CH" dirty="0"/>
-                        <a:t>Angular2</a:t>
+                        <a:rPr lang="fr-CH" dirty="0" err="1"/>
+                        <a:t>Angular</a:t>
                       </a:r>
                       <a:endParaRPr dirty="0"/>
                     </a:p>
@@ -14829,6 +14859,11 @@
                     </a:lnB>
                   </a:tcPr>
                 </a:tc>
+                <a:extLst>
+                  <a:ext uri="{0D108BD9-81ED-4DB2-BD59-A6C34878D82A}">
+                    <a16:rowId xmlns:a16="http://schemas.microsoft.com/office/drawing/2014/main" val="10000"/>
+                  </a:ext>
+                </a:extLst>
               </a:tr>
               <a:tr h="381000">
                 <a:tc>
@@ -14966,7 +15001,7 @@
                         <a:buNone/>
                       </a:pPr>
                       <a:r>
-                        <a:rPr lang="fr-CH" dirty="0" smtClean="0"/>
+                        <a:rPr lang="fr-CH" dirty="0"/>
                         <a:t>7</a:t>
                       </a:r>
                       <a:endParaRPr dirty="0"/>
@@ -15026,7 +15061,7 @@
                         <a:buNone/>
                       </a:pPr>
                       <a:r>
-                        <a:rPr lang="fr-CH" dirty="0" smtClean="0"/>
+                        <a:rPr lang="fr-CH" dirty="0"/>
                         <a:t>6</a:t>
                       </a:r>
                       <a:endParaRPr dirty="0"/>
@@ -15086,7 +15121,7 @@
                         <a:buNone/>
                       </a:pPr>
                       <a:r>
-                        <a:rPr lang="fr-CH" dirty="0" smtClean="0"/>
+                        <a:rPr lang="fr-CH" dirty="0"/>
                         <a:t>8</a:t>
                       </a:r>
                       <a:endParaRPr dirty="0"/>
@@ -15131,6 +15166,11 @@
                     </a:lnB>
                   </a:tcPr>
                 </a:tc>
+                <a:extLst>
+                  <a:ext uri="{0D108BD9-81ED-4DB2-BD59-A6C34878D82A}">
+                    <a16:rowId xmlns:a16="http://schemas.microsoft.com/office/drawing/2014/main" val="10001"/>
+                  </a:ext>
+                </a:extLst>
               </a:tr>
               <a:tr h="381000">
                 <a:tc>
@@ -15268,7 +15308,7 @@
                         <a:buNone/>
                       </a:pPr>
                       <a:r>
-                        <a:rPr lang="fr-CH" dirty="0" smtClean="0"/>
+                        <a:rPr lang="fr-CH" dirty="0"/>
                         <a:t>5</a:t>
                       </a:r>
                       <a:endParaRPr dirty="0"/>
@@ -15328,7 +15368,7 @@
                         <a:buNone/>
                       </a:pPr>
                       <a:r>
-                        <a:rPr lang="fr-CH" dirty="0" smtClean="0"/>
+                        <a:rPr lang="fr-CH" dirty="0"/>
                         <a:t>7</a:t>
                       </a:r>
                       <a:endParaRPr dirty="0"/>
@@ -15388,7 +15428,7 @@
                         <a:buNone/>
                       </a:pPr>
                       <a:r>
-                        <a:rPr lang="fr-CH" dirty="0" smtClean="0"/>
+                        <a:rPr lang="fr-CH" dirty="0"/>
                         <a:t>6</a:t>
                       </a:r>
                       <a:endParaRPr dirty="0"/>
@@ -15433,6 +15473,11 @@
                     </a:lnB>
                   </a:tcPr>
                 </a:tc>
+                <a:extLst>
+                  <a:ext uri="{0D108BD9-81ED-4DB2-BD59-A6C34878D82A}">
+                    <a16:rowId xmlns:a16="http://schemas.microsoft.com/office/drawing/2014/main" val="10002"/>
+                  </a:ext>
+                </a:extLst>
               </a:tr>
               <a:tr h="381000">
                 <a:tc>
@@ -15630,7 +15675,7 @@
                         <a:buNone/>
                       </a:pPr>
                       <a:r>
-                        <a:rPr lang="fr-CH" dirty="0" smtClean="0"/>
+                        <a:rPr lang="fr-CH" dirty="0"/>
                         <a:t>8</a:t>
                       </a:r>
                       <a:endParaRPr dirty="0"/>
@@ -15690,7 +15735,7 @@
                         <a:buNone/>
                       </a:pPr>
                       <a:r>
-                        <a:rPr lang="fr-CH" dirty="0" smtClean="0"/>
+                        <a:rPr lang="fr-CH" dirty="0"/>
                         <a:t>8</a:t>
                       </a:r>
                       <a:endParaRPr dirty="0"/>
@@ -15735,6 +15780,11 @@
                     </a:lnB>
                   </a:tcPr>
                 </a:tc>
+                <a:extLst>
+                  <a:ext uri="{0D108BD9-81ED-4DB2-BD59-A6C34878D82A}">
+                    <a16:rowId xmlns:a16="http://schemas.microsoft.com/office/drawing/2014/main" val="10003"/>
+                  </a:ext>
+                </a:extLst>
               </a:tr>
               <a:tr h="381000">
                 <a:tc>
@@ -15872,7 +15922,7 @@
                         <a:buNone/>
                       </a:pPr>
                       <a:r>
-                        <a:rPr lang="fr-CH" dirty="0" smtClean="0"/>
+                        <a:rPr lang="fr-CH" dirty="0"/>
                         <a:t>7</a:t>
                       </a:r>
                       <a:endParaRPr dirty="0"/>
@@ -15932,7 +15982,7 @@
                         <a:buNone/>
                       </a:pPr>
                       <a:r>
-                        <a:rPr lang="fr-CH" dirty="0" smtClean="0"/>
+                        <a:rPr lang="fr-CH" dirty="0"/>
                         <a:t>6</a:t>
                       </a:r>
                       <a:endParaRPr dirty="0"/>
@@ -15992,7 +16042,7 @@
                         <a:buNone/>
                       </a:pPr>
                       <a:r>
-                        <a:rPr lang="fr-CH" dirty="0" smtClean="0"/>
+                        <a:rPr lang="fr-CH" dirty="0"/>
                         <a:t>7</a:t>
                       </a:r>
                       <a:endParaRPr dirty="0"/>
@@ -16037,6 +16087,11 @@
                     </a:lnB>
                   </a:tcPr>
                 </a:tc>
+                <a:extLst>
+                  <a:ext uri="{0D108BD9-81ED-4DB2-BD59-A6C34878D82A}">
+                    <a16:rowId xmlns:a16="http://schemas.microsoft.com/office/drawing/2014/main" val="10004"/>
+                  </a:ext>
+                </a:extLst>
               </a:tr>
               <a:tr h="381000">
                 <a:tc>
@@ -16174,7 +16229,7 @@
                         <a:buNone/>
                       </a:pPr>
                       <a:r>
-                        <a:rPr lang="fr-CH" dirty="0" smtClean="0"/>
+                        <a:rPr lang="fr-CH" dirty="0"/>
                         <a:t>7</a:t>
                       </a:r>
                       <a:endParaRPr dirty="0"/>
@@ -16234,7 +16289,7 @@
                         <a:buNone/>
                       </a:pPr>
                       <a:r>
-                        <a:rPr lang="fr-CH" dirty="0" smtClean="0"/>
+                        <a:rPr lang="fr-CH" dirty="0"/>
                         <a:t>7</a:t>
                       </a:r>
                       <a:endParaRPr dirty="0"/>
@@ -16294,7 +16349,7 @@
                         <a:buNone/>
                       </a:pPr>
                       <a:r>
-                        <a:rPr lang="fr-CH" dirty="0" smtClean="0"/>
+                        <a:rPr lang="fr-CH" dirty="0"/>
                         <a:t>8</a:t>
                       </a:r>
                       <a:endParaRPr dirty="0"/>
@@ -16339,6 +16394,11 @@
                     </a:lnB>
                   </a:tcPr>
                 </a:tc>
+                <a:extLst>
+                  <a:ext uri="{0D108BD9-81ED-4DB2-BD59-A6C34878D82A}">
+                    <a16:rowId xmlns:a16="http://schemas.microsoft.com/office/drawing/2014/main" val="10005"/>
+                  </a:ext>
+                </a:extLst>
               </a:tr>
               <a:tr h="381000">
                 <a:tc>
@@ -16536,7 +16596,7 @@
                         <a:buNone/>
                       </a:pPr>
                       <a:r>
-                        <a:rPr lang="fr-CH" dirty="0" smtClean="0"/>
+                        <a:rPr lang="fr-CH" dirty="0"/>
                         <a:t>8</a:t>
                       </a:r>
                       <a:endParaRPr dirty="0"/>
@@ -16596,7 +16656,7 @@
                         <a:buNone/>
                       </a:pPr>
                       <a:r>
-                        <a:rPr lang="fr-CH" dirty="0" smtClean="0"/>
+                        <a:rPr lang="fr-CH" dirty="0"/>
                         <a:t>7</a:t>
                       </a:r>
                       <a:endParaRPr dirty="0"/>
@@ -16641,6 +16701,11 @@
                     </a:lnB>
                   </a:tcPr>
                 </a:tc>
+                <a:extLst>
+                  <a:ext uri="{0D108BD9-81ED-4DB2-BD59-A6C34878D82A}">
+                    <a16:rowId xmlns:a16="http://schemas.microsoft.com/office/drawing/2014/main" val="10006"/>
+                  </a:ext>
+                </a:extLst>
               </a:tr>
               <a:tr h="381000">
                 <a:tc>
@@ -16778,7 +16843,7 @@
                         <a:buNone/>
                       </a:pPr>
                       <a:r>
-                        <a:rPr lang="fr-CH" dirty="0" smtClean="0"/>
+                        <a:rPr lang="fr-CH" dirty="0"/>
                         <a:t>7</a:t>
                       </a:r>
                       <a:endParaRPr dirty="0"/>
@@ -16838,7 +16903,7 @@
                         <a:buNone/>
                       </a:pPr>
                       <a:r>
-                        <a:rPr lang="fr-CH" dirty="0" smtClean="0"/>
+                        <a:rPr lang="fr-CH" dirty="0"/>
                         <a:t>0</a:t>
                       </a:r>
                       <a:endParaRPr dirty="0"/>
@@ -16898,7 +16963,7 @@
                         <a:buNone/>
                       </a:pPr>
                       <a:r>
-                        <a:rPr lang="fr-CH" dirty="0" smtClean="0"/>
+                        <a:rPr lang="fr-CH" dirty="0"/>
                         <a:t>0</a:t>
                       </a:r>
                       <a:endParaRPr dirty="0"/>
@@ -16943,6 +17008,11 @@
                     </a:lnB>
                   </a:tcPr>
                 </a:tc>
+                <a:extLst>
+                  <a:ext uri="{0D108BD9-81ED-4DB2-BD59-A6C34878D82A}">
+                    <a16:rowId xmlns:a16="http://schemas.microsoft.com/office/drawing/2014/main" val="10007"/>
+                  </a:ext>
+                </a:extLst>
               </a:tr>
               <a:tr h="381000">
                 <a:tc>
@@ -17020,7 +17090,7 @@
                         <a:buNone/>
                       </a:pPr>
                       <a:r>
-                        <a:rPr lang="fr-CH" dirty="0" smtClean="0"/>
+                        <a:rPr lang="fr-CH" dirty="0"/>
                         <a:t>-</a:t>
                       </a:r>
                       <a:endParaRPr dirty="0"/>
@@ -17253,6 +17323,11 @@
                     </a:lnB>
                   </a:tcPr>
                 </a:tc>
+                <a:extLst>
+                  <a:ext uri="{0D108BD9-81ED-4DB2-BD59-A6C34878D82A}">
+                    <a16:rowId xmlns:a16="http://schemas.microsoft.com/office/drawing/2014/main" val="10008"/>
+                  </a:ext>
+                </a:extLst>
               </a:tr>
             </a:tbl>
           </a:graphicData>
@@ -17371,11 +17446,41 @@
                 <a:tableStyleId>{08322F62-2FF7-4121-ACE4-5C842E3B7A08}</a:tableStyleId>
               </a:tblPr>
               <a:tblGrid>
-                <a:gridCol w="1425450"/>
-                <a:gridCol w="783771"/>
-                <a:gridCol w="1600200"/>
-                <a:gridCol w="1959429"/>
-                <a:gridCol w="1447800"/>
+                <a:gridCol w="1425450">
+                  <a:extLst>
+                    <a:ext uri="{9D8B030D-6E8A-4147-A177-3AD203B41FA5}">
+                      <a16:colId xmlns:a16="http://schemas.microsoft.com/office/drawing/2014/main" val="20000"/>
+                    </a:ext>
+                  </a:extLst>
+                </a:gridCol>
+                <a:gridCol w="783771">
+                  <a:extLst>
+                    <a:ext uri="{9D8B030D-6E8A-4147-A177-3AD203B41FA5}">
+                      <a16:colId xmlns:a16="http://schemas.microsoft.com/office/drawing/2014/main" val="20001"/>
+                    </a:ext>
+                  </a:extLst>
+                </a:gridCol>
+                <a:gridCol w="1600200">
+                  <a:extLst>
+                    <a:ext uri="{9D8B030D-6E8A-4147-A177-3AD203B41FA5}">
+                      <a16:colId xmlns:a16="http://schemas.microsoft.com/office/drawing/2014/main" val="20002"/>
+                    </a:ext>
+                  </a:extLst>
+                </a:gridCol>
+                <a:gridCol w="1959429">
+                  <a:extLst>
+                    <a:ext uri="{9D8B030D-6E8A-4147-A177-3AD203B41FA5}">
+                      <a16:colId xmlns:a16="http://schemas.microsoft.com/office/drawing/2014/main" val="20003"/>
+                    </a:ext>
+                  </a:extLst>
+                </a:gridCol>
+                <a:gridCol w="1447800">
+                  <a:extLst>
+                    <a:ext uri="{9D8B030D-6E8A-4147-A177-3AD203B41FA5}">
+                      <a16:colId xmlns:a16="http://schemas.microsoft.com/office/drawing/2014/main" val="20004"/>
+                    </a:ext>
+                  </a:extLst>
+                </a:gridCol>
               </a:tblGrid>
               <a:tr h="381000">
                 <a:tc>
@@ -17453,7 +17558,7 @@
                         <a:buNone/>
                       </a:pPr>
                       <a:r>
-                        <a:rPr lang="fr-CH" dirty="0" smtClean="0"/>
+                        <a:rPr lang="fr-CH" dirty="0"/>
                         <a:t>Pond.</a:t>
                       </a:r>
                       <a:endParaRPr dirty="0"/>
@@ -17682,6 +17787,11 @@
                     </a:lnB>
                   </a:tcPr>
                 </a:tc>
+                <a:extLst>
+                  <a:ext uri="{0D108BD9-81ED-4DB2-BD59-A6C34878D82A}">
+                    <a16:rowId xmlns:a16="http://schemas.microsoft.com/office/drawing/2014/main" val="10000"/>
+                  </a:ext>
+                </a:extLst>
               </a:tr>
               <a:tr h="381000">
                 <a:tc>
@@ -17984,6 +18094,11 @@
                     </a:lnB>
                   </a:tcPr>
                 </a:tc>
+                <a:extLst>
+                  <a:ext uri="{0D108BD9-81ED-4DB2-BD59-A6C34878D82A}">
+                    <a16:rowId xmlns:a16="http://schemas.microsoft.com/office/drawing/2014/main" val="10001"/>
+                  </a:ext>
+                </a:extLst>
               </a:tr>
               <a:tr h="381000">
                 <a:tc>
@@ -18286,6 +18401,11 @@
                     </a:lnB>
                   </a:tcPr>
                 </a:tc>
+                <a:extLst>
+                  <a:ext uri="{0D108BD9-81ED-4DB2-BD59-A6C34878D82A}">
+                    <a16:rowId xmlns:a16="http://schemas.microsoft.com/office/drawing/2014/main" val="10002"/>
+                  </a:ext>
+                </a:extLst>
               </a:tr>
               <a:tr h="381000">
                 <a:tc>
@@ -18588,6 +18708,11 @@
                     </a:lnB>
                   </a:tcPr>
                 </a:tc>
+                <a:extLst>
+                  <a:ext uri="{0D108BD9-81ED-4DB2-BD59-A6C34878D82A}">
+                    <a16:rowId xmlns:a16="http://schemas.microsoft.com/office/drawing/2014/main" val="10003"/>
+                  </a:ext>
+                </a:extLst>
               </a:tr>
               <a:tr h="381000">
                 <a:tc>
@@ -18890,6 +19015,11 @@
                     </a:lnB>
                   </a:tcPr>
                 </a:tc>
+                <a:extLst>
+                  <a:ext uri="{0D108BD9-81ED-4DB2-BD59-A6C34878D82A}">
+                    <a16:rowId xmlns:a16="http://schemas.microsoft.com/office/drawing/2014/main" val="10004"/>
+                  </a:ext>
+                </a:extLst>
               </a:tr>
               <a:tr h="381000">
                 <a:tc>
@@ -19192,6 +19322,11 @@
                     </a:lnB>
                   </a:tcPr>
                 </a:tc>
+                <a:extLst>
+                  <a:ext uri="{0D108BD9-81ED-4DB2-BD59-A6C34878D82A}">
+                    <a16:rowId xmlns:a16="http://schemas.microsoft.com/office/drawing/2014/main" val="10005"/>
+                  </a:ext>
+                </a:extLst>
               </a:tr>
               <a:tr h="381000">
                 <a:tc>
@@ -19494,6 +19629,11 @@
                     </a:lnB>
                   </a:tcPr>
                 </a:tc>
+                <a:extLst>
+                  <a:ext uri="{0D108BD9-81ED-4DB2-BD59-A6C34878D82A}">
+                    <a16:rowId xmlns:a16="http://schemas.microsoft.com/office/drawing/2014/main" val="10006"/>
+                  </a:ext>
+                </a:extLst>
               </a:tr>
               <a:tr h="381000">
                 <a:tc>
@@ -19796,6 +19936,11 @@
                     </a:lnB>
                   </a:tcPr>
                 </a:tc>
+                <a:extLst>
+                  <a:ext uri="{0D108BD9-81ED-4DB2-BD59-A6C34878D82A}">
+                    <a16:rowId xmlns:a16="http://schemas.microsoft.com/office/drawing/2014/main" val="10007"/>
+                  </a:ext>
+                </a:extLst>
               </a:tr>
               <a:tr h="381000">
                 <a:tc>
@@ -20102,6 +20247,11 @@
                     </a:lnB>
                   </a:tcPr>
                 </a:tc>
+                <a:extLst>
+                  <a:ext uri="{0D108BD9-81ED-4DB2-BD59-A6C34878D82A}">
+                    <a16:rowId xmlns:a16="http://schemas.microsoft.com/office/drawing/2014/main" val="10008"/>
+                  </a:ext>
+                </a:extLst>
               </a:tr>
             </a:tbl>
           </a:graphicData>
@@ -21188,10 +21338,10 @@
               <a:buNone/>
             </a:pPr>
             <a:r>
-              <a:rPr lang="fr-CH"/>
-              <a:t>Angular 2</a:t>
+              <a:rPr lang="fr-CH" dirty="0" err="1"/>
+              <a:t>Angular</a:t>
             </a:r>
-            <a:endParaRPr/>
+            <a:endParaRPr dirty="0"/>
           </a:p>
         </p:txBody>
       </p:sp>

--- a/G6_presentation_intermediaire_fuchs_butty_rial.pptx
+++ b/G6_presentation_intermediaire_fuchs_butty_rial.pptx
@@ -1389,127 +1389,7 @@
               <a:buSzPts val="2800"/>
               <a:buChar char="–"/>
             </a:pPr>
-            <a:r>
-              <a:rPr lang="fr-CH" sz="2800">
-                <a:solidFill>
-                  <a:schemeClr val="dk1"/>
-                </a:solidFill>
-                <a:latin typeface="Arial"/>
-                <a:ea typeface="Arial"/>
-                <a:cs typeface="Arial"/>
-                <a:sym typeface="Arial"/>
-              </a:rPr>
-              <a:t>L’organisateur peut gérer le concours</a:t>
-            </a:r>
-            <a:endParaRPr sz="2800">
-              <a:solidFill>
-                <a:schemeClr val="dk1"/>
-              </a:solidFill>
-              <a:latin typeface="Arial"/>
-              <a:ea typeface="Arial"/>
-              <a:cs typeface="Arial"/>
-              <a:sym typeface="Arial"/>
-            </a:endParaRPr>
-          </a:p>
-          <a:p>
-            <a:pPr marL="742950" lvl="1" indent="-285750" rtl="0">
-              <a:spcBef>
-                <a:spcPts val="560"/>
-              </a:spcBef>
-              <a:spcAft>
-                <a:spcPts val="0"/>
-              </a:spcAft>
-              <a:buClr>
-                <a:schemeClr val="dk1"/>
-              </a:buClr>
-              <a:buSzPts val="2800"/>
-              <a:buChar char="–"/>
-            </a:pPr>
-            <a:r>
-              <a:rPr lang="fr-CH" sz="2800">
-                <a:solidFill>
-                  <a:schemeClr val="dk1"/>
-                </a:solidFill>
-                <a:latin typeface="Arial"/>
-                <a:ea typeface="Arial"/>
-                <a:cs typeface="Arial"/>
-                <a:sym typeface="Arial"/>
-              </a:rPr>
-              <a:t>Les joueurs peuvent s’inscrire en équipes</a:t>
-            </a:r>
-            <a:endParaRPr sz="2800">
-              <a:solidFill>
-                <a:schemeClr val="dk1"/>
-              </a:solidFill>
-              <a:latin typeface="Arial"/>
-              <a:ea typeface="Arial"/>
-              <a:cs typeface="Arial"/>
-              <a:sym typeface="Arial"/>
-            </a:endParaRPr>
-          </a:p>
-          <a:p>
-            <a:pPr marL="742950" lvl="1" indent="-285750" rtl="0">
-              <a:spcBef>
-                <a:spcPts val="560"/>
-              </a:spcBef>
-              <a:spcAft>
-                <a:spcPts val="0"/>
-              </a:spcAft>
-              <a:buClr>
-                <a:schemeClr val="dk1"/>
-              </a:buClr>
-              <a:buSzPts val="2800"/>
-              <a:buChar char="–"/>
-            </a:pPr>
-            <a:r>
-              <a:rPr lang="fr-CH" sz="2800">
-                <a:solidFill>
-                  <a:schemeClr val="dk1"/>
-                </a:solidFill>
-                <a:latin typeface="Arial"/>
-                <a:ea typeface="Arial"/>
-                <a:cs typeface="Arial"/>
-                <a:sym typeface="Arial"/>
-              </a:rPr>
-              <a:t>Les groupes peuvent soumettre des solutions</a:t>
-            </a:r>
-            <a:endParaRPr sz="2800">
-              <a:solidFill>
-                <a:schemeClr val="dk1"/>
-              </a:solidFill>
-              <a:latin typeface="Arial"/>
-              <a:ea typeface="Arial"/>
-              <a:cs typeface="Arial"/>
-              <a:sym typeface="Arial"/>
-            </a:endParaRPr>
-          </a:p>
-          <a:p>
-            <a:pPr marL="742950" lvl="1" indent="-285750" rtl="0">
-              <a:spcBef>
-                <a:spcPts val="560"/>
-              </a:spcBef>
-              <a:spcAft>
-                <a:spcPts val="0"/>
-              </a:spcAft>
-              <a:buClr>
-                <a:schemeClr val="dk1"/>
-              </a:buClr>
-              <a:buSzPts val="2800"/>
-              <a:buChar char="–"/>
-            </a:pPr>
-            <a:r>
-              <a:rPr lang="fr-CH" sz="2800">
-                <a:solidFill>
-                  <a:schemeClr val="dk1"/>
-                </a:solidFill>
-                <a:latin typeface="Arial"/>
-                <a:ea typeface="Arial"/>
-                <a:cs typeface="Arial"/>
-                <a:sym typeface="Arial"/>
-              </a:rPr>
-              <a:t>L’organisateur peut évaluer les solutions</a:t>
-            </a:r>
-            <a:endParaRPr/>
+            <a:endParaRPr dirty="0"/>
           </a:p>
         </p:txBody>
       </p:sp>
@@ -14505,7 +14385,7 @@
           <p:nvPr>
             <p:extLst>
               <p:ext uri="{D42A27DB-BD31-4B8C-83A1-F6EECF244321}">
-                <p14:modId xmlns:p14="http://schemas.microsoft.com/office/powerpoint/2010/main" val="964445884"/>
+                <p14:modId xmlns:p14="http://schemas.microsoft.com/office/powerpoint/2010/main" val="1455590964"/>
               </p:ext>
             </p:extLst>
           </p:nvPr>
@@ -14664,8 +14544,8 @@
                         <a:buNone/>
                       </a:pPr>
                       <a:r>
-                        <a:rPr lang="fr-CH" dirty="0"/>
-                        <a:t>Angular2</a:t>
+                        <a:rPr lang="fr-CH" dirty="0" err="1" smtClean="0"/>
+                        <a:t>Angular</a:t>
                       </a:r>
                       <a:endParaRPr dirty="0"/>
                     </a:p>
@@ -20235,10 +20115,18 @@
               <a:buNone/>
             </a:pPr>
             <a:r>
-              <a:rPr lang="fr-CH"/>
-              <a:t>Utilisation de Spring Data JPA</a:t>
+              <a:rPr lang="fr-CH" dirty="0"/>
+              <a:t>Utilisation de </a:t>
             </a:r>
-            <a:endParaRPr/>
+            <a:r>
+              <a:rPr lang="fr-CH" dirty="0" err="1"/>
+              <a:t>Spring</a:t>
+            </a:r>
+            <a:r>
+              <a:rPr lang="fr-CH" dirty="0"/>
+              <a:t> Data JPA</a:t>
+            </a:r>
+            <a:endParaRPr dirty="0"/>
           </a:p>
           <a:p>
             <a:pPr marL="0" marR="0" lvl="0" indent="0" algn="l" rtl="0">
@@ -20255,7 +20143,7 @@
               <a:buFont typeface="Arial"/>
               <a:buNone/>
             </a:pPr>
-            <a:endParaRPr sz="2400"/>
+            <a:endParaRPr sz="2400" dirty="0"/>
           </a:p>
           <a:p>
             <a:pPr marL="0" marR="0" lvl="0" indent="0" algn="l" rtl="0">
@@ -20273,10 +20161,10 @@
               <a:buNone/>
             </a:pPr>
             <a:r>
-              <a:rPr lang="fr-CH" sz="2400"/>
+              <a:rPr lang="fr-CH" sz="2400" dirty="0"/>
               <a:t>Plusieurs méthodes déjà implémentées :</a:t>
             </a:r>
-            <a:endParaRPr sz="2400"/>
+            <a:endParaRPr sz="2400" dirty="0"/>
           </a:p>
           <a:p>
             <a:pPr marL="457200" marR="0" lvl="0" indent="-381000" algn="l" rtl="0">
@@ -20290,10 +20178,14 @@
               <a:buChar char="-"/>
             </a:pPr>
             <a:r>
-              <a:rPr lang="fr-CH" sz="2400"/>
-              <a:t>findAll()</a:t>
+              <a:rPr lang="fr-CH" sz="2400" dirty="0" err="1"/>
+              <a:t>findAll</a:t>
             </a:r>
-            <a:endParaRPr sz="2400"/>
+            <a:r>
+              <a:rPr lang="fr-CH" sz="2400" dirty="0"/>
+              <a:t>()</a:t>
+            </a:r>
+            <a:endParaRPr sz="2400" dirty="0"/>
           </a:p>
           <a:p>
             <a:pPr marL="457200" marR="0" lvl="0" indent="-381000" algn="l" rtl="0">
@@ -20307,11 +20199,15 @@
               <a:buChar char="-"/>
             </a:pPr>
             <a:r>
-              <a:rPr lang="fr-CH" sz="2400"/>
-              <a:t>findById(</a:t>
+              <a:rPr lang="fr-CH" sz="2400" dirty="0" err="1"/>
+              <a:t>findById</a:t>
             </a:r>
             <a:r>
-              <a:rPr lang="fr-CH" sz="2400">
+              <a:rPr lang="fr-CH" sz="2400" dirty="0"/>
+              <a:t>(</a:t>
+            </a:r>
+            <a:r>
+              <a:rPr lang="fr-CH" sz="2400" dirty="0">
                 <a:solidFill>
                   <a:srgbClr val="999999"/>
                 </a:solidFill>
@@ -20319,10 +20215,10 @@
               <a:t>ID</a:t>
             </a:r>
             <a:r>
-              <a:rPr lang="fr-CH" sz="2400"/>
+              <a:rPr lang="fr-CH" sz="2400" dirty="0"/>
               <a:t>)</a:t>
             </a:r>
-            <a:endParaRPr sz="2400"/>
+            <a:endParaRPr sz="2400" dirty="0"/>
           </a:p>
           <a:p>
             <a:pPr marL="457200" marR="0" lvl="0" indent="-381000" algn="l" rtl="0">
@@ -20336,11 +20232,15 @@
               <a:buChar char="-"/>
             </a:pPr>
             <a:r>
-              <a:rPr lang="fr-CH" sz="2400"/>
-              <a:t>save(</a:t>
+              <a:rPr lang="fr-CH" sz="2400" dirty="0" err="1"/>
+              <a:t>save</a:t>
             </a:r>
             <a:r>
-              <a:rPr lang="fr-CH" sz="2400">
+              <a:rPr lang="fr-CH" sz="2400" dirty="0"/>
+              <a:t>(</a:t>
+            </a:r>
+            <a:r>
+              <a:rPr lang="fr-CH" sz="2400" dirty="0" err="1">
                 <a:solidFill>
                   <a:srgbClr val="999999"/>
                 </a:solidFill>
@@ -20348,10 +20248,10 @@
               <a:t>Entity</a:t>
             </a:r>
             <a:r>
-              <a:rPr lang="fr-CH" sz="2400"/>
+              <a:rPr lang="fr-CH" sz="2400" dirty="0"/>
               <a:t>)</a:t>
             </a:r>
-            <a:endParaRPr sz="2400"/>
+            <a:endParaRPr sz="2400" dirty="0"/>
           </a:p>
           <a:p>
             <a:pPr marL="457200" marR="0" lvl="0" indent="-381000" algn="l" rtl="0">
@@ -20365,11 +20265,15 @@
               <a:buChar char="-"/>
             </a:pPr>
             <a:r>
-              <a:rPr lang="fr-CH" sz="2400"/>
-              <a:t>delete(</a:t>
+              <a:rPr lang="fr-CH" sz="2400" dirty="0" err="1"/>
+              <a:t>delete</a:t>
             </a:r>
             <a:r>
-              <a:rPr lang="fr-CH" sz="2400">
+              <a:rPr lang="fr-CH" sz="2400" dirty="0"/>
+              <a:t>(</a:t>
+            </a:r>
+            <a:r>
+              <a:rPr lang="fr-CH" sz="2400" dirty="0">
                 <a:solidFill>
                   <a:srgbClr val="999999"/>
                 </a:solidFill>
@@ -20377,10 +20281,10 @@
               <a:t>ID</a:t>
             </a:r>
             <a:r>
-              <a:rPr lang="fr-CH" sz="2400"/>
+              <a:rPr lang="fr-CH" sz="2400" dirty="0"/>
               <a:t>)</a:t>
             </a:r>
-            <a:endParaRPr sz="2400"/>
+            <a:endParaRPr sz="2400" dirty="0"/>
           </a:p>
           <a:p>
             <a:pPr marL="0" marR="0" lvl="0" indent="0" algn="l" rtl="0">
@@ -20392,7 +20296,7 @@
               </a:spcAft>
               <a:buNone/>
             </a:pPr>
-            <a:endParaRPr sz="2400"/>
+            <a:endParaRPr sz="2400" dirty="0"/>
           </a:p>
           <a:p>
             <a:pPr marL="0" marR="0" lvl="0" indent="0" algn="l" rtl="0">
@@ -20408,10 +20312,10 @@
               <a:buNone/>
             </a:pPr>
             <a:r>
-              <a:rPr lang="fr-CH" sz="2400"/>
+              <a:rPr lang="fr-CH" sz="2400" dirty="0"/>
               <a:t>Requête personnalisée :</a:t>
             </a:r>
-            <a:endParaRPr sz="2400"/>
+            <a:endParaRPr sz="2400" dirty="0"/>
           </a:p>
           <a:p>
             <a:pPr marL="0" lvl="0" indent="0" rtl="0">
@@ -20432,7 +20336,7 @@
               <a:buNone/>
             </a:pPr>
             <a:r>
-              <a:rPr lang="fr-CH" sz="1600">
+              <a:rPr lang="fr-CH" sz="1600" dirty="0">
                 <a:solidFill>
                   <a:srgbClr val="006666"/>
                 </a:solidFill>
@@ -20441,10 +20345,22 @@
                 <a:cs typeface="Consolas"/>
                 <a:sym typeface="Consolas"/>
               </a:rPr>
-              <a:t>@Query</a:t>
+              <a:t>@</a:t>
             </a:r>
             <a:r>
-              <a:rPr lang="fr-CH" sz="1600">
+              <a:rPr lang="fr-CH" sz="1600" dirty="0" err="1">
+                <a:solidFill>
+                  <a:srgbClr val="006666"/>
+                </a:solidFill>
+                <a:latin typeface="Consolas"/>
+                <a:ea typeface="Consolas"/>
+                <a:cs typeface="Consolas"/>
+                <a:sym typeface="Consolas"/>
+              </a:rPr>
+              <a:t>Query</a:t>
+            </a:r>
+            <a:r>
+              <a:rPr lang="fr-CH" sz="1600" dirty="0">
                 <a:latin typeface="Consolas"/>
                 <a:ea typeface="Consolas"/>
                 <a:cs typeface="Consolas"/>
@@ -20453,7 +20369,7 @@
               <a:t>(</a:t>
             </a:r>
             <a:r>
-              <a:rPr lang="fr-CH" sz="1600">
+              <a:rPr lang="fr-CH" sz="1600" dirty="0">
                 <a:solidFill>
                   <a:srgbClr val="6AA84F"/>
                 </a:solidFill>
@@ -20462,10 +20378,106 @@
                 <a:cs typeface="Consolas"/>
                 <a:sym typeface="Consolas"/>
               </a:rPr>
-              <a:t>"select p from Person p where p.firstname = :#{#person.firstname}"</a:t>
+              <a:t>"select p </a:t>
             </a:r>
             <a:r>
-              <a:rPr lang="fr-CH" sz="1600">
+              <a:rPr lang="fr-CH" sz="1600" dirty="0" err="1">
+                <a:solidFill>
+                  <a:srgbClr val="6AA84F"/>
+                </a:solidFill>
+                <a:latin typeface="Consolas"/>
+                <a:ea typeface="Consolas"/>
+                <a:cs typeface="Consolas"/>
+                <a:sym typeface="Consolas"/>
+              </a:rPr>
+              <a:t>from</a:t>
+            </a:r>
+            <a:r>
+              <a:rPr lang="fr-CH" sz="1600" dirty="0">
+                <a:solidFill>
+                  <a:srgbClr val="6AA84F"/>
+                </a:solidFill>
+                <a:latin typeface="Consolas"/>
+                <a:ea typeface="Consolas"/>
+                <a:cs typeface="Consolas"/>
+                <a:sym typeface="Consolas"/>
+              </a:rPr>
+              <a:t> Person p </a:t>
+            </a:r>
+            <a:r>
+              <a:rPr lang="fr-CH" sz="1600" dirty="0" err="1">
+                <a:solidFill>
+                  <a:srgbClr val="6AA84F"/>
+                </a:solidFill>
+                <a:latin typeface="Consolas"/>
+                <a:ea typeface="Consolas"/>
+                <a:cs typeface="Consolas"/>
+                <a:sym typeface="Consolas"/>
+              </a:rPr>
+              <a:t>where</a:t>
+            </a:r>
+            <a:r>
+              <a:rPr lang="fr-CH" sz="1600" dirty="0">
+                <a:solidFill>
+                  <a:srgbClr val="6AA84F"/>
+                </a:solidFill>
+                <a:latin typeface="Consolas"/>
+                <a:ea typeface="Consolas"/>
+                <a:cs typeface="Consolas"/>
+                <a:sym typeface="Consolas"/>
+              </a:rPr>
+              <a:t> </a:t>
+            </a:r>
+            <a:r>
+              <a:rPr lang="fr-CH" sz="1600" dirty="0" err="1">
+                <a:solidFill>
+                  <a:srgbClr val="6AA84F"/>
+                </a:solidFill>
+                <a:latin typeface="Consolas"/>
+                <a:ea typeface="Consolas"/>
+                <a:cs typeface="Consolas"/>
+                <a:sym typeface="Consolas"/>
+              </a:rPr>
+              <a:t>p.firstname</a:t>
+            </a:r>
+            <a:r>
+              <a:rPr lang="fr-CH" sz="1600" dirty="0">
+                <a:solidFill>
+                  <a:srgbClr val="6AA84F"/>
+                </a:solidFill>
+                <a:latin typeface="Consolas"/>
+                <a:ea typeface="Consolas"/>
+                <a:cs typeface="Consolas"/>
+                <a:sym typeface="Consolas"/>
+              </a:rPr>
+              <a:t> = :#{#</a:t>
+            </a:r>
+            <a:r>
+              <a:rPr lang="fr-CH" sz="1600" dirty="0" err="1">
+                <a:solidFill>
+                  <a:srgbClr val="6AA84F"/>
+                </a:solidFill>
+                <a:latin typeface="Consolas"/>
+                <a:ea typeface="Consolas"/>
+                <a:cs typeface="Consolas"/>
+                <a:sym typeface="Consolas"/>
+              </a:rPr>
+              <a:t>person.firstname</a:t>
+            </a:r>
+            <a:r>
+              <a:rPr lang="fr-CH" sz="1600" dirty="0">
+                <a:solidFill>
+                  <a:srgbClr val="6AA84F"/>
+                </a:solidFill>
+                <a:latin typeface="Consolas"/>
+                <a:ea typeface="Consolas"/>
+                <a:cs typeface="Consolas"/>
+                <a:sym typeface="Consolas"/>
+              </a:rPr>
+              <a:t>}"</a:t>
+            </a:r>
+            <a:r>
+              <a:rPr lang="fr-CH" sz="1600" dirty="0">
                 <a:latin typeface="Consolas"/>
                 <a:ea typeface="Consolas"/>
                 <a:cs typeface="Consolas"/>
@@ -20473,7 +20485,7 @@
               </a:rPr>
               <a:t>)</a:t>
             </a:r>
-            <a:endParaRPr sz="1600">
+            <a:endParaRPr sz="1600" dirty="0">
               <a:latin typeface="Consolas"/>
               <a:ea typeface="Consolas"/>
               <a:cs typeface="Consolas"/>
@@ -20499,7 +20511,7 @@
               <a:buNone/>
             </a:pPr>
             <a:r>
-              <a:rPr lang="fr-CH" sz="1600">
+              <a:rPr lang="fr-CH" sz="1600" dirty="0">
                 <a:solidFill>
                   <a:srgbClr val="351C75"/>
                 </a:solidFill>
@@ -20511,7 +20523,7 @@
               <a:t>List</a:t>
             </a:r>
             <a:r>
-              <a:rPr lang="fr-CH" sz="1600">
+              <a:rPr lang="fr-CH" sz="1600" dirty="0">
                 <a:latin typeface="Consolas"/>
                 <a:ea typeface="Consolas"/>
                 <a:cs typeface="Consolas"/>
@@ -20520,7 +20532,7 @@
               <a:t>&lt;</a:t>
             </a:r>
             <a:r>
-              <a:rPr lang="fr-CH" sz="1600">
+              <a:rPr lang="fr-CH" sz="1600" dirty="0">
                 <a:solidFill>
                   <a:srgbClr val="351C75"/>
                 </a:solidFill>
@@ -20532,28 +20544,25 @@
               <a:t>Person</a:t>
             </a:r>
             <a:r>
-              <a:rPr lang="fr-CH" sz="1600">
+              <a:rPr lang="fr-CH" sz="1600" dirty="0">
                 <a:latin typeface="Consolas"/>
                 <a:ea typeface="Consolas"/>
                 <a:cs typeface="Consolas"/>
                 <a:sym typeface="Consolas"/>
               </a:rPr>
-              <a:t>&gt; findUsersByFirstname(</a:t>
+              <a:t>&gt; </a:t>
             </a:r>
             <a:r>
-              <a:rPr lang="fr-CH" sz="1600">
-                <a:solidFill>
-                  <a:srgbClr val="4A6782"/>
-                </a:solidFill>
+              <a:rPr lang="fr-CH" sz="1600" dirty="0" err="1">
                 <a:latin typeface="Consolas"/>
                 <a:ea typeface="Consolas"/>
                 <a:cs typeface="Consolas"/>
                 <a:sym typeface="Consolas"/>
               </a:rPr>
-              <a:t>@Param</a:t>
+              <a:t>findUsersByFirstname</a:t>
             </a:r>
             <a:r>
-              <a:rPr lang="fr-CH" sz="1600">
+              <a:rPr lang="fr-CH" sz="1600" dirty="0">
                 <a:latin typeface="Consolas"/>
                 <a:ea typeface="Consolas"/>
                 <a:cs typeface="Consolas"/>
@@ -20562,19 +20571,76 @@
               <a:t>(</a:t>
             </a:r>
             <a:r>
-              <a:rPr lang="fr-CH" sz="1600">
-                <a:solidFill>
-                  <a:srgbClr val="6AA84F"/>
+              <a:rPr lang="fr-CH" sz="1600" dirty="0">
+                <a:solidFill>
+                  <a:srgbClr val="4A6782"/>
                 </a:solidFill>
                 <a:latin typeface="Consolas"/>
                 <a:ea typeface="Consolas"/>
                 <a:cs typeface="Consolas"/>
                 <a:sym typeface="Consolas"/>
               </a:rPr>
-              <a:t>"person"</a:t>
+              <a:t>@</a:t>
             </a:r>
             <a:r>
-              <a:rPr lang="fr-CH" sz="1600">
+              <a:rPr lang="fr-CH" sz="1600" dirty="0" err="1">
+                <a:solidFill>
+                  <a:srgbClr val="4A6782"/>
+                </a:solidFill>
+                <a:latin typeface="Consolas"/>
+                <a:ea typeface="Consolas"/>
+                <a:cs typeface="Consolas"/>
+                <a:sym typeface="Consolas"/>
+              </a:rPr>
+              <a:t>Param</a:t>
+            </a:r>
+            <a:r>
+              <a:rPr lang="fr-CH" sz="1600" dirty="0">
+                <a:latin typeface="Consolas"/>
+                <a:ea typeface="Consolas"/>
+                <a:cs typeface="Consolas"/>
+                <a:sym typeface="Consolas"/>
+              </a:rPr>
+              <a:t>(</a:t>
+            </a:r>
+            <a:r>
+              <a:rPr lang="fr-CH" sz="1600" dirty="0">
+                <a:solidFill>
+                  <a:srgbClr val="6AA84F"/>
+                </a:solidFill>
+                <a:latin typeface="Consolas"/>
+                <a:ea typeface="Consolas"/>
+                <a:cs typeface="Consolas"/>
+                <a:sym typeface="Consolas"/>
+              </a:rPr>
+              <a:t>"</a:t>
+            </a:r>
+            <a:r>
+              <a:rPr lang="fr-CH" sz="1600" dirty="0" err="1">
+                <a:solidFill>
+                  <a:srgbClr val="6AA84F"/>
+                </a:solidFill>
+                <a:latin typeface="Consolas"/>
+                <a:ea typeface="Consolas"/>
+                <a:cs typeface="Consolas"/>
+                <a:sym typeface="Consolas"/>
+              </a:rPr>
+              <a:t>person</a:t>
+            </a:r>
+            <a:r>
+              <a:rPr lang="fr-CH" sz="1600" dirty="0">
+                <a:solidFill>
+                  <a:srgbClr val="6AA84F"/>
+                </a:solidFill>
+                <a:latin typeface="Consolas"/>
+                <a:ea typeface="Consolas"/>
+                <a:cs typeface="Consolas"/>
+                <a:sym typeface="Consolas"/>
+              </a:rPr>
+              <a:t>"</a:t>
+            </a:r>
+            <a:r>
+              <a:rPr lang="fr-CH" sz="1600" dirty="0">
                 <a:latin typeface="Consolas"/>
                 <a:ea typeface="Consolas"/>
                 <a:cs typeface="Consolas"/>
@@ -20583,7 +20649,7 @@
               <a:t>) </a:t>
             </a:r>
             <a:r>
-              <a:rPr lang="fr-CH" sz="1600">
+              <a:rPr lang="fr-CH" sz="1600" dirty="0">
                 <a:solidFill>
                   <a:srgbClr val="351C75"/>
                 </a:solidFill>
@@ -20595,15 +20661,33 @@
               <a:t>Person</a:t>
             </a:r>
             <a:r>
-              <a:rPr lang="fr-CH" sz="1600">
+              <a:rPr lang="fr-CH" sz="1600" dirty="0">
                 <a:latin typeface="Consolas"/>
                 <a:ea typeface="Consolas"/>
                 <a:cs typeface="Consolas"/>
                 <a:sym typeface="Consolas"/>
               </a:rPr>
-              <a:t> person);</a:t>
+              <a:t> </a:t>
             </a:r>
-            <a:endParaRPr sz="1600">
+            <a:r>
+              <a:rPr lang="fr-CH" sz="1600" dirty="0" err="1">
+                <a:latin typeface="Consolas"/>
+                <a:ea typeface="Consolas"/>
+                <a:cs typeface="Consolas"/>
+                <a:sym typeface="Consolas"/>
+              </a:rPr>
+              <a:t>person</a:t>
+            </a:r>
+            <a:r>
+              <a:rPr lang="fr-CH" sz="1600" dirty="0">
+                <a:latin typeface="Consolas"/>
+                <a:ea typeface="Consolas"/>
+                <a:cs typeface="Consolas"/>
+                <a:sym typeface="Consolas"/>
+              </a:rPr>
+              <a:t>);</a:t>
+            </a:r>
+            <a:endParaRPr sz="1600" dirty="0">
               <a:latin typeface="Consolas"/>
               <a:ea typeface="Consolas"/>
               <a:cs typeface="Consolas"/>
@@ -20620,7 +20704,7 @@
               </a:spcAft>
               <a:buNone/>
             </a:pPr>
-            <a:endParaRPr sz="1800"/>
+            <a:endParaRPr sz="1800" dirty="0"/>
           </a:p>
         </p:txBody>
       </p:sp>
@@ -21188,10 +21272,14 @@
               <a:buNone/>
             </a:pPr>
             <a:r>
-              <a:rPr lang="fr-CH"/>
-              <a:t>Angular 2</a:t>
+              <a:rPr lang="fr-CH" dirty="0" err="1"/>
+              <a:t>Angular</a:t>
             </a:r>
-            <a:endParaRPr/>
+            <a:r>
+              <a:rPr lang="fr-CH" dirty="0"/>
+              <a:t> </a:t>
+            </a:r>
+            <a:endParaRPr dirty="0"/>
           </a:p>
         </p:txBody>
       </p:sp>
